--- a/Final .pptx
+++ b/Final .pptx
@@ -6,40 +6,19 @@
     <p:sldMasterId id="2147483662" r:id="rId2"/>
   </p:sldMasterIdLst>
   <p:notesMasterIdLst>
-    <p:notesMasterId r:id="rId34"/>
+    <p:notesMasterId r:id="rId13"/>
   </p:notesMasterIdLst>
   <p:sldIdLst>
     <p:sldId id="278" r:id="rId3"/>
     <p:sldId id="256" r:id="rId4"/>
-    <p:sldId id="279" r:id="rId5"/>
-    <p:sldId id="257" r:id="rId6"/>
-    <p:sldId id="288" r:id="rId7"/>
-    <p:sldId id="259" r:id="rId8"/>
-    <p:sldId id="261" r:id="rId9"/>
-    <p:sldId id="262" r:id="rId10"/>
-    <p:sldId id="263" r:id="rId11"/>
-    <p:sldId id="264" r:id="rId12"/>
-    <p:sldId id="265" r:id="rId13"/>
-    <p:sldId id="266" r:id="rId14"/>
-    <p:sldId id="267" r:id="rId15"/>
-    <p:sldId id="269" r:id="rId16"/>
-    <p:sldId id="270" r:id="rId17"/>
-    <p:sldId id="272" r:id="rId18"/>
-    <p:sldId id="280" r:id="rId19"/>
-    <p:sldId id="281" r:id="rId20"/>
-    <p:sldId id="273" r:id="rId21"/>
-    <p:sldId id="271" r:id="rId22"/>
-    <p:sldId id="260" r:id="rId23"/>
-    <p:sldId id="274" r:id="rId24"/>
-    <p:sldId id="275" r:id="rId25"/>
-    <p:sldId id="276" r:id="rId26"/>
-    <p:sldId id="282" r:id="rId27"/>
-    <p:sldId id="283" r:id="rId28"/>
-    <p:sldId id="277" r:id="rId29"/>
-    <p:sldId id="284" r:id="rId30"/>
-    <p:sldId id="285" r:id="rId31"/>
-    <p:sldId id="286" r:id="rId32"/>
-    <p:sldId id="287" r:id="rId33"/>
+    <p:sldId id="259" r:id="rId5"/>
+    <p:sldId id="288" r:id="rId6"/>
+    <p:sldId id="279" r:id="rId7"/>
+    <p:sldId id="282" r:id="rId8"/>
+    <p:sldId id="263" r:id="rId9"/>
+    <p:sldId id="257" r:id="rId10"/>
+    <p:sldId id="261" r:id="rId11"/>
+    <p:sldId id="289" r:id="rId12"/>
   </p:sldIdLst>
   <p:sldSz cx="12192000" cy="6858000"/>
   <p:notesSz cx="6858000" cy="9144000"/>
@@ -228,7 +207,7 @@
           <a:p>
             <a:fld id="{C2F52EAE-335C-4942-B6C8-A2224313645D}" type="datetimeFigureOut">
               <a:rPr lang="en-US" smtClean="0"/>
-              <a:t>1/16/2019</a:t>
+              <a:t>6/28/2019</a:t>
             </a:fld>
             <a:endParaRPr lang="en-US"/>
           </a:p>
@@ -588,7 +567,7 @@
               </a:spcAft>
               <a:buNone/>
             </a:pPr>
-            <a:endParaRPr/>
+            <a:endParaRPr dirty="0"/>
           </a:p>
         </p:txBody>
       </p:sp>
@@ -719,7 +698,7 @@
   <p:cSld>
     <p:spTree>
       <p:nvGrpSpPr>
-        <p:cNvPr id="1" name="Shape 109"/>
+        <p:cNvPr id="1" name="Shape 87"/>
         <p:cNvGrpSpPr/>
         <p:nvPr/>
       </p:nvGrpSpPr>
@@ -733,7 +712,7 @@
       </p:grpSpPr>
       <p:sp>
         <p:nvSpPr>
-          <p:cNvPr id="110" name="Google Shape;110;gc6f9e470d_0_47:notes"/>
+          <p:cNvPr id="88" name="Google Shape;88;gc6f90357f_0_27:notes"/>
           <p:cNvSpPr>
             <a:spLocks noGrp="1" noRot="1" noChangeAspect="1"/>
           </p:cNvSpPr>
@@ -774,7 +753,7 @@
       </p:sp>
       <p:sp>
         <p:nvSpPr>
-          <p:cNvPr id="111" name="Google Shape;111;gc6f9e470d_0_47:notes"/>
+          <p:cNvPr id="89" name="Google Shape;89;gc6f90357f_0_27:notes"/>
           <p:cNvSpPr txBox="1">
             <a:spLocks noGrp="1"/>
           </p:cNvSpPr>
@@ -813,7 +792,7 @@
     </p:spTree>
     <p:extLst>
       <p:ext uri="{BB962C8B-B14F-4D97-AF65-F5344CB8AC3E}">
-        <p14:creationId xmlns:p14="http://schemas.microsoft.com/office/powerpoint/2010/main" val="461981975"/>
+        <p14:creationId xmlns:p14="http://schemas.microsoft.com/office/powerpoint/2010/main" val="2197772308"/>
       </p:ext>
     </p:extLst>
   </p:cSld>
@@ -828,7 +807,7 @@
   <p:cSld>
     <p:spTree>
       <p:nvGrpSpPr>
-        <p:cNvPr id="1" name="Shape 97"/>
+        <p:cNvPr id="1" name="Shape 109"/>
         <p:cNvGrpSpPr/>
         <p:nvPr/>
       </p:nvGrpSpPr>
@@ -842,7 +821,7 @@
       </p:grpSpPr>
       <p:sp>
         <p:nvSpPr>
-          <p:cNvPr id="98" name="Google Shape;98;gc6f90357f_0_35:notes"/>
+          <p:cNvPr id="110" name="Google Shape;110;gc6f9e470d_0_47:notes"/>
           <p:cNvSpPr>
             <a:spLocks noGrp="1" noRot="1" noChangeAspect="1"/>
           </p:cNvSpPr>
@@ -883,7 +862,7 @@
       </p:sp>
       <p:sp>
         <p:nvSpPr>
-          <p:cNvPr id="99" name="Google Shape;99;gc6f90357f_0_35:notes"/>
+          <p:cNvPr id="111" name="Google Shape;111;gc6f9e470d_0_47:notes"/>
           <p:cNvSpPr txBox="1">
             <a:spLocks noGrp="1"/>
           </p:cNvSpPr>
@@ -915,14 +894,14 @@
               </a:spcAft>
               <a:buNone/>
             </a:pPr>
-            <a:endParaRPr dirty="0"/>
+            <a:endParaRPr/>
           </a:p>
         </p:txBody>
       </p:sp>
     </p:spTree>
     <p:extLst>
       <p:ext uri="{BB962C8B-B14F-4D97-AF65-F5344CB8AC3E}">
-        <p14:creationId xmlns:p14="http://schemas.microsoft.com/office/powerpoint/2010/main" val="526819622"/>
+        <p14:creationId xmlns:p14="http://schemas.microsoft.com/office/powerpoint/2010/main" val="461981975"/>
       </p:ext>
     </p:extLst>
   </p:cSld>
@@ -1031,7 +1010,7 @@
     </p:spTree>
     <p:extLst>
       <p:ext uri="{BB962C8B-B14F-4D97-AF65-F5344CB8AC3E}">
-        <p14:creationId xmlns:p14="http://schemas.microsoft.com/office/powerpoint/2010/main" val="2197772308"/>
+        <p14:creationId xmlns:p14="http://schemas.microsoft.com/office/powerpoint/2010/main" val="3995579410"/>
       </p:ext>
     </p:extLst>
   </p:cSld>
@@ -1046,7 +1025,7 @@
   <p:cSld>
     <p:spTree>
       <p:nvGrpSpPr>
-        <p:cNvPr id="1" name="Shape 87"/>
+        <p:cNvPr id="1" name="Shape 97"/>
         <p:cNvGrpSpPr/>
         <p:nvPr/>
       </p:nvGrpSpPr>
@@ -1060,7 +1039,7 @@
       </p:grpSpPr>
       <p:sp>
         <p:nvSpPr>
-          <p:cNvPr id="88" name="Google Shape;88;gc6f90357f_0_27:notes"/>
+          <p:cNvPr id="98" name="Google Shape;98;gc6f90357f_0_35:notes"/>
           <p:cNvSpPr>
             <a:spLocks noGrp="1" noRot="1" noChangeAspect="1"/>
           </p:cNvSpPr>
@@ -1101,7 +1080,7 @@
       </p:sp>
       <p:sp>
         <p:nvSpPr>
-          <p:cNvPr id="89" name="Google Shape;89;gc6f90357f_0_27:notes"/>
+          <p:cNvPr id="99" name="Google Shape;99;gc6f90357f_0_35:notes"/>
           <p:cNvSpPr txBox="1">
             <a:spLocks noGrp="1"/>
           </p:cNvSpPr>
@@ -1133,14 +1112,123 @@
               </a:spcAft>
               <a:buNone/>
             </a:pPr>
-            <a:endParaRPr/>
+            <a:endParaRPr dirty="0"/>
           </a:p>
         </p:txBody>
       </p:sp>
     </p:spTree>
     <p:extLst>
       <p:ext uri="{BB962C8B-B14F-4D97-AF65-F5344CB8AC3E}">
-        <p14:creationId xmlns:p14="http://schemas.microsoft.com/office/powerpoint/2010/main" val="3995579410"/>
+        <p14:creationId xmlns:p14="http://schemas.microsoft.com/office/powerpoint/2010/main" val="526819622"/>
+      </p:ext>
+    </p:extLst>
+  </p:cSld>
+  <p:clrMapOvr>
+    <a:masterClrMapping/>
+  </p:clrMapOvr>
+</p:notes>
+</file>
+
+<file path=ppt/notesSlides/notesSlide7.xml><?xml version="1.0" encoding="utf-8"?>
+<p:notes xmlns:a="http://schemas.openxmlformats.org/drawingml/2006/main" xmlns:r="http://schemas.openxmlformats.org/officeDocument/2006/relationships" xmlns:p="http://schemas.openxmlformats.org/presentationml/2006/main" showMasterSp="0" showMasterPhAnim="0">
+  <p:cSld>
+    <p:spTree>
+      <p:nvGrpSpPr>
+        <p:cNvPr id="1" name="Shape 87"/>
+        <p:cNvGrpSpPr/>
+        <p:nvPr/>
+      </p:nvGrpSpPr>
+      <p:grpSpPr>
+        <a:xfrm>
+          <a:off x="0" y="0"/>
+          <a:ext cx="0" cy="0"/>
+          <a:chOff x="0" y="0"/>
+          <a:chExt cx="0" cy="0"/>
+        </a:xfrm>
+      </p:grpSpPr>
+      <p:sp>
+        <p:nvSpPr>
+          <p:cNvPr id="88" name="Google Shape;88;gc6f90357f_0_27:notes"/>
+          <p:cNvSpPr>
+            <a:spLocks noGrp="1" noRot="1" noChangeAspect="1"/>
+          </p:cNvSpPr>
+          <p:nvPr>
+            <p:ph type="sldImg" idx="2"/>
+          </p:nvPr>
+        </p:nvSpPr>
+        <p:spPr>
+          <a:xfrm>
+            <a:off x="381000" y="685800"/>
+            <a:ext cx="6096000" cy="3429000"/>
+          </a:xfrm>
+          <a:custGeom>
+            <a:avLst/>
+            <a:gdLst/>
+            <a:ahLst/>
+            <a:cxnLst/>
+            <a:rect l="l" t="t" r="r" b="b"/>
+            <a:pathLst>
+              <a:path w="120000" h="120000" extrusionOk="0">
+                <a:moveTo>
+                  <a:pt x="0" y="0"/>
+                </a:moveTo>
+                <a:lnTo>
+                  <a:pt x="120000" y="0"/>
+                </a:lnTo>
+                <a:lnTo>
+                  <a:pt x="120000" y="120000"/>
+                </a:lnTo>
+                <a:lnTo>
+                  <a:pt x="0" y="120000"/>
+                </a:lnTo>
+                <a:close/>
+              </a:path>
+            </a:pathLst>
+          </a:custGeom>
+        </p:spPr>
+      </p:sp>
+      <p:sp>
+        <p:nvSpPr>
+          <p:cNvPr id="89" name="Google Shape;89;gc6f90357f_0_27:notes"/>
+          <p:cNvSpPr txBox="1">
+            <a:spLocks noGrp="1"/>
+          </p:cNvSpPr>
+          <p:nvPr>
+            <p:ph type="body" idx="1"/>
+          </p:nvPr>
+        </p:nvSpPr>
+        <p:spPr>
+          <a:xfrm>
+            <a:off x="685800" y="4343400"/>
+            <a:ext cx="5486400" cy="4114800"/>
+          </a:xfrm>
+          <a:prstGeom prst="rect">
+            <a:avLst/>
+          </a:prstGeom>
+        </p:spPr>
+        <p:txBody>
+          <a:bodyPr spcFirstLastPara="1" wrap="square" lIns="91425" tIns="91425" rIns="91425" bIns="91425" anchor="t" anchorCtr="0">
+            <a:noAutofit/>
+          </a:bodyPr>
+          <a:lstStyle/>
+          <a:p>
+            <a:pPr marL="0" lvl="0" indent="0" algn="l" rtl="0">
+              <a:spcBef>
+                <a:spcPts val="0"/>
+              </a:spcBef>
+              <a:spcAft>
+                <a:spcPts val="0"/>
+              </a:spcAft>
+              <a:buNone/>
+            </a:pPr>
+            <a:endParaRPr/>
+          </a:p>
+        </p:txBody>
+      </p:sp>
+    </p:spTree>
+    <p:extLst>
+      <p:ext uri="{BB962C8B-B14F-4D97-AF65-F5344CB8AC3E}">
+        <p14:creationId xmlns:p14="http://schemas.microsoft.com/office/powerpoint/2010/main" val="2464242070"/>
       </p:ext>
     </p:extLst>
   </p:cSld>
@@ -1281,7 +1369,7 @@
           <a:p>
             <a:fld id="{381AEE5A-813D-40DA-88D9-9A7B7FF99B67}" type="datetimeFigureOut">
               <a:rPr lang="en-US" smtClean="0"/>
-              <a:t>1/16/2019</a:t>
+              <a:t>6/28/2019</a:t>
             </a:fld>
             <a:endParaRPr lang="en-US"/>
           </a:p>
@@ -1451,7 +1539,7 @@
           <a:p>
             <a:fld id="{381AEE5A-813D-40DA-88D9-9A7B7FF99B67}" type="datetimeFigureOut">
               <a:rPr lang="en-US" smtClean="0"/>
-              <a:t>1/16/2019</a:t>
+              <a:t>6/28/2019</a:t>
             </a:fld>
             <a:endParaRPr lang="en-US"/>
           </a:p>
@@ -1631,7 +1719,7 @@
           <a:p>
             <a:fld id="{381AEE5A-813D-40DA-88D9-9A7B7FF99B67}" type="datetimeFigureOut">
               <a:rPr lang="en-US" smtClean="0"/>
-              <a:t>1/16/2019</a:t>
+              <a:t>6/28/2019</a:t>
             </a:fld>
             <a:endParaRPr lang="en-US"/>
           </a:p>
@@ -4884,7 +4972,7 @@
           <a:p>
             <a:fld id="{381AEE5A-813D-40DA-88D9-9A7B7FF99B67}" type="datetimeFigureOut">
               <a:rPr lang="en-US" smtClean="0"/>
-              <a:t>1/16/2019</a:t>
+              <a:t>6/28/2019</a:t>
             </a:fld>
             <a:endParaRPr lang="en-US"/>
           </a:p>
@@ -6445,7 +6533,7 @@
           <a:p>
             <a:fld id="{381AEE5A-813D-40DA-88D9-9A7B7FF99B67}" type="datetimeFigureOut">
               <a:rPr lang="en-US" smtClean="0"/>
-              <a:t>1/16/2019</a:t>
+              <a:t>6/28/2019</a:t>
             </a:fld>
             <a:endParaRPr lang="en-US"/>
           </a:p>
@@ -6677,7 +6765,7 @@
           <a:p>
             <a:fld id="{381AEE5A-813D-40DA-88D9-9A7B7FF99B67}" type="datetimeFigureOut">
               <a:rPr lang="en-US" smtClean="0"/>
-              <a:t>1/16/2019</a:t>
+              <a:t>6/28/2019</a:t>
             </a:fld>
             <a:endParaRPr lang="en-US"/>
           </a:p>
@@ -7044,7 +7132,7 @@
           <a:p>
             <a:fld id="{381AEE5A-813D-40DA-88D9-9A7B7FF99B67}" type="datetimeFigureOut">
               <a:rPr lang="en-US" smtClean="0"/>
-              <a:t>1/16/2019</a:t>
+              <a:t>6/28/2019</a:t>
             </a:fld>
             <a:endParaRPr lang="en-US"/>
           </a:p>
@@ -7162,7 +7250,7 @@
           <a:p>
             <a:fld id="{381AEE5A-813D-40DA-88D9-9A7B7FF99B67}" type="datetimeFigureOut">
               <a:rPr lang="en-US" smtClean="0"/>
-              <a:t>1/16/2019</a:t>
+              <a:t>6/28/2019</a:t>
             </a:fld>
             <a:endParaRPr lang="en-US"/>
           </a:p>
@@ -7257,7 +7345,7 @@
           <a:p>
             <a:fld id="{381AEE5A-813D-40DA-88D9-9A7B7FF99B67}" type="datetimeFigureOut">
               <a:rPr lang="en-US" smtClean="0"/>
-              <a:t>1/16/2019</a:t>
+              <a:t>6/28/2019</a:t>
             </a:fld>
             <a:endParaRPr lang="en-US"/>
           </a:p>
@@ -7534,7 +7622,7 @@
           <a:p>
             <a:fld id="{381AEE5A-813D-40DA-88D9-9A7B7FF99B67}" type="datetimeFigureOut">
               <a:rPr lang="en-US" smtClean="0"/>
-              <a:t>1/16/2019</a:t>
+              <a:t>6/28/2019</a:t>
             </a:fld>
             <a:endParaRPr lang="en-US"/>
           </a:p>
@@ -7787,7 +7875,7 @@
           <a:p>
             <a:fld id="{381AEE5A-813D-40DA-88D9-9A7B7FF99B67}" type="datetimeFigureOut">
               <a:rPr lang="en-US" smtClean="0"/>
-              <a:t>1/16/2019</a:t>
+              <a:t>6/28/2019</a:t>
             </a:fld>
             <a:endParaRPr lang="en-US"/>
           </a:p>
@@ -8000,7 +8088,7 @@
           <a:p>
             <a:fld id="{381AEE5A-813D-40DA-88D9-9A7B7FF99B67}" type="datetimeFigureOut">
               <a:rPr lang="en-US" smtClean="0"/>
-              <a:t>1/16/2019</a:t>
+              <a:t>6/28/2019</a:t>
             </a:fld>
             <a:endParaRPr lang="en-US"/>
           </a:p>
@@ -9824,10 +9912,16 @@
           <a:p>
             <a:pPr algn="ctr"/>
             <a:r>
-              <a:rPr lang="en-US" sz="5400" dirty="0"/>
-              <a:t>Analyzing Network Traffic for Designing Better Intrusion Detection System</a:t>
+              <a:rPr lang="en-US" sz="6000" dirty="0" smtClean="0">
+                <a:latin typeface="Yu Gothic UI Semilight" panose="020B0400000000000000" pitchFamily="34" charset="-128"/>
+                <a:ea typeface="Yu Gothic UI Semilight" panose="020B0400000000000000" pitchFamily="34" charset="-128"/>
+              </a:rPr>
+              <a:t>EXCEPTION HANDLING</a:t>
             </a:r>
-            <a:endParaRPr sz="5067" dirty="0"/>
+            <a:endParaRPr sz="6000" dirty="0">
+              <a:latin typeface="Yu Gothic UI Semilight" panose="020B0400000000000000" pitchFamily="34" charset="-128"/>
+              <a:ea typeface="Yu Gothic UI Semilight" panose="020B0400000000000000" pitchFamily="34" charset="-128"/>
+            </a:endParaRPr>
           </a:p>
         </p:txBody>
       </p:sp>
@@ -9861,38 +9955,6 @@
                 <a:spcPct val="150000"/>
               </a:lnSpc>
             </a:pPr>
-            <a:r>
-              <a:rPr lang="en-US" dirty="0" smtClean="0"/>
-              <a:t>P. Venkata Sai</a:t>
-            </a:r>
-            <a:endParaRPr dirty="0"/>
-          </a:p>
-          <a:p>
-            <a:pPr marL="0" indent="0">
-              <a:lnSpc>
-                <a:spcPct val="150000"/>
-              </a:lnSpc>
-            </a:pPr>
-            <a:r>
-              <a:rPr lang="en" dirty="0" smtClean="0"/>
-              <a:t>191511063</a:t>
-            </a:r>
-            <a:endParaRPr dirty="0"/>
-          </a:p>
-          <a:p>
-            <a:pPr marL="0" indent="0">
-              <a:lnSpc>
-                <a:spcPct val="150000"/>
-              </a:lnSpc>
-            </a:pPr>
-            <a:r>
-              <a:rPr lang="en" dirty="0"/>
-              <a:t>IV </a:t>
-            </a:r>
-            <a:r>
-              <a:rPr lang="en" dirty="0" smtClean="0"/>
-              <a:t>CSE</a:t>
-            </a:r>
             <a:endParaRPr dirty="0"/>
           </a:p>
         </p:txBody>
@@ -9927,74 +9989,6 @@
                 <a:spcPct val="150000"/>
               </a:lnSpc>
             </a:pPr>
-            <a:r>
-              <a:rPr lang="en" sz="2667" dirty="0">
-                <a:solidFill>
-                  <a:srgbClr val="FFFFFF"/>
-                </a:solidFill>
-                <a:latin typeface="Arial"/>
-                <a:ea typeface="Arial"/>
-                <a:cs typeface="Arial"/>
-                <a:sym typeface="Arial"/>
-              </a:rPr>
-              <a:t>Project Supervisor</a:t>
-            </a:r>
-            <a:endParaRPr sz="2667" dirty="0">
-              <a:solidFill>
-                <a:srgbClr val="FFFFFF"/>
-              </a:solidFill>
-              <a:latin typeface="Arial"/>
-              <a:ea typeface="Arial"/>
-              <a:cs typeface="Arial"/>
-              <a:sym typeface="Arial"/>
-            </a:endParaRPr>
-          </a:p>
-          <a:p>
-            <a:pPr marL="0" indent="0">
-              <a:lnSpc>
-                <a:spcPct val="150000"/>
-              </a:lnSpc>
-            </a:pPr>
-            <a:r>
-              <a:rPr lang="en" sz="2667" dirty="0" smtClean="0">
-                <a:solidFill>
-                  <a:srgbClr val="FFFFFF"/>
-                </a:solidFill>
-                <a:latin typeface="Arial"/>
-                <a:ea typeface="Arial"/>
-                <a:cs typeface="Arial"/>
-                <a:sym typeface="Arial"/>
-              </a:rPr>
-              <a:t>Dr.Chokkalingam</a:t>
-            </a:r>
-            <a:endParaRPr sz="2667" dirty="0">
-              <a:solidFill>
-                <a:srgbClr val="FFFFFF"/>
-              </a:solidFill>
-              <a:latin typeface="Arial"/>
-              <a:ea typeface="Arial"/>
-              <a:cs typeface="Arial"/>
-              <a:sym typeface="Arial"/>
-            </a:endParaRPr>
-          </a:p>
-          <a:p>
-            <a:pPr marL="0" indent="0">
-              <a:lnSpc>
-                <a:spcPct val="150000"/>
-              </a:lnSpc>
-            </a:pPr>
-            <a:r>
-              <a:rPr lang="en" sz="2667" dirty="0" smtClean="0">
-                <a:solidFill>
-                  <a:srgbClr val="FFFFFF"/>
-                </a:solidFill>
-                <a:latin typeface="Arial"/>
-                <a:ea typeface="Arial"/>
-                <a:cs typeface="Arial"/>
-                <a:sym typeface="Arial"/>
-              </a:rPr>
-              <a:t>Head of Department(CSE)</a:t>
-            </a:r>
             <a:endParaRPr sz="2667" dirty="0">
               <a:solidFill>
                 <a:srgbClr val="FFFFFF"/>
@@ -10032,7 +10026,7 @@
   <p:cSld>
     <p:spTree>
       <p:nvGrpSpPr>
-        <p:cNvPr id="1" name=""/>
+        <p:cNvPr id="1" name="Shape 90"/>
         <p:cNvGrpSpPr/>
         <p:nvPr/>
       </p:nvGrpSpPr>
@@ -10046,2673 +10040,42 @@
       </p:grpSpPr>
       <p:sp>
         <p:nvSpPr>
-          <p:cNvPr id="5" name="Rectangle 4"/>
-          <p:cNvSpPr/>
-          <p:nvPr/>
+          <p:cNvPr id="91" name="Google Shape;91;p18"/>
+          <p:cNvSpPr txBox="1">
+            <a:spLocks noGrp="1"/>
+          </p:cNvSpPr>
+          <p:nvPr>
+            <p:ph type="title"/>
+          </p:nvPr>
         </p:nvSpPr>
         <p:spPr>
           <a:xfrm>
-            <a:off x="1440610" y="3797024"/>
-            <a:ext cx="1671782" cy="1330034"/>
+            <a:off x="680600" y="2743200"/>
+            <a:ext cx="10830800" cy="1038400"/>
           </a:xfrm>
           <a:prstGeom prst="rect">
             <a:avLst/>
           </a:prstGeom>
         </p:spPr>
-        <p:style>
-          <a:lnRef idx="2">
-            <a:schemeClr val="accent1">
-              <a:shade val="50000"/>
-            </a:schemeClr>
-          </a:lnRef>
-          <a:fillRef idx="1">
-            <a:schemeClr val="accent1"/>
-          </a:fillRef>
-          <a:effectRef idx="0">
-            <a:schemeClr val="accent1"/>
-          </a:effectRef>
-          <a:fontRef idx="minor">
-            <a:schemeClr val="lt1"/>
-          </a:fontRef>
-        </p:style>
-        <p:txBody>
-          <a:bodyPr rtlCol="0" anchor="ctr"/>
+        <p:txBody>
+          <a:bodyPr spcFirstLastPara="1" vert="horz" wrap="square" lIns="121900" tIns="121900" rIns="121900" bIns="121900" rtlCol="0" anchor="b" anchorCtr="0">
+            <a:noAutofit/>
+          </a:bodyPr>
           <a:lstStyle/>
           <a:p>
             <a:pPr algn="ctr"/>
             <a:r>
-              <a:rPr lang="en-US" sz="3200" dirty="0" smtClean="0"/>
-              <a:t>Sensor</a:t>
+              <a:rPr lang="en-US" dirty="0" smtClean="0"/>
+              <a:t>Thank You</a:t>
             </a:r>
-            <a:endParaRPr lang="en-US" sz="3200" dirty="0"/>
-          </a:p>
-        </p:txBody>
-      </p:sp>
-      <p:sp>
-        <p:nvSpPr>
-          <p:cNvPr id="7" name="TextBox 6"/>
-          <p:cNvSpPr txBox="1"/>
-          <p:nvPr/>
-        </p:nvSpPr>
-        <p:spPr>
-          <a:xfrm>
-            <a:off x="248857" y="304800"/>
-            <a:ext cx="11084161" cy="707886"/>
-          </a:xfrm>
-          <a:prstGeom prst="rect">
-            <a:avLst/>
-          </a:prstGeom>
-          <a:noFill/>
-        </p:spPr>
-        <p:txBody>
-          <a:bodyPr wrap="square" rtlCol="0">
-            <a:spAutoFit/>
-          </a:bodyPr>
-          <a:lstStyle/>
-          <a:p>
-            <a:r>
-              <a:rPr lang="en-US" sz="4000" dirty="0" smtClean="0"/>
-              <a:t>Sensor working</a:t>
-            </a:r>
-            <a:endParaRPr lang="en-US" sz="4000" dirty="0"/>
-          </a:p>
-        </p:txBody>
-      </p:sp>
-      <p:sp>
-        <p:nvSpPr>
-          <p:cNvPr id="8" name="TextBox 7"/>
-          <p:cNvSpPr txBox="1"/>
-          <p:nvPr/>
-        </p:nvSpPr>
-        <p:spPr>
-          <a:xfrm>
-            <a:off x="248857" y="1533236"/>
-            <a:ext cx="2383507" cy="523220"/>
-          </a:xfrm>
-          <a:prstGeom prst="rect">
-            <a:avLst/>
-          </a:prstGeom>
-          <a:noFill/>
-        </p:spPr>
-        <p:txBody>
-          <a:bodyPr wrap="square" rtlCol="0">
-            <a:spAutoFit/>
-          </a:bodyPr>
-          <a:lstStyle/>
-          <a:p>
-            <a:r>
-              <a:rPr lang="en-US" sz="2800" dirty="0" smtClean="0"/>
-              <a:t>Step : 2</a:t>
-            </a:r>
-            <a:endParaRPr lang="en-US" sz="2800" dirty="0"/>
-          </a:p>
-        </p:txBody>
-      </p:sp>
-      <p:sp>
-        <p:nvSpPr>
-          <p:cNvPr id="11" name="Rectangle 10"/>
-          <p:cNvSpPr/>
-          <p:nvPr/>
-        </p:nvSpPr>
-        <p:spPr>
-          <a:xfrm>
-            <a:off x="6889142" y="5606213"/>
-            <a:ext cx="1877325" cy="665017"/>
-          </a:xfrm>
-          <a:prstGeom prst="rect">
-            <a:avLst/>
-          </a:prstGeom>
-        </p:spPr>
-        <p:style>
-          <a:lnRef idx="2">
-            <a:schemeClr val="accent1">
-              <a:shade val="50000"/>
-            </a:schemeClr>
-          </a:lnRef>
-          <a:fillRef idx="1">
-            <a:schemeClr val="accent1"/>
-          </a:fillRef>
-          <a:effectRef idx="0">
-            <a:schemeClr val="accent1"/>
-          </a:effectRef>
-          <a:fontRef idx="minor">
-            <a:schemeClr val="lt1"/>
-          </a:fontRef>
-        </p:style>
-        <p:txBody>
-          <a:bodyPr rtlCol="0" anchor="ctr"/>
-          <a:lstStyle/>
-          <a:p>
-            <a:pPr algn="ctr"/>
-            <a:r>
-              <a:rPr lang="en-US" sz="3200" dirty="0" smtClean="0"/>
-              <a:t>Whitelists</a:t>
-            </a:r>
-            <a:endParaRPr lang="en-US" sz="3200" dirty="0"/>
-          </a:p>
-        </p:txBody>
-      </p:sp>
-      <p:sp>
-        <p:nvSpPr>
-          <p:cNvPr id="12" name="Rectangle 11"/>
-          <p:cNvSpPr/>
-          <p:nvPr/>
-        </p:nvSpPr>
-        <p:spPr>
-          <a:xfrm>
-            <a:off x="6889142" y="2072346"/>
-            <a:ext cx="1746858" cy="665017"/>
-          </a:xfrm>
-          <a:prstGeom prst="rect">
-            <a:avLst/>
-          </a:prstGeom>
-        </p:spPr>
-        <p:style>
-          <a:lnRef idx="2">
-            <a:schemeClr val="accent1">
-              <a:shade val="50000"/>
-            </a:schemeClr>
-          </a:lnRef>
-          <a:fillRef idx="1">
-            <a:schemeClr val="accent1"/>
-          </a:fillRef>
-          <a:effectRef idx="0">
-            <a:schemeClr val="accent1"/>
-          </a:effectRef>
-          <a:fontRef idx="minor">
-            <a:schemeClr val="lt1"/>
-          </a:fontRef>
-        </p:style>
-        <p:txBody>
-          <a:bodyPr rtlCol="0" anchor="ctr"/>
-          <a:lstStyle/>
-          <a:p>
-            <a:pPr algn="ctr"/>
-            <a:r>
-              <a:rPr lang="en-US" sz="3200" dirty="0" smtClean="0"/>
-              <a:t>Blacklists</a:t>
-            </a:r>
-            <a:endParaRPr lang="en-US" sz="3200" dirty="0"/>
-          </a:p>
-        </p:txBody>
-      </p:sp>
-      <p:sp>
-        <p:nvSpPr>
-          <p:cNvPr id="13" name="Right Arrow 12"/>
-          <p:cNvSpPr/>
-          <p:nvPr/>
-        </p:nvSpPr>
-        <p:spPr>
-          <a:xfrm rot="9356868">
-            <a:off x="3595502" y="3152287"/>
-            <a:ext cx="2828286" cy="241015"/>
-          </a:xfrm>
-          <a:prstGeom prst="rightArrow">
-            <a:avLst/>
-          </a:prstGeom>
-        </p:spPr>
-        <p:style>
-          <a:lnRef idx="2">
-            <a:schemeClr val="accent1">
-              <a:shade val="50000"/>
-            </a:schemeClr>
-          </a:lnRef>
-          <a:fillRef idx="1">
-            <a:schemeClr val="accent1"/>
-          </a:fillRef>
-          <a:effectRef idx="0">
-            <a:schemeClr val="accent1"/>
-          </a:effectRef>
-          <a:fontRef idx="minor">
-            <a:schemeClr val="lt1"/>
-          </a:fontRef>
-        </p:style>
-        <p:txBody>
-          <a:bodyPr rtlCol="0" anchor="ctr"/>
-          <a:lstStyle/>
-          <a:p>
-            <a:pPr algn="ctr"/>
-            <a:endParaRPr lang="en-US"/>
-          </a:p>
-        </p:txBody>
-      </p:sp>
-      <p:sp>
-        <p:nvSpPr>
-          <p:cNvPr id="14" name="Right Arrow 13"/>
-          <p:cNvSpPr/>
-          <p:nvPr/>
-        </p:nvSpPr>
-        <p:spPr>
-          <a:xfrm rot="1072762">
-            <a:off x="3616212" y="5282952"/>
-            <a:ext cx="2769108" cy="236401"/>
-          </a:xfrm>
-          <a:prstGeom prst="rightArrow">
-            <a:avLst/>
-          </a:prstGeom>
-        </p:spPr>
-        <p:style>
-          <a:lnRef idx="2">
-            <a:schemeClr val="accent1">
-              <a:shade val="50000"/>
-            </a:schemeClr>
-          </a:lnRef>
-          <a:fillRef idx="1">
-            <a:schemeClr val="accent1"/>
-          </a:fillRef>
-          <a:effectRef idx="0">
-            <a:schemeClr val="accent1"/>
-          </a:effectRef>
-          <a:fontRef idx="minor">
-            <a:schemeClr val="lt1"/>
-          </a:fontRef>
-        </p:style>
-        <p:txBody>
-          <a:bodyPr rtlCol="0" anchor="ctr"/>
-          <a:lstStyle/>
-          <a:p>
-            <a:pPr algn="ctr"/>
-            <a:endParaRPr lang="en-US"/>
-          </a:p>
-        </p:txBody>
-      </p:sp>
-      <p:sp>
-        <p:nvSpPr>
-          <p:cNvPr id="2" name="TextBox 1"/>
-          <p:cNvSpPr txBox="1"/>
-          <p:nvPr/>
-        </p:nvSpPr>
-        <p:spPr>
-          <a:xfrm>
-            <a:off x="4203658" y="3893214"/>
-            <a:ext cx="2427262" cy="954107"/>
-          </a:xfrm>
-          <a:prstGeom prst="rect">
-            <a:avLst/>
-          </a:prstGeom>
-          <a:noFill/>
-        </p:spPr>
-        <p:txBody>
-          <a:bodyPr wrap="square" rtlCol="0">
-            <a:spAutoFit/>
-          </a:bodyPr>
-          <a:lstStyle/>
-          <a:p>
-            <a:pPr algn="ctr"/>
-            <a:r>
-              <a:rPr lang="en-US" sz="1400" dirty="0" smtClean="0"/>
-              <a:t>If the results from the blacklists is true then the traffic is </a:t>
-            </a:r>
-            <a:r>
-              <a:rPr lang="en-US" sz="1400" b="1" dirty="0" smtClean="0"/>
-              <a:t>BLOCKED</a:t>
-            </a:r>
-            <a:r>
-              <a:rPr lang="en-US" sz="1400" dirty="0" smtClean="0"/>
-              <a:t> and </a:t>
-            </a:r>
-            <a:r>
-              <a:rPr lang="en-US" sz="1400" b="1" dirty="0" smtClean="0"/>
-              <a:t>DROPPED</a:t>
-            </a:r>
-            <a:endParaRPr lang="en-US" sz="1400" b="1" dirty="0"/>
-          </a:p>
-        </p:txBody>
-      </p:sp>
-      <p:sp>
-        <p:nvSpPr>
-          <p:cNvPr id="3" name="TextBox 2"/>
-          <p:cNvSpPr txBox="1"/>
-          <p:nvPr/>
-        </p:nvSpPr>
-        <p:spPr>
-          <a:xfrm rot="20183715">
-            <a:off x="4566300" y="2814449"/>
-            <a:ext cx="886690" cy="369332"/>
-          </a:xfrm>
-          <a:prstGeom prst="rect">
-            <a:avLst/>
-          </a:prstGeom>
-          <a:noFill/>
-        </p:spPr>
-        <p:txBody>
-          <a:bodyPr wrap="square" rtlCol="0">
-            <a:spAutoFit/>
-          </a:bodyPr>
-          <a:lstStyle/>
-          <a:p>
-            <a:r>
-              <a:rPr lang="en-US" dirty="0" smtClean="0">
-                <a:solidFill>
-                  <a:schemeClr val="accent6"/>
-                </a:solidFill>
-              </a:rPr>
-              <a:t>TRUE</a:t>
-            </a:r>
-            <a:endParaRPr lang="en-US" dirty="0">
-              <a:solidFill>
-                <a:schemeClr val="accent6"/>
-              </a:solidFill>
-            </a:endParaRPr>
+            <a:endParaRPr dirty="0"/>
           </a:p>
         </p:txBody>
       </p:sp>
     </p:spTree>
     <p:extLst>
       <p:ext uri="{BB962C8B-B14F-4D97-AF65-F5344CB8AC3E}">
-        <p14:creationId xmlns:p14="http://schemas.microsoft.com/office/powerpoint/2010/main" val="2795498395"/>
-      </p:ext>
-    </p:extLst>
-  </p:cSld>
-  <p:clrMapOvr>
-    <a:masterClrMapping/>
-  </p:clrMapOvr>
-  <p:timing>
-    <p:tnLst>
-      <p:par>
-        <p:cTn id="1" dur="indefinite" restart="never" nodeType="tmRoot"/>
-      </p:par>
-    </p:tnLst>
-  </p:timing>
-</p:sld>
-</file>
-
-<file path=ppt/slides/slide11.xml><?xml version="1.0" encoding="utf-8"?>
-<p:sld xmlns:a="http://schemas.openxmlformats.org/drawingml/2006/main" xmlns:r="http://schemas.openxmlformats.org/officeDocument/2006/relationships" xmlns:p="http://schemas.openxmlformats.org/presentationml/2006/main">
-  <p:cSld>
-    <p:spTree>
-      <p:nvGrpSpPr>
-        <p:cNvPr id="1" name=""/>
-        <p:cNvGrpSpPr/>
-        <p:nvPr/>
-      </p:nvGrpSpPr>
-      <p:grpSpPr>
-        <a:xfrm>
-          <a:off x="0" y="0"/>
-          <a:ext cx="0" cy="0"/>
-          <a:chOff x="0" y="0"/>
-          <a:chExt cx="0" cy="0"/>
-        </a:xfrm>
-      </p:grpSpPr>
-      <p:sp>
-        <p:nvSpPr>
-          <p:cNvPr id="5" name="Rectangle 4"/>
-          <p:cNvSpPr/>
-          <p:nvPr/>
-        </p:nvSpPr>
-        <p:spPr>
-          <a:xfrm>
-            <a:off x="1440610" y="3797024"/>
-            <a:ext cx="1671782" cy="1330034"/>
-          </a:xfrm>
-          <a:prstGeom prst="rect">
-            <a:avLst/>
-          </a:prstGeom>
-        </p:spPr>
-        <p:style>
-          <a:lnRef idx="2">
-            <a:schemeClr val="accent1">
-              <a:shade val="50000"/>
-            </a:schemeClr>
-          </a:lnRef>
-          <a:fillRef idx="1">
-            <a:schemeClr val="accent1"/>
-          </a:fillRef>
-          <a:effectRef idx="0">
-            <a:schemeClr val="accent1"/>
-          </a:effectRef>
-          <a:fontRef idx="minor">
-            <a:schemeClr val="lt1"/>
-          </a:fontRef>
-        </p:style>
-        <p:txBody>
-          <a:bodyPr rtlCol="0" anchor="ctr"/>
-          <a:lstStyle/>
-          <a:p>
-            <a:pPr algn="ctr"/>
-            <a:r>
-              <a:rPr lang="en-US" sz="3200" dirty="0" smtClean="0"/>
-              <a:t>Sensor</a:t>
-            </a:r>
-            <a:endParaRPr lang="en-US" sz="3200" dirty="0"/>
-          </a:p>
-        </p:txBody>
-      </p:sp>
-      <p:sp>
-        <p:nvSpPr>
-          <p:cNvPr id="7" name="TextBox 6"/>
-          <p:cNvSpPr txBox="1"/>
-          <p:nvPr/>
-        </p:nvSpPr>
-        <p:spPr>
-          <a:xfrm>
-            <a:off x="248857" y="304800"/>
-            <a:ext cx="11084161" cy="707886"/>
-          </a:xfrm>
-          <a:prstGeom prst="rect">
-            <a:avLst/>
-          </a:prstGeom>
-          <a:noFill/>
-        </p:spPr>
-        <p:txBody>
-          <a:bodyPr wrap="square" rtlCol="0">
-            <a:spAutoFit/>
-          </a:bodyPr>
-          <a:lstStyle/>
-          <a:p>
-            <a:r>
-              <a:rPr lang="en-US" sz="4000" dirty="0" smtClean="0"/>
-              <a:t>Sensor working</a:t>
-            </a:r>
-            <a:endParaRPr lang="en-US" sz="4000" dirty="0"/>
-          </a:p>
-        </p:txBody>
-      </p:sp>
-      <p:sp>
-        <p:nvSpPr>
-          <p:cNvPr id="8" name="TextBox 7"/>
-          <p:cNvSpPr txBox="1"/>
-          <p:nvPr/>
-        </p:nvSpPr>
-        <p:spPr>
-          <a:xfrm>
-            <a:off x="248857" y="1533236"/>
-            <a:ext cx="2383507" cy="523220"/>
-          </a:xfrm>
-          <a:prstGeom prst="rect">
-            <a:avLst/>
-          </a:prstGeom>
-          <a:noFill/>
-        </p:spPr>
-        <p:txBody>
-          <a:bodyPr wrap="square" rtlCol="0">
-            <a:spAutoFit/>
-          </a:bodyPr>
-          <a:lstStyle/>
-          <a:p>
-            <a:r>
-              <a:rPr lang="en-US" sz="2800" dirty="0" smtClean="0"/>
-              <a:t>Step : 2</a:t>
-            </a:r>
-            <a:endParaRPr lang="en-US" sz="2800" dirty="0"/>
-          </a:p>
-        </p:txBody>
-      </p:sp>
-      <p:sp>
-        <p:nvSpPr>
-          <p:cNvPr id="11" name="Rectangle 10"/>
-          <p:cNvSpPr/>
-          <p:nvPr/>
-        </p:nvSpPr>
-        <p:spPr>
-          <a:xfrm>
-            <a:off x="6889142" y="5606213"/>
-            <a:ext cx="1877325" cy="665017"/>
-          </a:xfrm>
-          <a:prstGeom prst="rect">
-            <a:avLst/>
-          </a:prstGeom>
-        </p:spPr>
-        <p:style>
-          <a:lnRef idx="2">
-            <a:schemeClr val="accent1">
-              <a:shade val="50000"/>
-            </a:schemeClr>
-          </a:lnRef>
-          <a:fillRef idx="1">
-            <a:schemeClr val="accent1"/>
-          </a:fillRef>
-          <a:effectRef idx="0">
-            <a:schemeClr val="accent1"/>
-          </a:effectRef>
-          <a:fontRef idx="minor">
-            <a:schemeClr val="lt1"/>
-          </a:fontRef>
-        </p:style>
-        <p:txBody>
-          <a:bodyPr rtlCol="0" anchor="ctr"/>
-          <a:lstStyle/>
-          <a:p>
-            <a:pPr algn="ctr"/>
-            <a:r>
-              <a:rPr lang="en-US" sz="3200" dirty="0" smtClean="0"/>
-              <a:t>Whitelists</a:t>
-            </a:r>
-            <a:endParaRPr lang="en-US" sz="3200" dirty="0"/>
-          </a:p>
-        </p:txBody>
-      </p:sp>
-      <p:sp>
-        <p:nvSpPr>
-          <p:cNvPr id="12" name="Rectangle 11"/>
-          <p:cNvSpPr/>
-          <p:nvPr/>
-        </p:nvSpPr>
-        <p:spPr>
-          <a:xfrm>
-            <a:off x="6889142" y="2072346"/>
-            <a:ext cx="1746858" cy="665017"/>
-          </a:xfrm>
-          <a:prstGeom prst="rect">
-            <a:avLst/>
-          </a:prstGeom>
-        </p:spPr>
-        <p:style>
-          <a:lnRef idx="2">
-            <a:schemeClr val="accent1">
-              <a:shade val="50000"/>
-            </a:schemeClr>
-          </a:lnRef>
-          <a:fillRef idx="1">
-            <a:schemeClr val="accent1"/>
-          </a:fillRef>
-          <a:effectRef idx="0">
-            <a:schemeClr val="accent1"/>
-          </a:effectRef>
-          <a:fontRef idx="minor">
-            <a:schemeClr val="lt1"/>
-          </a:fontRef>
-        </p:style>
-        <p:txBody>
-          <a:bodyPr rtlCol="0" anchor="ctr"/>
-          <a:lstStyle/>
-          <a:p>
-            <a:pPr algn="ctr"/>
-            <a:r>
-              <a:rPr lang="en-US" sz="3200" dirty="0" smtClean="0"/>
-              <a:t>Blacklists</a:t>
-            </a:r>
-            <a:endParaRPr lang="en-US" sz="3200" dirty="0"/>
-          </a:p>
-        </p:txBody>
-      </p:sp>
-      <p:sp>
-        <p:nvSpPr>
-          <p:cNvPr id="13" name="Right Arrow 12"/>
-          <p:cNvSpPr/>
-          <p:nvPr/>
-        </p:nvSpPr>
-        <p:spPr>
-          <a:xfrm rot="20278803">
-            <a:off x="3595502" y="3152287"/>
-            <a:ext cx="2828286" cy="241015"/>
-          </a:xfrm>
-          <a:prstGeom prst="rightArrow">
-            <a:avLst/>
-          </a:prstGeom>
-        </p:spPr>
-        <p:style>
-          <a:lnRef idx="2">
-            <a:schemeClr val="accent1">
-              <a:shade val="50000"/>
-            </a:schemeClr>
-          </a:lnRef>
-          <a:fillRef idx="1">
-            <a:schemeClr val="accent1"/>
-          </a:fillRef>
-          <a:effectRef idx="0">
-            <a:schemeClr val="accent1"/>
-          </a:effectRef>
-          <a:fontRef idx="minor">
-            <a:schemeClr val="lt1"/>
-          </a:fontRef>
-        </p:style>
-        <p:txBody>
-          <a:bodyPr rtlCol="0" anchor="ctr"/>
-          <a:lstStyle/>
-          <a:p>
-            <a:pPr algn="ctr"/>
-            <a:endParaRPr lang="en-US"/>
-          </a:p>
-        </p:txBody>
-      </p:sp>
-      <p:sp>
-        <p:nvSpPr>
-          <p:cNvPr id="14" name="Right Arrow 13"/>
-          <p:cNvSpPr/>
-          <p:nvPr/>
-        </p:nvSpPr>
-        <p:spPr>
-          <a:xfrm rot="11834234">
-            <a:off x="3616212" y="5282952"/>
-            <a:ext cx="2769108" cy="236401"/>
-          </a:xfrm>
-          <a:prstGeom prst="rightArrow">
-            <a:avLst/>
-          </a:prstGeom>
-        </p:spPr>
-        <p:style>
-          <a:lnRef idx="2">
-            <a:schemeClr val="accent1">
-              <a:shade val="50000"/>
-            </a:schemeClr>
-          </a:lnRef>
-          <a:fillRef idx="1">
-            <a:schemeClr val="accent1"/>
-          </a:fillRef>
-          <a:effectRef idx="0">
-            <a:schemeClr val="accent1"/>
-          </a:effectRef>
-          <a:fontRef idx="minor">
-            <a:schemeClr val="lt1"/>
-          </a:fontRef>
-        </p:style>
-        <p:txBody>
-          <a:bodyPr rtlCol="0" anchor="ctr"/>
-          <a:lstStyle/>
-          <a:p>
-            <a:pPr algn="ctr"/>
-            <a:endParaRPr lang="en-US"/>
-          </a:p>
-        </p:txBody>
-      </p:sp>
-      <p:sp>
-        <p:nvSpPr>
-          <p:cNvPr id="2" name="TextBox 1"/>
-          <p:cNvSpPr txBox="1"/>
-          <p:nvPr/>
-        </p:nvSpPr>
-        <p:spPr>
-          <a:xfrm>
-            <a:off x="4197920" y="3897121"/>
-            <a:ext cx="2427262" cy="738664"/>
-          </a:xfrm>
-          <a:prstGeom prst="rect">
-            <a:avLst/>
-          </a:prstGeom>
-          <a:noFill/>
-        </p:spPr>
-        <p:txBody>
-          <a:bodyPr wrap="square" rtlCol="0">
-            <a:spAutoFit/>
-          </a:bodyPr>
-          <a:lstStyle/>
-          <a:p>
-            <a:pPr algn="ctr"/>
-            <a:r>
-              <a:rPr lang="en-US" sz="1400" dirty="0" smtClean="0"/>
-              <a:t>If the results from the blacklists is true then the traffic is </a:t>
-            </a:r>
-            <a:r>
-              <a:rPr lang="en-US" sz="1400" b="1" dirty="0" smtClean="0"/>
-              <a:t>ALLOWED</a:t>
-            </a:r>
-            <a:r>
-              <a:rPr lang="en-US" sz="1400" dirty="0" smtClean="0"/>
-              <a:t> </a:t>
-            </a:r>
-            <a:endParaRPr lang="en-US" sz="1400" dirty="0"/>
-          </a:p>
-        </p:txBody>
-      </p:sp>
-      <p:sp>
-        <p:nvSpPr>
-          <p:cNvPr id="3" name="TextBox 2"/>
-          <p:cNvSpPr txBox="1"/>
-          <p:nvPr/>
-        </p:nvSpPr>
-        <p:spPr>
-          <a:xfrm rot="821558">
-            <a:off x="4557420" y="5433004"/>
-            <a:ext cx="886690" cy="369332"/>
-          </a:xfrm>
-          <a:prstGeom prst="rect">
-            <a:avLst/>
-          </a:prstGeom>
-          <a:noFill/>
-        </p:spPr>
-        <p:txBody>
-          <a:bodyPr wrap="square" rtlCol="0">
-            <a:spAutoFit/>
-          </a:bodyPr>
-          <a:lstStyle/>
-          <a:p>
-            <a:r>
-              <a:rPr lang="en-US" dirty="0" smtClean="0">
-                <a:solidFill>
-                  <a:schemeClr val="accent6"/>
-                </a:solidFill>
-              </a:rPr>
-              <a:t>TRUE</a:t>
-            </a:r>
-            <a:endParaRPr lang="en-US" dirty="0">
-              <a:solidFill>
-                <a:schemeClr val="accent6"/>
-              </a:solidFill>
-            </a:endParaRPr>
-          </a:p>
-        </p:txBody>
-      </p:sp>
-    </p:spTree>
-    <p:extLst>
-      <p:ext uri="{BB962C8B-B14F-4D97-AF65-F5344CB8AC3E}">
-        <p14:creationId xmlns:p14="http://schemas.microsoft.com/office/powerpoint/2010/main" val="2725450132"/>
-      </p:ext>
-    </p:extLst>
-  </p:cSld>
-  <p:clrMapOvr>
-    <a:masterClrMapping/>
-  </p:clrMapOvr>
-  <p:timing>
-    <p:tnLst>
-      <p:par>
-        <p:cTn id="1" dur="indefinite" restart="never" nodeType="tmRoot"/>
-      </p:par>
-    </p:tnLst>
-  </p:timing>
-</p:sld>
-</file>
-
-<file path=ppt/slides/slide12.xml><?xml version="1.0" encoding="utf-8"?>
-<p:sld xmlns:a="http://schemas.openxmlformats.org/drawingml/2006/main" xmlns:r="http://schemas.openxmlformats.org/officeDocument/2006/relationships" xmlns:p="http://schemas.openxmlformats.org/presentationml/2006/main">
-  <p:cSld>
-    <p:spTree>
-      <p:nvGrpSpPr>
-        <p:cNvPr id="1" name=""/>
-        <p:cNvGrpSpPr/>
-        <p:nvPr/>
-      </p:nvGrpSpPr>
-      <p:grpSpPr>
-        <a:xfrm>
-          <a:off x="0" y="0"/>
-          <a:ext cx="0" cy="0"/>
-          <a:chOff x="0" y="0"/>
-          <a:chExt cx="0" cy="0"/>
-        </a:xfrm>
-      </p:grpSpPr>
-      <p:sp>
-        <p:nvSpPr>
-          <p:cNvPr id="5" name="Rectangle 4"/>
-          <p:cNvSpPr/>
-          <p:nvPr/>
-        </p:nvSpPr>
-        <p:spPr>
-          <a:xfrm>
-            <a:off x="1440610" y="3797024"/>
-            <a:ext cx="1671782" cy="1330034"/>
-          </a:xfrm>
-          <a:prstGeom prst="rect">
-            <a:avLst/>
-          </a:prstGeom>
-        </p:spPr>
-        <p:style>
-          <a:lnRef idx="2">
-            <a:schemeClr val="accent1">
-              <a:shade val="50000"/>
-            </a:schemeClr>
-          </a:lnRef>
-          <a:fillRef idx="1">
-            <a:schemeClr val="accent1"/>
-          </a:fillRef>
-          <a:effectRef idx="0">
-            <a:schemeClr val="accent1"/>
-          </a:effectRef>
-          <a:fontRef idx="minor">
-            <a:schemeClr val="lt1"/>
-          </a:fontRef>
-        </p:style>
-        <p:txBody>
-          <a:bodyPr rtlCol="0" anchor="ctr"/>
-          <a:lstStyle/>
-          <a:p>
-            <a:pPr algn="ctr"/>
-            <a:r>
-              <a:rPr lang="en-US" sz="3200" dirty="0" smtClean="0"/>
-              <a:t>Sensor</a:t>
-            </a:r>
-            <a:endParaRPr lang="en-US" sz="3200" dirty="0"/>
-          </a:p>
-        </p:txBody>
-      </p:sp>
-      <p:sp>
-        <p:nvSpPr>
-          <p:cNvPr id="7" name="TextBox 6"/>
-          <p:cNvSpPr txBox="1"/>
-          <p:nvPr/>
-        </p:nvSpPr>
-        <p:spPr>
-          <a:xfrm>
-            <a:off x="248857" y="304800"/>
-            <a:ext cx="11084161" cy="707886"/>
-          </a:xfrm>
-          <a:prstGeom prst="rect">
-            <a:avLst/>
-          </a:prstGeom>
-          <a:noFill/>
-        </p:spPr>
-        <p:txBody>
-          <a:bodyPr wrap="square" rtlCol="0">
-            <a:spAutoFit/>
-          </a:bodyPr>
-          <a:lstStyle/>
-          <a:p>
-            <a:r>
-              <a:rPr lang="en-US" sz="4000" dirty="0" smtClean="0"/>
-              <a:t>Sensor working</a:t>
-            </a:r>
-            <a:endParaRPr lang="en-US" sz="4000" dirty="0"/>
-          </a:p>
-        </p:txBody>
-      </p:sp>
-      <p:sp>
-        <p:nvSpPr>
-          <p:cNvPr id="8" name="TextBox 7"/>
-          <p:cNvSpPr txBox="1"/>
-          <p:nvPr/>
-        </p:nvSpPr>
-        <p:spPr>
-          <a:xfrm>
-            <a:off x="248857" y="1533236"/>
-            <a:ext cx="2383507" cy="523220"/>
-          </a:xfrm>
-          <a:prstGeom prst="rect">
-            <a:avLst/>
-          </a:prstGeom>
-          <a:noFill/>
-        </p:spPr>
-        <p:txBody>
-          <a:bodyPr wrap="square" rtlCol="0">
-            <a:spAutoFit/>
-          </a:bodyPr>
-          <a:lstStyle/>
-          <a:p>
-            <a:r>
-              <a:rPr lang="en-US" sz="2800" dirty="0" smtClean="0"/>
-              <a:t>Step : 2</a:t>
-            </a:r>
-            <a:endParaRPr lang="en-US" sz="2800" dirty="0"/>
-          </a:p>
-        </p:txBody>
-      </p:sp>
-      <p:sp>
-        <p:nvSpPr>
-          <p:cNvPr id="11" name="Rectangle 10"/>
-          <p:cNvSpPr/>
-          <p:nvPr/>
-        </p:nvSpPr>
-        <p:spPr>
-          <a:xfrm>
-            <a:off x="6889142" y="5606213"/>
-            <a:ext cx="1877325" cy="665017"/>
-          </a:xfrm>
-          <a:prstGeom prst="rect">
-            <a:avLst/>
-          </a:prstGeom>
-        </p:spPr>
-        <p:style>
-          <a:lnRef idx="2">
-            <a:schemeClr val="accent1">
-              <a:shade val="50000"/>
-            </a:schemeClr>
-          </a:lnRef>
-          <a:fillRef idx="1">
-            <a:schemeClr val="accent1"/>
-          </a:fillRef>
-          <a:effectRef idx="0">
-            <a:schemeClr val="accent1"/>
-          </a:effectRef>
-          <a:fontRef idx="minor">
-            <a:schemeClr val="lt1"/>
-          </a:fontRef>
-        </p:style>
-        <p:txBody>
-          <a:bodyPr rtlCol="0" anchor="ctr"/>
-          <a:lstStyle/>
-          <a:p>
-            <a:pPr algn="ctr"/>
-            <a:r>
-              <a:rPr lang="en-US" sz="3200" dirty="0" smtClean="0"/>
-              <a:t>Whitelists</a:t>
-            </a:r>
-            <a:endParaRPr lang="en-US" sz="3200" dirty="0"/>
-          </a:p>
-        </p:txBody>
-      </p:sp>
-      <p:sp>
-        <p:nvSpPr>
-          <p:cNvPr id="12" name="Rectangle 11"/>
-          <p:cNvSpPr/>
-          <p:nvPr/>
-        </p:nvSpPr>
-        <p:spPr>
-          <a:xfrm>
-            <a:off x="6889142" y="2072346"/>
-            <a:ext cx="1746858" cy="665017"/>
-          </a:xfrm>
-          <a:prstGeom prst="rect">
-            <a:avLst/>
-          </a:prstGeom>
-        </p:spPr>
-        <p:style>
-          <a:lnRef idx="2">
-            <a:schemeClr val="accent1">
-              <a:shade val="50000"/>
-            </a:schemeClr>
-          </a:lnRef>
-          <a:fillRef idx="1">
-            <a:schemeClr val="accent1"/>
-          </a:fillRef>
-          <a:effectRef idx="0">
-            <a:schemeClr val="accent1"/>
-          </a:effectRef>
-          <a:fontRef idx="minor">
-            <a:schemeClr val="lt1"/>
-          </a:fontRef>
-        </p:style>
-        <p:txBody>
-          <a:bodyPr rtlCol="0" anchor="ctr"/>
-          <a:lstStyle/>
-          <a:p>
-            <a:pPr algn="ctr"/>
-            <a:r>
-              <a:rPr lang="en-US" sz="3200" dirty="0" smtClean="0"/>
-              <a:t>Blacklists</a:t>
-            </a:r>
-            <a:endParaRPr lang="en-US" sz="3200" dirty="0"/>
-          </a:p>
-        </p:txBody>
-      </p:sp>
-      <p:sp>
-        <p:nvSpPr>
-          <p:cNvPr id="13" name="Right Arrow 12"/>
-          <p:cNvSpPr/>
-          <p:nvPr/>
-        </p:nvSpPr>
-        <p:spPr>
-          <a:xfrm rot="9620188">
-            <a:off x="3595502" y="3152287"/>
-            <a:ext cx="2828286" cy="241015"/>
-          </a:xfrm>
-          <a:prstGeom prst="rightArrow">
-            <a:avLst/>
-          </a:prstGeom>
-        </p:spPr>
-        <p:style>
-          <a:lnRef idx="2">
-            <a:schemeClr val="accent1">
-              <a:shade val="50000"/>
-            </a:schemeClr>
-          </a:lnRef>
-          <a:fillRef idx="1">
-            <a:schemeClr val="accent1"/>
-          </a:fillRef>
-          <a:effectRef idx="0">
-            <a:schemeClr val="accent1"/>
-          </a:effectRef>
-          <a:fontRef idx="minor">
-            <a:schemeClr val="lt1"/>
-          </a:fontRef>
-        </p:style>
-        <p:txBody>
-          <a:bodyPr rtlCol="0" anchor="ctr"/>
-          <a:lstStyle/>
-          <a:p>
-            <a:pPr algn="ctr"/>
-            <a:endParaRPr lang="en-US"/>
-          </a:p>
-        </p:txBody>
-      </p:sp>
-      <p:sp>
-        <p:nvSpPr>
-          <p:cNvPr id="14" name="Right Arrow 13"/>
-          <p:cNvSpPr/>
-          <p:nvPr/>
-        </p:nvSpPr>
-        <p:spPr>
-          <a:xfrm rot="11834234">
-            <a:off x="3676573" y="5297345"/>
-            <a:ext cx="2769108" cy="236401"/>
-          </a:xfrm>
-          <a:prstGeom prst="rightArrow">
-            <a:avLst/>
-          </a:prstGeom>
-        </p:spPr>
-        <p:style>
-          <a:lnRef idx="2">
-            <a:schemeClr val="accent1">
-              <a:shade val="50000"/>
-            </a:schemeClr>
-          </a:lnRef>
-          <a:fillRef idx="1">
-            <a:schemeClr val="accent1"/>
-          </a:fillRef>
-          <a:effectRef idx="0">
-            <a:schemeClr val="accent1"/>
-          </a:effectRef>
-          <a:fontRef idx="minor">
-            <a:schemeClr val="lt1"/>
-          </a:fontRef>
-        </p:style>
-        <p:txBody>
-          <a:bodyPr rtlCol="0" anchor="ctr"/>
-          <a:lstStyle/>
-          <a:p>
-            <a:pPr algn="ctr"/>
-            <a:endParaRPr lang="en-US"/>
-          </a:p>
-        </p:txBody>
-      </p:sp>
-      <p:sp>
-        <p:nvSpPr>
-          <p:cNvPr id="2" name="TextBox 1"/>
-          <p:cNvSpPr txBox="1"/>
-          <p:nvPr/>
-        </p:nvSpPr>
-        <p:spPr>
-          <a:xfrm>
-            <a:off x="4197920" y="3897121"/>
-            <a:ext cx="2427262" cy="738664"/>
-          </a:xfrm>
-          <a:prstGeom prst="rect">
-            <a:avLst/>
-          </a:prstGeom>
-          <a:noFill/>
-        </p:spPr>
-        <p:txBody>
-          <a:bodyPr wrap="square" rtlCol="0">
-            <a:spAutoFit/>
-          </a:bodyPr>
-          <a:lstStyle/>
-          <a:p>
-            <a:pPr algn="ctr"/>
-            <a:r>
-              <a:rPr lang="en-US" sz="1400" dirty="0" smtClean="0"/>
-              <a:t>If the results from the blacklists </a:t>
-            </a:r>
-            <a:r>
-              <a:rPr lang="en-US" sz="1400" b="1" dirty="0" smtClean="0"/>
-              <a:t>UNDEFINED </a:t>
-            </a:r>
-            <a:r>
-              <a:rPr lang="en-US" sz="1400" dirty="0" smtClean="0"/>
-              <a:t> then this is sent to API’s </a:t>
-            </a:r>
-            <a:endParaRPr lang="en-US" sz="1400" dirty="0"/>
-          </a:p>
-        </p:txBody>
-      </p:sp>
-      <p:sp>
-        <p:nvSpPr>
-          <p:cNvPr id="3" name="TextBox 2"/>
-          <p:cNvSpPr txBox="1"/>
-          <p:nvPr/>
-        </p:nvSpPr>
-        <p:spPr>
-          <a:xfrm rot="1043804">
-            <a:off x="4393541" y="5572823"/>
-            <a:ext cx="1373196" cy="369332"/>
-          </a:xfrm>
-          <a:prstGeom prst="rect">
-            <a:avLst/>
-          </a:prstGeom>
-          <a:noFill/>
-        </p:spPr>
-        <p:txBody>
-          <a:bodyPr wrap="square" rtlCol="0">
-            <a:spAutoFit/>
-          </a:bodyPr>
-          <a:lstStyle/>
-          <a:p>
-            <a:r>
-              <a:rPr lang="en-US" dirty="0" smtClean="0">
-                <a:solidFill>
-                  <a:schemeClr val="accent6"/>
-                </a:solidFill>
-              </a:rPr>
-              <a:t>UNDEFINED</a:t>
-            </a:r>
-            <a:endParaRPr lang="en-US" dirty="0">
-              <a:solidFill>
-                <a:schemeClr val="accent6"/>
-              </a:solidFill>
-            </a:endParaRPr>
-          </a:p>
-        </p:txBody>
-      </p:sp>
-      <p:sp>
-        <p:nvSpPr>
-          <p:cNvPr id="15" name="TextBox 14"/>
-          <p:cNvSpPr txBox="1"/>
-          <p:nvPr/>
-        </p:nvSpPr>
-        <p:spPr>
-          <a:xfrm rot="20249405">
-            <a:off x="4019967" y="2790172"/>
-            <a:ext cx="1373196" cy="369332"/>
-          </a:xfrm>
-          <a:prstGeom prst="rect">
-            <a:avLst/>
-          </a:prstGeom>
-          <a:noFill/>
-        </p:spPr>
-        <p:txBody>
-          <a:bodyPr wrap="square" rtlCol="0">
-            <a:spAutoFit/>
-          </a:bodyPr>
-          <a:lstStyle/>
-          <a:p>
-            <a:r>
-              <a:rPr lang="en-US" dirty="0" smtClean="0">
-                <a:solidFill>
-                  <a:schemeClr val="accent6"/>
-                </a:solidFill>
-              </a:rPr>
-              <a:t>UNDEFINED</a:t>
-            </a:r>
-            <a:endParaRPr lang="en-US" dirty="0">
-              <a:solidFill>
-                <a:schemeClr val="accent6"/>
-              </a:solidFill>
-            </a:endParaRPr>
-          </a:p>
-        </p:txBody>
-      </p:sp>
-    </p:spTree>
-    <p:extLst>
-      <p:ext uri="{BB962C8B-B14F-4D97-AF65-F5344CB8AC3E}">
-        <p14:creationId xmlns:p14="http://schemas.microsoft.com/office/powerpoint/2010/main" val="2152208095"/>
-      </p:ext>
-    </p:extLst>
-  </p:cSld>
-  <p:clrMapOvr>
-    <a:masterClrMapping/>
-  </p:clrMapOvr>
-  <p:timing>
-    <p:tnLst>
-      <p:par>
-        <p:cTn id="1" dur="indefinite" restart="never" nodeType="tmRoot"/>
-      </p:par>
-    </p:tnLst>
-  </p:timing>
-</p:sld>
-</file>
-
-<file path=ppt/slides/slide13.xml><?xml version="1.0" encoding="utf-8"?>
-<p:sld xmlns:a="http://schemas.openxmlformats.org/drawingml/2006/main" xmlns:r="http://schemas.openxmlformats.org/officeDocument/2006/relationships" xmlns:p="http://schemas.openxmlformats.org/presentationml/2006/main">
-  <p:cSld>
-    <p:spTree>
-      <p:nvGrpSpPr>
-        <p:cNvPr id="1" name=""/>
-        <p:cNvGrpSpPr/>
-        <p:nvPr/>
-      </p:nvGrpSpPr>
-      <p:grpSpPr>
-        <a:xfrm>
-          <a:off x="0" y="0"/>
-          <a:ext cx="0" cy="0"/>
-          <a:chOff x="0" y="0"/>
-          <a:chExt cx="0" cy="0"/>
-        </a:xfrm>
-      </p:grpSpPr>
-      <p:sp>
-        <p:nvSpPr>
-          <p:cNvPr id="5" name="Rectangle 4"/>
-          <p:cNvSpPr/>
-          <p:nvPr/>
-        </p:nvSpPr>
-        <p:spPr>
-          <a:xfrm>
-            <a:off x="1449847" y="3279788"/>
-            <a:ext cx="1671782" cy="1330034"/>
-          </a:xfrm>
-          <a:prstGeom prst="rect">
-            <a:avLst/>
-          </a:prstGeom>
-        </p:spPr>
-        <p:style>
-          <a:lnRef idx="2">
-            <a:schemeClr val="accent1">
-              <a:shade val="50000"/>
-            </a:schemeClr>
-          </a:lnRef>
-          <a:fillRef idx="1">
-            <a:schemeClr val="accent1"/>
-          </a:fillRef>
-          <a:effectRef idx="0">
-            <a:schemeClr val="accent1"/>
-          </a:effectRef>
-          <a:fontRef idx="minor">
-            <a:schemeClr val="lt1"/>
-          </a:fontRef>
-        </p:style>
-        <p:txBody>
-          <a:bodyPr rtlCol="0" anchor="ctr"/>
-          <a:lstStyle/>
-          <a:p>
-            <a:pPr algn="ctr"/>
-            <a:r>
-              <a:rPr lang="en-US" sz="3200" dirty="0" smtClean="0"/>
-              <a:t>Sensor</a:t>
-            </a:r>
-            <a:endParaRPr lang="en-US" sz="3200" dirty="0"/>
-          </a:p>
-        </p:txBody>
-      </p:sp>
-      <p:sp>
-        <p:nvSpPr>
-          <p:cNvPr id="7" name="TextBox 6"/>
-          <p:cNvSpPr txBox="1"/>
-          <p:nvPr/>
-        </p:nvSpPr>
-        <p:spPr>
-          <a:xfrm>
-            <a:off x="248857" y="304800"/>
-            <a:ext cx="11084161" cy="707886"/>
-          </a:xfrm>
-          <a:prstGeom prst="rect">
-            <a:avLst/>
-          </a:prstGeom>
-          <a:noFill/>
-        </p:spPr>
-        <p:txBody>
-          <a:bodyPr wrap="square" rtlCol="0">
-            <a:spAutoFit/>
-          </a:bodyPr>
-          <a:lstStyle/>
-          <a:p>
-            <a:r>
-              <a:rPr lang="en-US" sz="4000" dirty="0" smtClean="0"/>
-              <a:t>Sensor working</a:t>
-            </a:r>
-            <a:endParaRPr lang="en-US" sz="4000" dirty="0"/>
-          </a:p>
-        </p:txBody>
-      </p:sp>
-      <p:sp>
-        <p:nvSpPr>
-          <p:cNvPr id="8" name="TextBox 7"/>
-          <p:cNvSpPr txBox="1"/>
-          <p:nvPr/>
-        </p:nvSpPr>
-        <p:spPr>
-          <a:xfrm>
-            <a:off x="248857" y="1533236"/>
-            <a:ext cx="2383507" cy="523220"/>
-          </a:xfrm>
-          <a:prstGeom prst="rect">
-            <a:avLst/>
-          </a:prstGeom>
-          <a:noFill/>
-        </p:spPr>
-        <p:txBody>
-          <a:bodyPr wrap="square" rtlCol="0">
-            <a:spAutoFit/>
-          </a:bodyPr>
-          <a:lstStyle/>
-          <a:p>
-            <a:r>
-              <a:rPr lang="en-US" sz="2800" dirty="0" smtClean="0"/>
-              <a:t>Step : 2</a:t>
-            </a:r>
-            <a:endParaRPr lang="en-US" sz="2800" dirty="0"/>
-          </a:p>
-        </p:txBody>
-      </p:sp>
-      <p:sp>
-        <p:nvSpPr>
-          <p:cNvPr id="11" name="Rectangle 10"/>
-          <p:cNvSpPr/>
-          <p:nvPr/>
-        </p:nvSpPr>
-        <p:spPr>
-          <a:xfrm>
-            <a:off x="7010796" y="3279787"/>
-            <a:ext cx="2096260" cy="1330034"/>
-          </a:xfrm>
-          <a:prstGeom prst="rect">
-            <a:avLst/>
-          </a:prstGeom>
-        </p:spPr>
-        <p:style>
-          <a:lnRef idx="2">
-            <a:schemeClr val="accent1">
-              <a:shade val="50000"/>
-            </a:schemeClr>
-          </a:lnRef>
-          <a:fillRef idx="1">
-            <a:schemeClr val="accent1"/>
-          </a:fillRef>
-          <a:effectRef idx="0">
-            <a:schemeClr val="accent1"/>
-          </a:effectRef>
-          <a:fontRef idx="minor">
-            <a:schemeClr val="lt1"/>
-          </a:fontRef>
-        </p:style>
-        <p:txBody>
-          <a:bodyPr rtlCol="0" anchor="ctr"/>
-          <a:lstStyle/>
-          <a:p>
-            <a:pPr algn="ctr"/>
-            <a:r>
-              <a:rPr lang="en-US" sz="3200" dirty="0" smtClean="0"/>
-              <a:t>VirusTotal</a:t>
-            </a:r>
-            <a:r>
-              <a:rPr lang="en-US" sz="3200" dirty="0"/>
-              <a:t> </a:t>
-            </a:r>
-            <a:r>
-              <a:rPr lang="en-US" sz="3200" dirty="0" smtClean="0"/>
-              <a:t> Shodan</a:t>
-            </a:r>
-            <a:endParaRPr lang="en-US" sz="3200" dirty="0"/>
-          </a:p>
-        </p:txBody>
-      </p:sp>
-      <p:sp>
-        <p:nvSpPr>
-          <p:cNvPr id="16" name="Right Arrow 15"/>
-          <p:cNvSpPr/>
-          <p:nvPr/>
-        </p:nvSpPr>
-        <p:spPr>
-          <a:xfrm>
-            <a:off x="3681658" y="3826604"/>
-            <a:ext cx="2769108" cy="236401"/>
-          </a:xfrm>
-          <a:prstGeom prst="rightArrow">
-            <a:avLst/>
-          </a:prstGeom>
-        </p:spPr>
-        <p:style>
-          <a:lnRef idx="2">
-            <a:schemeClr val="accent1">
-              <a:shade val="50000"/>
-            </a:schemeClr>
-          </a:lnRef>
-          <a:fillRef idx="1">
-            <a:schemeClr val="accent1"/>
-          </a:fillRef>
-          <a:effectRef idx="0">
-            <a:schemeClr val="accent1"/>
-          </a:effectRef>
-          <a:fontRef idx="minor">
-            <a:schemeClr val="lt1"/>
-          </a:fontRef>
-        </p:style>
-        <p:txBody>
-          <a:bodyPr rtlCol="0" anchor="ctr"/>
-          <a:lstStyle/>
-          <a:p>
-            <a:pPr algn="ctr"/>
-            <a:endParaRPr lang="en-US"/>
-          </a:p>
-        </p:txBody>
-      </p:sp>
-      <p:sp>
-        <p:nvSpPr>
-          <p:cNvPr id="17" name="TextBox 16"/>
-          <p:cNvSpPr txBox="1"/>
-          <p:nvPr/>
-        </p:nvSpPr>
-        <p:spPr>
-          <a:xfrm>
-            <a:off x="3852581" y="3549605"/>
-            <a:ext cx="2427262" cy="276999"/>
-          </a:xfrm>
-          <a:prstGeom prst="rect">
-            <a:avLst/>
-          </a:prstGeom>
-          <a:noFill/>
-        </p:spPr>
-        <p:txBody>
-          <a:bodyPr wrap="square" rtlCol="0">
-            <a:spAutoFit/>
-          </a:bodyPr>
-          <a:lstStyle/>
-          <a:p>
-            <a:pPr algn="ctr"/>
-            <a:r>
-              <a:rPr lang="en-US" sz="1200" dirty="0" smtClean="0"/>
-              <a:t>The same data is sent to API’s</a:t>
-            </a:r>
-            <a:endParaRPr lang="en-US" sz="1200" dirty="0"/>
-          </a:p>
-        </p:txBody>
-      </p:sp>
-    </p:spTree>
-    <p:extLst>
-      <p:ext uri="{BB962C8B-B14F-4D97-AF65-F5344CB8AC3E}">
-        <p14:creationId xmlns:p14="http://schemas.microsoft.com/office/powerpoint/2010/main" val="3090243061"/>
-      </p:ext>
-    </p:extLst>
-  </p:cSld>
-  <p:clrMapOvr>
-    <a:masterClrMapping/>
-  </p:clrMapOvr>
-  <p:timing>
-    <p:tnLst>
-      <p:par>
-        <p:cTn id="1" dur="indefinite" restart="never" nodeType="tmRoot"/>
-      </p:par>
-    </p:tnLst>
-  </p:timing>
-</p:sld>
-</file>
-
-<file path=ppt/slides/slide14.xml><?xml version="1.0" encoding="utf-8"?>
-<p:sld xmlns:a="http://schemas.openxmlformats.org/drawingml/2006/main" xmlns:r="http://schemas.openxmlformats.org/officeDocument/2006/relationships" xmlns:p="http://schemas.openxmlformats.org/presentationml/2006/main">
-  <p:cSld>
-    <p:spTree>
-      <p:nvGrpSpPr>
-        <p:cNvPr id="1" name=""/>
-        <p:cNvGrpSpPr/>
-        <p:nvPr/>
-      </p:nvGrpSpPr>
-      <p:grpSpPr>
-        <a:xfrm>
-          <a:off x="0" y="0"/>
-          <a:ext cx="0" cy="0"/>
-          <a:chOff x="0" y="0"/>
-          <a:chExt cx="0" cy="0"/>
-        </a:xfrm>
-      </p:grpSpPr>
-      <p:sp>
-        <p:nvSpPr>
-          <p:cNvPr id="5" name="Rectangle 4"/>
-          <p:cNvSpPr/>
-          <p:nvPr/>
-        </p:nvSpPr>
-        <p:spPr>
-          <a:xfrm>
-            <a:off x="1449847" y="3279788"/>
-            <a:ext cx="1671782" cy="1330034"/>
-          </a:xfrm>
-          <a:prstGeom prst="rect">
-            <a:avLst/>
-          </a:prstGeom>
-        </p:spPr>
-        <p:style>
-          <a:lnRef idx="2">
-            <a:schemeClr val="accent1">
-              <a:shade val="50000"/>
-            </a:schemeClr>
-          </a:lnRef>
-          <a:fillRef idx="1">
-            <a:schemeClr val="accent1"/>
-          </a:fillRef>
-          <a:effectRef idx="0">
-            <a:schemeClr val="accent1"/>
-          </a:effectRef>
-          <a:fontRef idx="minor">
-            <a:schemeClr val="lt1"/>
-          </a:fontRef>
-        </p:style>
-        <p:txBody>
-          <a:bodyPr rtlCol="0" anchor="ctr"/>
-          <a:lstStyle/>
-          <a:p>
-            <a:pPr algn="ctr"/>
-            <a:r>
-              <a:rPr lang="en-US" sz="3200" dirty="0" smtClean="0"/>
-              <a:t>Sensor</a:t>
-            </a:r>
-            <a:endParaRPr lang="en-US" sz="3200" dirty="0"/>
-          </a:p>
-        </p:txBody>
-      </p:sp>
-      <p:sp>
-        <p:nvSpPr>
-          <p:cNvPr id="7" name="TextBox 6"/>
-          <p:cNvSpPr txBox="1"/>
-          <p:nvPr/>
-        </p:nvSpPr>
-        <p:spPr>
-          <a:xfrm>
-            <a:off x="248857" y="304800"/>
-            <a:ext cx="11084161" cy="707886"/>
-          </a:xfrm>
-          <a:prstGeom prst="rect">
-            <a:avLst/>
-          </a:prstGeom>
-          <a:noFill/>
-        </p:spPr>
-        <p:txBody>
-          <a:bodyPr wrap="square" rtlCol="0">
-            <a:spAutoFit/>
-          </a:bodyPr>
-          <a:lstStyle/>
-          <a:p>
-            <a:r>
-              <a:rPr lang="en-US" sz="4000" dirty="0" smtClean="0"/>
-              <a:t>Sensor working</a:t>
-            </a:r>
-            <a:endParaRPr lang="en-US" sz="4000" dirty="0"/>
-          </a:p>
-        </p:txBody>
-      </p:sp>
-      <p:sp>
-        <p:nvSpPr>
-          <p:cNvPr id="8" name="TextBox 7"/>
-          <p:cNvSpPr txBox="1"/>
-          <p:nvPr/>
-        </p:nvSpPr>
-        <p:spPr>
-          <a:xfrm>
-            <a:off x="248857" y="1533236"/>
-            <a:ext cx="2383507" cy="523220"/>
-          </a:xfrm>
-          <a:prstGeom prst="rect">
-            <a:avLst/>
-          </a:prstGeom>
-          <a:noFill/>
-        </p:spPr>
-        <p:txBody>
-          <a:bodyPr wrap="square" rtlCol="0">
-            <a:spAutoFit/>
-          </a:bodyPr>
-          <a:lstStyle/>
-          <a:p>
-            <a:r>
-              <a:rPr lang="en-US" sz="2800" dirty="0" smtClean="0"/>
-              <a:t>Step : 2</a:t>
-            </a:r>
-            <a:endParaRPr lang="en-US" sz="2800" dirty="0"/>
-          </a:p>
-        </p:txBody>
-      </p:sp>
-      <p:sp>
-        <p:nvSpPr>
-          <p:cNvPr id="11" name="Rectangle 10"/>
-          <p:cNvSpPr/>
-          <p:nvPr/>
-        </p:nvSpPr>
-        <p:spPr>
-          <a:xfrm>
-            <a:off x="7010796" y="3279787"/>
-            <a:ext cx="2096260" cy="1330034"/>
-          </a:xfrm>
-          <a:prstGeom prst="rect">
-            <a:avLst/>
-          </a:prstGeom>
-        </p:spPr>
-        <p:style>
-          <a:lnRef idx="2">
-            <a:schemeClr val="accent1">
-              <a:shade val="50000"/>
-            </a:schemeClr>
-          </a:lnRef>
-          <a:fillRef idx="1">
-            <a:schemeClr val="accent1"/>
-          </a:fillRef>
-          <a:effectRef idx="0">
-            <a:schemeClr val="accent1"/>
-          </a:effectRef>
-          <a:fontRef idx="minor">
-            <a:schemeClr val="lt1"/>
-          </a:fontRef>
-        </p:style>
-        <p:txBody>
-          <a:bodyPr rtlCol="0" anchor="ctr"/>
-          <a:lstStyle/>
-          <a:p>
-            <a:pPr algn="ctr"/>
-            <a:r>
-              <a:rPr lang="en-US" sz="3200" dirty="0" smtClean="0"/>
-              <a:t>VirusTotal</a:t>
-            </a:r>
-            <a:r>
-              <a:rPr lang="en-US" sz="3200" dirty="0"/>
-              <a:t> </a:t>
-            </a:r>
-            <a:r>
-              <a:rPr lang="en-US" sz="3200" dirty="0" smtClean="0"/>
-              <a:t> Shodan</a:t>
-            </a:r>
-            <a:endParaRPr lang="en-US" sz="3200" dirty="0"/>
-          </a:p>
-        </p:txBody>
-      </p:sp>
-      <p:sp>
-        <p:nvSpPr>
-          <p:cNvPr id="16" name="Right Arrow 15"/>
-          <p:cNvSpPr/>
-          <p:nvPr/>
-        </p:nvSpPr>
-        <p:spPr>
-          <a:xfrm rot="10800000">
-            <a:off x="3681658" y="3826604"/>
-            <a:ext cx="2769108" cy="236401"/>
-          </a:xfrm>
-          <a:prstGeom prst="rightArrow">
-            <a:avLst/>
-          </a:prstGeom>
-        </p:spPr>
-        <p:style>
-          <a:lnRef idx="2">
-            <a:schemeClr val="accent1">
-              <a:shade val="50000"/>
-            </a:schemeClr>
-          </a:lnRef>
-          <a:fillRef idx="1">
-            <a:schemeClr val="accent1"/>
-          </a:fillRef>
-          <a:effectRef idx="0">
-            <a:schemeClr val="accent1"/>
-          </a:effectRef>
-          <a:fontRef idx="minor">
-            <a:schemeClr val="lt1"/>
-          </a:fontRef>
-        </p:style>
-        <p:txBody>
-          <a:bodyPr rtlCol="0" anchor="ctr"/>
-          <a:lstStyle/>
-          <a:p>
-            <a:pPr algn="ctr"/>
-            <a:endParaRPr lang="en-US"/>
-          </a:p>
-        </p:txBody>
-      </p:sp>
-      <p:sp>
-        <p:nvSpPr>
-          <p:cNvPr id="17" name="TextBox 16"/>
-          <p:cNvSpPr txBox="1"/>
-          <p:nvPr/>
-        </p:nvSpPr>
-        <p:spPr>
-          <a:xfrm>
-            <a:off x="3852581" y="3549605"/>
-            <a:ext cx="2427262" cy="276999"/>
-          </a:xfrm>
-          <a:prstGeom prst="rect">
-            <a:avLst/>
-          </a:prstGeom>
-          <a:noFill/>
-        </p:spPr>
-        <p:txBody>
-          <a:bodyPr wrap="square" rtlCol="0">
-            <a:spAutoFit/>
-          </a:bodyPr>
-          <a:lstStyle/>
-          <a:p>
-            <a:pPr algn="ctr"/>
-            <a:r>
-              <a:rPr lang="en-US" sz="1200" dirty="0" smtClean="0">
-                <a:solidFill>
-                  <a:srgbClr val="FF0000"/>
-                </a:solidFill>
-              </a:rPr>
-              <a:t>POSITIVE</a:t>
-            </a:r>
-            <a:endParaRPr lang="en-US" sz="1200" dirty="0">
-              <a:solidFill>
-                <a:srgbClr val="FF0000"/>
-              </a:solidFill>
-            </a:endParaRPr>
-          </a:p>
-        </p:txBody>
-      </p:sp>
-      <p:sp>
-        <p:nvSpPr>
-          <p:cNvPr id="9" name="TextBox 8"/>
-          <p:cNvSpPr txBox="1"/>
-          <p:nvPr/>
-        </p:nvSpPr>
-        <p:spPr>
-          <a:xfrm>
-            <a:off x="4023504" y="4103603"/>
-            <a:ext cx="2427262" cy="600164"/>
-          </a:xfrm>
-          <a:prstGeom prst="rect">
-            <a:avLst/>
-          </a:prstGeom>
-          <a:noFill/>
-        </p:spPr>
-        <p:txBody>
-          <a:bodyPr wrap="square" rtlCol="0">
-            <a:spAutoFit/>
-          </a:bodyPr>
-          <a:lstStyle/>
-          <a:p>
-            <a:pPr algn="ctr"/>
-            <a:r>
-              <a:rPr lang="en-US" sz="1100" dirty="0" smtClean="0"/>
-              <a:t>If the results from the blacklists is true then the traffic is </a:t>
-            </a:r>
-            <a:r>
-              <a:rPr lang="en-US" sz="1100" b="1" dirty="0" smtClean="0"/>
-              <a:t>BLOCKED</a:t>
-            </a:r>
-            <a:r>
-              <a:rPr lang="en-US" sz="1100" dirty="0" smtClean="0"/>
-              <a:t> and </a:t>
-            </a:r>
-            <a:r>
-              <a:rPr lang="en-US" sz="1100" b="1" dirty="0" smtClean="0"/>
-              <a:t>DROPPED</a:t>
-            </a:r>
-            <a:endParaRPr lang="en-US" sz="1100" b="1" dirty="0"/>
-          </a:p>
-        </p:txBody>
-      </p:sp>
-    </p:spTree>
-    <p:extLst>
-      <p:ext uri="{BB962C8B-B14F-4D97-AF65-F5344CB8AC3E}">
-        <p14:creationId xmlns:p14="http://schemas.microsoft.com/office/powerpoint/2010/main" val="1810825510"/>
-      </p:ext>
-    </p:extLst>
-  </p:cSld>
-  <p:clrMapOvr>
-    <a:masterClrMapping/>
-  </p:clrMapOvr>
-  <p:timing>
-    <p:tnLst>
-      <p:par>
-        <p:cTn id="1" dur="indefinite" restart="never" nodeType="tmRoot"/>
-      </p:par>
-    </p:tnLst>
-  </p:timing>
-</p:sld>
-</file>
-
-<file path=ppt/slides/slide15.xml><?xml version="1.0" encoding="utf-8"?>
-<p:sld xmlns:a="http://schemas.openxmlformats.org/drawingml/2006/main" xmlns:r="http://schemas.openxmlformats.org/officeDocument/2006/relationships" xmlns:p="http://schemas.openxmlformats.org/presentationml/2006/main">
-  <p:cSld>
-    <p:spTree>
-      <p:nvGrpSpPr>
-        <p:cNvPr id="1" name=""/>
-        <p:cNvGrpSpPr/>
-        <p:nvPr/>
-      </p:nvGrpSpPr>
-      <p:grpSpPr>
-        <a:xfrm>
-          <a:off x="0" y="0"/>
-          <a:ext cx="0" cy="0"/>
-          <a:chOff x="0" y="0"/>
-          <a:chExt cx="0" cy="0"/>
-        </a:xfrm>
-      </p:grpSpPr>
-      <p:sp>
-        <p:nvSpPr>
-          <p:cNvPr id="5" name="Rectangle 4"/>
-          <p:cNvSpPr/>
-          <p:nvPr/>
-        </p:nvSpPr>
-        <p:spPr>
-          <a:xfrm>
-            <a:off x="1449847" y="3279788"/>
-            <a:ext cx="1671782" cy="1330034"/>
-          </a:xfrm>
-          <a:prstGeom prst="rect">
-            <a:avLst/>
-          </a:prstGeom>
-        </p:spPr>
-        <p:style>
-          <a:lnRef idx="2">
-            <a:schemeClr val="accent1">
-              <a:shade val="50000"/>
-            </a:schemeClr>
-          </a:lnRef>
-          <a:fillRef idx="1">
-            <a:schemeClr val="accent1"/>
-          </a:fillRef>
-          <a:effectRef idx="0">
-            <a:schemeClr val="accent1"/>
-          </a:effectRef>
-          <a:fontRef idx="minor">
-            <a:schemeClr val="lt1"/>
-          </a:fontRef>
-        </p:style>
-        <p:txBody>
-          <a:bodyPr rtlCol="0" anchor="ctr"/>
-          <a:lstStyle/>
-          <a:p>
-            <a:pPr algn="ctr"/>
-            <a:r>
-              <a:rPr lang="en-US" sz="3200" dirty="0" smtClean="0"/>
-              <a:t>Sensor</a:t>
-            </a:r>
-            <a:endParaRPr lang="en-US" sz="3200" dirty="0"/>
-          </a:p>
-        </p:txBody>
-      </p:sp>
-      <p:sp>
-        <p:nvSpPr>
-          <p:cNvPr id="7" name="TextBox 6"/>
-          <p:cNvSpPr txBox="1"/>
-          <p:nvPr/>
-        </p:nvSpPr>
-        <p:spPr>
-          <a:xfrm>
-            <a:off x="248857" y="304800"/>
-            <a:ext cx="11084161" cy="707886"/>
-          </a:xfrm>
-          <a:prstGeom prst="rect">
-            <a:avLst/>
-          </a:prstGeom>
-          <a:noFill/>
-        </p:spPr>
-        <p:txBody>
-          <a:bodyPr wrap="square" rtlCol="0">
-            <a:spAutoFit/>
-          </a:bodyPr>
-          <a:lstStyle/>
-          <a:p>
-            <a:r>
-              <a:rPr lang="en-US" sz="4000" dirty="0" smtClean="0"/>
-              <a:t>Sensor working</a:t>
-            </a:r>
-            <a:endParaRPr lang="en-US" sz="4000" dirty="0"/>
-          </a:p>
-        </p:txBody>
-      </p:sp>
-      <p:sp>
-        <p:nvSpPr>
-          <p:cNvPr id="8" name="TextBox 7"/>
-          <p:cNvSpPr txBox="1"/>
-          <p:nvPr/>
-        </p:nvSpPr>
-        <p:spPr>
-          <a:xfrm>
-            <a:off x="248857" y="1533236"/>
-            <a:ext cx="2383507" cy="523220"/>
-          </a:xfrm>
-          <a:prstGeom prst="rect">
-            <a:avLst/>
-          </a:prstGeom>
-          <a:noFill/>
-        </p:spPr>
-        <p:txBody>
-          <a:bodyPr wrap="square" rtlCol="0">
-            <a:spAutoFit/>
-          </a:bodyPr>
-          <a:lstStyle/>
-          <a:p>
-            <a:r>
-              <a:rPr lang="en-US" sz="2800" dirty="0" smtClean="0"/>
-              <a:t>Step : 2</a:t>
-            </a:r>
-            <a:endParaRPr lang="en-US" sz="2800" dirty="0"/>
-          </a:p>
-        </p:txBody>
-      </p:sp>
-      <p:sp>
-        <p:nvSpPr>
-          <p:cNvPr id="11" name="Rectangle 10"/>
-          <p:cNvSpPr/>
-          <p:nvPr/>
-        </p:nvSpPr>
-        <p:spPr>
-          <a:xfrm>
-            <a:off x="7010796" y="3279787"/>
-            <a:ext cx="2096260" cy="1330034"/>
-          </a:xfrm>
-          <a:prstGeom prst="rect">
-            <a:avLst/>
-          </a:prstGeom>
-        </p:spPr>
-        <p:style>
-          <a:lnRef idx="2">
-            <a:schemeClr val="accent1">
-              <a:shade val="50000"/>
-            </a:schemeClr>
-          </a:lnRef>
-          <a:fillRef idx="1">
-            <a:schemeClr val="accent1"/>
-          </a:fillRef>
-          <a:effectRef idx="0">
-            <a:schemeClr val="accent1"/>
-          </a:effectRef>
-          <a:fontRef idx="minor">
-            <a:schemeClr val="lt1"/>
-          </a:fontRef>
-        </p:style>
-        <p:txBody>
-          <a:bodyPr rtlCol="0" anchor="ctr"/>
-          <a:lstStyle/>
-          <a:p>
-            <a:pPr algn="ctr"/>
-            <a:r>
-              <a:rPr lang="en-US" sz="3200" dirty="0" smtClean="0"/>
-              <a:t>VirusTotal</a:t>
-            </a:r>
-            <a:r>
-              <a:rPr lang="en-US" sz="3200" dirty="0"/>
-              <a:t> </a:t>
-            </a:r>
-            <a:r>
-              <a:rPr lang="en-US" sz="3200" dirty="0" smtClean="0"/>
-              <a:t> Shodan</a:t>
-            </a:r>
-            <a:endParaRPr lang="en-US" sz="3200" dirty="0"/>
-          </a:p>
-        </p:txBody>
-      </p:sp>
-      <p:sp>
-        <p:nvSpPr>
-          <p:cNvPr id="16" name="Right Arrow 15"/>
-          <p:cNvSpPr/>
-          <p:nvPr/>
-        </p:nvSpPr>
-        <p:spPr>
-          <a:xfrm rot="10800000">
-            <a:off x="3681658" y="3826604"/>
-            <a:ext cx="2769108" cy="236401"/>
-          </a:xfrm>
-          <a:prstGeom prst="rightArrow">
-            <a:avLst/>
-          </a:prstGeom>
-        </p:spPr>
-        <p:style>
-          <a:lnRef idx="2">
-            <a:schemeClr val="accent1">
-              <a:shade val="50000"/>
-            </a:schemeClr>
-          </a:lnRef>
-          <a:fillRef idx="1">
-            <a:schemeClr val="accent1"/>
-          </a:fillRef>
-          <a:effectRef idx="0">
-            <a:schemeClr val="accent1"/>
-          </a:effectRef>
-          <a:fontRef idx="minor">
-            <a:schemeClr val="lt1"/>
-          </a:fontRef>
-        </p:style>
-        <p:txBody>
-          <a:bodyPr rtlCol="0" anchor="ctr"/>
-          <a:lstStyle/>
-          <a:p>
-            <a:pPr algn="ctr"/>
-            <a:endParaRPr lang="en-US"/>
-          </a:p>
-        </p:txBody>
-      </p:sp>
-      <p:sp>
-        <p:nvSpPr>
-          <p:cNvPr id="17" name="TextBox 16"/>
-          <p:cNvSpPr txBox="1"/>
-          <p:nvPr/>
-        </p:nvSpPr>
-        <p:spPr>
-          <a:xfrm>
-            <a:off x="3852581" y="3549605"/>
-            <a:ext cx="2427262" cy="276999"/>
-          </a:xfrm>
-          <a:prstGeom prst="rect">
-            <a:avLst/>
-          </a:prstGeom>
-          <a:noFill/>
-        </p:spPr>
-        <p:txBody>
-          <a:bodyPr wrap="square" rtlCol="0">
-            <a:spAutoFit/>
-          </a:bodyPr>
-          <a:lstStyle/>
-          <a:p>
-            <a:pPr algn="ctr"/>
-            <a:r>
-              <a:rPr lang="en-US" sz="1200" dirty="0" smtClean="0">
-                <a:solidFill>
-                  <a:schemeClr val="accent6"/>
-                </a:solidFill>
-              </a:rPr>
-              <a:t>NEGATIVE</a:t>
-            </a:r>
-            <a:endParaRPr lang="en-US" sz="1200" dirty="0">
-              <a:solidFill>
-                <a:schemeClr val="accent6"/>
-              </a:solidFill>
-            </a:endParaRPr>
-          </a:p>
-        </p:txBody>
-      </p:sp>
-      <p:sp>
-        <p:nvSpPr>
-          <p:cNvPr id="9" name="TextBox 8"/>
-          <p:cNvSpPr txBox="1"/>
-          <p:nvPr/>
-        </p:nvSpPr>
-        <p:spPr>
-          <a:xfrm>
-            <a:off x="4023504" y="4103603"/>
-            <a:ext cx="2427262" cy="261610"/>
-          </a:xfrm>
-          <a:prstGeom prst="rect">
-            <a:avLst/>
-          </a:prstGeom>
-          <a:noFill/>
-        </p:spPr>
-        <p:txBody>
-          <a:bodyPr wrap="square" rtlCol="0">
-            <a:spAutoFit/>
-          </a:bodyPr>
-          <a:lstStyle/>
-          <a:p>
-            <a:pPr algn="ctr"/>
-            <a:r>
-              <a:rPr lang="en-US" sz="1100" dirty="0" smtClean="0"/>
-              <a:t>The traffic is allowed to pass through</a:t>
-            </a:r>
-            <a:endParaRPr lang="en-US" sz="1100" b="1" dirty="0"/>
-          </a:p>
-        </p:txBody>
-      </p:sp>
-    </p:spTree>
-    <p:extLst>
-      <p:ext uri="{BB962C8B-B14F-4D97-AF65-F5344CB8AC3E}">
-        <p14:creationId xmlns:p14="http://schemas.microsoft.com/office/powerpoint/2010/main" val="2358190771"/>
-      </p:ext>
-    </p:extLst>
-  </p:cSld>
-  <p:clrMapOvr>
-    <a:masterClrMapping/>
-  </p:clrMapOvr>
-  <p:timing>
-    <p:tnLst>
-      <p:par>
-        <p:cTn id="1" dur="indefinite" restart="never" nodeType="tmRoot"/>
-      </p:par>
-    </p:tnLst>
-  </p:timing>
-</p:sld>
-</file>
-
-<file path=ppt/slides/slide16.xml><?xml version="1.0" encoding="utf-8"?>
-<p:sld xmlns:a="http://schemas.openxmlformats.org/drawingml/2006/main" xmlns:r="http://schemas.openxmlformats.org/officeDocument/2006/relationships" xmlns:p="http://schemas.openxmlformats.org/presentationml/2006/main">
-  <p:cSld>
-    <p:spTree>
-      <p:nvGrpSpPr>
-        <p:cNvPr id="1" name=""/>
-        <p:cNvGrpSpPr/>
-        <p:nvPr/>
-      </p:nvGrpSpPr>
-      <p:grpSpPr>
-        <a:xfrm>
-          <a:off x="0" y="0"/>
-          <a:ext cx="0" cy="0"/>
-          <a:chOff x="0" y="0"/>
-          <a:chExt cx="0" cy="0"/>
-        </a:xfrm>
-      </p:grpSpPr>
-      <p:sp>
-        <p:nvSpPr>
-          <p:cNvPr id="5" name="Rectangle 4"/>
-          <p:cNvSpPr/>
-          <p:nvPr/>
-        </p:nvSpPr>
-        <p:spPr>
-          <a:xfrm>
-            <a:off x="1449847" y="3279788"/>
-            <a:ext cx="1671782" cy="1330034"/>
-          </a:xfrm>
-          <a:prstGeom prst="rect">
-            <a:avLst/>
-          </a:prstGeom>
-        </p:spPr>
-        <p:style>
-          <a:lnRef idx="2">
-            <a:schemeClr val="accent1">
-              <a:shade val="50000"/>
-            </a:schemeClr>
-          </a:lnRef>
-          <a:fillRef idx="1">
-            <a:schemeClr val="accent1"/>
-          </a:fillRef>
-          <a:effectRef idx="0">
-            <a:schemeClr val="accent1"/>
-          </a:effectRef>
-          <a:fontRef idx="minor">
-            <a:schemeClr val="lt1"/>
-          </a:fontRef>
-        </p:style>
-        <p:txBody>
-          <a:bodyPr rtlCol="0" anchor="ctr"/>
-          <a:lstStyle/>
-          <a:p>
-            <a:pPr algn="ctr"/>
-            <a:r>
-              <a:rPr lang="en-US" sz="3200" dirty="0" smtClean="0"/>
-              <a:t>Sensor</a:t>
-            </a:r>
-            <a:endParaRPr lang="en-US" sz="3200" dirty="0"/>
-          </a:p>
-        </p:txBody>
-      </p:sp>
-      <p:sp>
-        <p:nvSpPr>
-          <p:cNvPr id="7" name="TextBox 6"/>
-          <p:cNvSpPr txBox="1"/>
-          <p:nvPr/>
-        </p:nvSpPr>
-        <p:spPr>
-          <a:xfrm>
-            <a:off x="248857" y="304800"/>
-            <a:ext cx="11084161" cy="707886"/>
-          </a:xfrm>
-          <a:prstGeom prst="rect">
-            <a:avLst/>
-          </a:prstGeom>
-          <a:noFill/>
-        </p:spPr>
-        <p:txBody>
-          <a:bodyPr wrap="square" rtlCol="0">
-            <a:spAutoFit/>
-          </a:bodyPr>
-          <a:lstStyle/>
-          <a:p>
-            <a:r>
-              <a:rPr lang="en-US" sz="4000" dirty="0" smtClean="0"/>
-              <a:t>Server working</a:t>
-            </a:r>
-            <a:endParaRPr lang="en-US" sz="4000" dirty="0"/>
-          </a:p>
-        </p:txBody>
-      </p:sp>
-      <p:sp>
-        <p:nvSpPr>
-          <p:cNvPr id="8" name="TextBox 7"/>
-          <p:cNvSpPr txBox="1"/>
-          <p:nvPr/>
-        </p:nvSpPr>
-        <p:spPr>
-          <a:xfrm>
-            <a:off x="248857" y="1533236"/>
-            <a:ext cx="2383507" cy="523220"/>
-          </a:xfrm>
-          <a:prstGeom prst="rect">
-            <a:avLst/>
-          </a:prstGeom>
-          <a:noFill/>
-        </p:spPr>
-        <p:txBody>
-          <a:bodyPr wrap="square" rtlCol="0">
-            <a:spAutoFit/>
-          </a:bodyPr>
-          <a:lstStyle/>
-          <a:p>
-            <a:r>
-              <a:rPr lang="en-US" sz="2800" dirty="0" smtClean="0"/>
-              <a:t>Step : 3</a:t>
-            </a:r>
-            <a:endParaRPr lang="en-US" sz="2800" dirty="0"/>
-          </a:p>
-        </p:txBody>
-      </p:sp>
-      <p:sp>
-        <p:nvSpPr>
-          <p:cNvPr id="11" name="Rectangle 10"/>
-          <p:cNvSpPr/>
-          <p:nvPr/>
-        </p:nvSpPr>
-        <p:spPr>
-          <a:xfrm>
-            <a:off x="7010796" y="3279787"/>
-            <a:ext cx="2096260" cy="1330034"/>
-          </a:xfrm>
-          <a:prstGeom prst="rect">
-            <a:avLst/>
-          </a:prstGeom>
-        </p:spPr>
-        <p:style>
-          <a:lnRef idx="2">
-            <a:schemeClr val="accent1">
-              <a:shade val="50000"/>
-            </a:schemeClr>
-          </a:lnRef>
-          <a:fillRef idx="1">
-            <a:schemeClr val="accent1"/>
-          </a:fillRef>
-          <a:effectRef idx="0">
-            <a:schemeClr val="accent1"/>
-          </a:effectRef>
-          <a:fontRef idx="minor">
-            <a:schemeClr val="lt1"/>
-          </a:fontRef>
-        </p:style>
-        <p:txBody>
-          <a:bodyPr rtlCol="0" anchor="ctr"/>
-          <a:lstStyle/>
-          <a:p>
-            <a:pPr algn="ctr"/>
-            <a:r>
-              <a:rPr lang="en-US" sz="3200" dirty="0" smtClean="0"/>
-              <a:t>Server</a:t>
-            </a:r>
-            <a:endParaRPr lang="en-US" sz="3200" dirty="0"/>
-          </a:p>
-        </p:txBody>
-      </p:sp>
-      <p:sp>
-        <p:nvSpPr>
-          <p:cNvPr id="16" name="Right Arrow 15"/>
-          <p:cNvSpPr/>
-          <p:nvPr/>
-        </p:nvSpPr>
-        <p:spPr>
-          <a:xfrm>
-            <a:off x="3681658" y="3826604"/>
-            <a:ext cx="2769108" cy="236401"/>
-          </a:xfrm>
-          <a:prstGeom prst="rightArrow">
-            <a:avLst/>
-          </a:prstGeom>
-        </p:spPr>
-        <p:style>
-          <a:lnRef idx="2">
-            <a:schemeClr val="accent1">
-              <a:shade val="50000"/>
-            </a:schemeClr>
-          </a:lnRef>
-          <a:fillRef idx="1">
-            <a:schemeClr val="accent1"/>
-          </a:fillRef>
-          <a:effectRef idx="0">
-            <a:schemeClr val="accent1"/>
-          </a:effectRef>
-          <a:fontRef idx="minor">
-            <a:schemeClr val="lt1"/>
-          </a:fontRef>
-        </p:style>
-        <p:txBody>
-          <a:bodyPr rtlCol="0" anchor="ctr"/>
-          <a:lstStyle/>
-          <a:p>
-            <a:pPr algn="ctr"/>
-            <a:endParaRPr lang="en-US"/>
-          </a:p>
-        </p:txBody>
-      </p:sp>
-      <p:sp>
-        <p:nvSpPr>
-          <p:cNvPr id="17" name="TextBox 16"/>
-          <p:cNvSpPr txBox="1"/>
-          <p:nvPr/>
-        </p:nvSpPr>
-        <p:spPr>
-          <a:xfrm>
-            <a:off x="3852581" y="3364939"/>
-            <a:ext cx="2427262" cy="461665"/>
-          </a:xfrm>
-          <a:prstGeom prst="rect">
-            <a:avLst/>
-          </a:prstGeom>
-          <a:noFill/>
-        </p:spPr>
-        <p:txBody>
-          <a:bodyPr wrap="square" rtlCol="0">
-            <a:spAutoFit/>
-          </a:bodyPr>
-          <a:lstStyle/>
-          <a:p>
-            <a:pPr algn="ctr"/>
-            <a:r>
-              <a:rPr lang="en-US" sz="1200" dirty="0" smtClean="0"/>
-              <a:t>The server DATA is sent to server if the result is </a:t>
-            </a:r>
-            <a:r>
-              <a:rPr lang="en-US" sz="1200" b="1" dirty="0" smtClean="0">
-                <a:solidFill>
-                  <a:srgbClr val="FF0000"/>
-                </a:solidFill>
-              </a:rPr>
-              <a:t>POSITIVE</a:t>
-            </a:r>
-            <a:endParaRPr lang="en-US" sz="1200" b="1" dirty="0">
-              <a:solidFill>
-                <a:srgbClr val="FF0000"/>
-              </a:solidFill>
-            </a:endParaRPr>
-          </a:p>
-        </p:txBody>
-      </p:sp>
-    </p:spTree>
-    <p:extLst>
-      <p:ext uri="{BB962C8B-B14F-4D97-AF65-F5344CB8AC3E}">
-        <p14:creationId xmlns:p14="http://schemas.microsoft.com/office/powerpoint/2010/main" val="580740716"/>
-      </p:ext>
-    </p:extLst>
-  </p:cSld>
-  <p:clrMapOvr>
-    <a:masterClrMapping/>
-  </p:clrMapOvr>
-  <p:timing>
-    <p:tnLst>
-      <p:par>
-        <p:cTn id="1" dur="indefinite" restart="never" nodeType="tmRoot"/>
-      </p:par>
-    </p:tnLst>
-  </p:timing>
-</p:sld>
-</file>
-
-<file path=ppt/slides/slide17.xml><?xml version="1.0" encoding="utf-8"?>
-<p:sld xmlns:a="http://schemas.openxmlformats.org/drawingml/2006/main" xmlns:r="http://schemas.openxmlformats.org/officeDocument/2006/relationships" xmlns:p="http://schemas.openxmlformats.org/presentationml/2006/main">
-  <p:cSld>
-    <p:spTree>
-      <p:nvGrpSpPr>
-        <p:cNvPr id="1" name=""/>
-        <p:cNvGrpSpPr/>
-        <p:nvPr/>
-      </p:nvGrpSpPr>
-      <p:grpSpPr>
-        <a:xfrm>
-          <a:off x="0" y="0"/>
-          <a:ext cx="0" cy="0"/>
-          <a:chOff x="0" y="0"/>
-          <a:chExt cx="0" cy="0"/>
-        </a:xfrm>
-      </p:grpSpPr>
-      <p:sp>
-        <p:nvSpPr>
-          <p:cNvPr id="7" name="TextBox 6"/>
-          <p:cNvSpPr txBox="1"/>
-          <p:nvPr/>
-        </p:nvSpPr>
-        <p:spPr>
-          <a:xfrm>
-            <a:off x="729673" y="580571"/>
-            <a:ext cx="10603345" cy="707886"/>
-          </a:xfrm>
-          <a:prstGeom prst="rect">
-            <a:avLst/>
-          </a:prstGeom>
-          <a:noFill/>
-        </p:spPr>
-        <p:txBody>
-          <a:bodyPr wrap="square" rtlCol="0">
-            <a:spAutoFit/>
-          </a:bodyPr>
-          <a:lstStyle/>
-          <a:p>
-            <a:pPr algn="ctr"/>
-            <a:r>
-              <a:rPr lang="en-US" sz="4000" dirty="0" smtClean="0"/>
-              <a:t>Server working</a:t>
-            </a:r>
-            <a:endParaRPr lang="en-US" sz="4000" dirty="0"/>
-          </a:p>
-        </p:txBody>
-      </p:sp>
-      <p:sp>
-        <p:nvSpPr>
-          <p:cNvPr id="8" name="TextBox 7"/>
-          <p:cNvSpPr txBox="1"/>
-          <p:nvPr/>
-        </p:nvSpPr>
-        <p:spPr>
-          <a:xfrm>
-            <a:off x="248857" y="1983178"/>
-            <a:ext cx="11565772" cy="3539430"/>
-          </a:xfrm>
-          <a:prstGeom prst="rect">
-            <a:avLst/>
-          </a:prstGeom>
-          <a:noFill/>
-        </p:spPr>
-        <p:txBody>
-          <a:bodyPr wrap="square" rtlCol="0">
-            <a:spAutoFit/>
-          </a:bodyPr>
-          <a:lstStyle/>
-          <a:p>
-            <a:pPr marL="457200" indent="-457200">
-              <a:buFont typeface="Arial" panose="020B0604020202020204" pitchFamily="34" charset="0"/>
-              <a:buChar char="•"/>
-            </a:pPr>
-            <a:r>
-              <a:rPr lang="en-US" sz="3200" dirty="0" smtClean="0"/>
-              <a:t>It gets the analyzed details from the sensor(s) which have been configured in the core routers </a:t>
-            </a:r>
-          </a:p>
-          <a:p>
-            <a:pPr marL="457200" indent="-457200">
-              <a:buFont typeface="Arial" panose="020B0604020202020204" pitchFamily="34" charset="0"/>
-              <a:buChar char="•"/>
-            </a:pPr>
-            <a:r>
-              <a:rPr lang="en-US" sz="3200" dirty="0" smtClean="0"/>
-              <a:t>The server will align the raw data for presenting to the user in pictorial form</a:t>
-            </a:r>
-          </a:p>
-          <a:p>
-            <a:pPr marL="457200" indent="-457200">
-              <a:buFont typeface="Arial" panose="020B0604020202020204" pitchFamily="34" charset="0"/>
-              <a:buChar char="•"/>
-            </a:pPr>
-            <a:r>
-              <a:rPr lang="en-US" sz="3200" dirty="0" smtClean="0"/>
-              <a:t>The server may be in the internal network or external network</a:t>
-            </a:r>
-          </a:p>
-          <a:p>
-            <a:pPr marL="457200" indent="-457200">
-              <a:buFont typeface="Arial" panose="020B0604020202020204" pitchFamily="34" charset="0"/>
-              <a:buChar char="•"/>
-            </a:pPr>
-            <a:r>
-              <a:rPr lang="en-US" sz="3200" dirty="0" smtClean="0"/>
-              <a:t>Here I’ve used my computer for configuring both sensor and server</a:t>
-            </a:r>
-            <a:endParaRPr lang="en-US" sz="3200" dirty="0"/>
-          </a:p>
-        </p:txBody>
-      </p:sp>
-    </p:spTree>
-    <p:extLst>
-      <p:ext uri="{BB962C8B-B14F-4D97-AF65-F5344CB8AC3E}">
-        <p14:creationId xmlns:p14="http://schemas.microsoft.com/office/powerpoint/2010/main" val="394360295"/>
-      </p:ext>
-    </p:extLst>
-  </p:cSld>
-  <p:clrMapOvr>
-    <a:masterClrMapping/>
-  </p:clrMapOvr>
-  <p:timing>
-    <p:tnLst>
-      <p:par>
-        <p:cTn id="1" dur="indefinite" restart="never" nodeType="tmRoot"/>
-      </p:par>
-    </p:tnLst>
-  </p:timing>
-</p:sld>
-</file>
-
-<file path=ppt/slides/slide18.xml><?xml version="1.0" encoding="utf-8"?>
-<p:sld xmlns:a="http://schemas.openxmlformats.org/drawingml/2006/main" xmlns:r="http://schemas.openxmlformats.org/officeDocument/2006/relationships" xmlns:p="http://schemas.openxmlformats.org/presentationml/2006/main">
-  <p:cSld>
-    <p:spTree>
-      <p:nvGrpSpPr>
-        <p:cNvPr id="1" name=""/>
-        <p:cNvGrpSpPr/>
-        <p:nvPr/>
-      </p:nvGrpSpPr>
-      <p:grpSpPr>
-        <a:xfrm>
-          <a:off x="0" y="0"/>
-          <a:ext cx="0" cy="0"/>
-          <a:chOff x="0" y="0"/>
-          <a:chExt cx="0" cy="0"/>
-        </a:xfrm>
-      </p:grpSpPr>
-      <p:sp>
-        <p:nvSpPr>
-          <p:cNvPr id="2" name="Title 1"/>
-          <p:cNvSpPr>
-            <a:spLocks noGrp="1"/>
-          </p:cNvSpPr>
-          <p:nvPr>
-            <p:ph type="title"/>
-          </p:nvPr>
-        </p:nvSpPr>
-        <p:spPr/>
-        <p:txBody>
-          <a:bodyPr/>
-          <a:lstStyle/>
-          <a:p>
-            <a:r>
-              <a:rPr lang="en-US" dirty="0" smtClean="0"/>
-              <a:t>Log In screen for admin to monitor</a:t>
-            </a:r>
-            <a:endParaRPr lang="en-US" dirty="0"/>
-          </a:p>
-        </p:txBody>
-      </p:sp>
-      <p:pic>
-        <p:nvPicPr>
-          <p:cNvPr id="4" name="Content Placeholder 3"/>
-          <p:cNvPicPr>
-            <a:picLocks noGrp="1" noChangeAspect="1"/>
-          </p:cNvPicPr>
-          <p:nvPr>
-            <p:ph idx="1"/>
-          </p:nvPr>
-        </p:nvPicPr>
-        <p:blipFill>
-          <a:blip r:embed="rId2">
-            <a:extLst>
-              <a:ext uri="{28A0092B-C50C-407E-A947-70E740481C1C}">
-                <a14:useLocalDpi xmlns:a14="http://schemas.microsoft.com/office/drawing/2010/main" val="0"/>
-              </a:ext>
-            </a:extLst>
-          </a:blip>
-          <a:stretch>
-            <a:fillRect/>
-          </a:stretch>
-        </p:blipFill>
-        <p:spPr>
-          <a:xfrm>
-            <a:off x="3715558" y="2669064"/>
-            <a:ext cx="4465320" cy="2461260"/>
-          </a:xfrm>
-        </p:spPr>
-      </p:pic>
-    </p:spTree>
-    <p:extLst>
-      <p:ext uri="{BB962C8B-B14F-4D97-AF65-F5344CB8AC3E}">
-        <p14:creationId xmlns:p14="http://schemas.microsoft.com/office/powerpoint/2010/main" val="1835869897"/>
-      </p:ext>
-    </p:extLst>
-  </p:cSld>
-  <p:clrMapOvr>
-    <a:masterClrMapping/>
-  </p:clrMapOvr>
-  <p:timing>
-    <p:tnLst>
-      <p:par>
-        <p:cTn id="1" dur="indefinite" restart="never" nodeType="tmRoot"/>
-      </p:par>
-    </p:tnLst>
-  </p:timing>
-</p:sld>
-</file>
-
-<file path=ppt/slides/slide19.xml><?xml version="1.0" encoding="utf-8"?>
-<p:sld xmlns:a="http://schemas.openxmlformats.org/drawingml/2006/main" xmlns:r="http://schemas.openxmlformats.org/officeDocument/2006/relationships" xmlns:p="http://schemas.openxmlformats.org/presentationml/2006/main">
-  <p:cSld>
-    <p:spTree>
-      <p:nvGrpSpPr>
-        <p:cNvPr id="1" name=""/>
-        <p:cNvGrpSpPr/>
-        <p:nvPr/>
-      </p:nvGrpSpPr>
-      <p:grpSpPr>
-        <a:xfrm>
-          <a:off x="0" y="0"/>
-          <a:ext cx="0" cy="0"/>
-          <a:chOff x="0" y="0"/>
-          <a:chExt cx="0" cy="0"/>
-        </a:xfrm>
-      </p:grpSpPr>
-      <p:sp>
-        <p:nvSpPr>
-          <p:cNvPr id="7" name="TextBox 6"/>
-          <p:cNvSpPr txBox="1"/>
-          <p:nvPr/>
-        </p:nvSpPr>
-        <p:spPr>
-          <a:xfrm>
-            <a:off x="248857" y="304800"/>
-            <a:ext cx="11084161" cy="707886"/>
-          </a:xfrm>
-          <a:prstGeom prst="rect">
-            <a:avLst/>
-          </a:prstGeom>
-          <a:noFill/>
-        </p:spPr>
-        <p:txBody>
-          <a:bodyPr wrap="square" rtlCol="0">
-            <a:spAutoFit/>
-          </a:bodyPr>
-          <a:lstStyle/>
-          <a:p>
-            <a:r>
-              <a:rPr lang="en-US" sz="4000" dirty="0" smtClean="0"/>
-              <a:t>Server working</a:t>
-            </a:r>
-            <a:endParaRPr lang="en-US" sz="4000" dirty="0"/>
-          </a:p>
-        </p:txBody>
-      </p:sp>
-      <p:sp>
-        <p:nvSpPr>
-          <p:cNvPr id="2" name="TextBox 1"/>
-          <p:cNvSpPr txBox="1"/>
-          <p:nvPr/>
-        </p:nvSpPr>
-        <p:spPr>
-          <a:xfrm>
-            <a:off x="360218" y="1117600"/>
-            <a:ext cx="11831782" cy="830997"/>
-          </a:xfrm>
-          <a:prstGeom prst="rect">
-            <a:avLst/>
-          </a:prstGeom>
-          <a:noFill/>
-        </p:spPr>
-        <p:txBody>
-          <a:bodyPr wrap="square" rtlCol="0">
-            <a:spAutoFit/>
-          </a:bodyPr>
-          <a:lstStyle/>
-          <a:p>
-            <a:pPr marL="285750" indent="-285750">
-              <a:buFont typeface="Arial" panose="020B0604020202020204" pitchFamily="34" charset="0"/>
-              <a:buChar char="•"/>
-            </a:pPr>
-            <a:r>
-              <a:rPr lang="en-US" sz="2400" dirty="0" smtClean="0"/>
-              <a:t>Server will create a log about the particular domain or the suspicious activity  by blacklisted domains</a:t>
-            </a:r>
-            <a:endParaRPr lang="en-US" sz="2400" dirty="0"/>
-          </a:p>
-        </p:txBody>
-      </p:sp>
-      <p:pic>
-        <p:nvPicPr>
-          <p:cNvPr id="3" name="Picture 2"/>
-          <p:cNvPicPr>
-            <a:picLocks noChangeAspect="1"/>
-          </p:cNvPicPr>
-          <p:nvPr/>
-        </p:nvPicPr>
-        <p:blipFill>
-          <a:blip r:embed="rId2">
-            <a:extLst>
-              <a:ext uri="{28A0092B-C50C-407E-A947-70E740481C1C}">
-                <a14:useLocalDpi xmlns:a14="http://schemas.microsoft.com/office/drawing/2010/main" val="0"/>
-              </a:ext>
-            </a:extLst>
-          </a:blip>
-          <a:stretch>
-            <a:fillRect/>
-          </a:stretch>
-        </p:blipFill>
-        <p:spPr>
-          <a:xfrm>
-            <a:off x="1579418" y="2059456"/>
-            <a:ext cx="8903855" cy="4342891"/>
-          </a:xfrm>
-          <a:prstGeom prst="rect">
-            <a:avLst/>
-          </a:prstGeom>
-        </p:spPr>
-      </p:pic>
-    </p:spTree>
-    <p:extLst>
-      <p:ext uri="{BB962C8B-B14F-4D97-AF65-F5344CB8AC3E}">
-        <p14:creationId xmlns:p14="http://schemas.microsoft.com/office/powerpoint/2010/main" val="699276145"/>
+        <p14:creationId xmlns:p14="http://schemas.microsoft.com/office/powerpoint/2010/main" val="3987072050"/>
       </p:ext>
     </p:extLst>
   </p:cSld>
@@ -12772,10 +10135,14 @@
           <a:lstStyle/>
           <a:p>
             <a:r>
-              <a:rPr lang="en" dirty="0" smtClean="0"/>
-              <a:t>Design</a:t>
+              <a:rPr lang="en" dirty="0" smtClean="0">
+                <a:latin typeface="Proxima Nova"/>
+              </a:rPr>
+              <a:t>Concept</a:t>
             </a:r>
-            <a:endParaRPr dirty="0"/>
+            <a:endParaRPr dirty="0">
+              <a:latin typeface="Proxima Nova"/>
+            </a:endParaRPr>
           </a:p>
         </p:txBody>
       </p:sp>
@@ -12799,7 +10166,7 @@
 </p:sld>
 </file>
 
-<file path=ppt/slides/slide20.xml><?xml version="1.0" encoding="utf-8"?>
+<file path=ppt/slides/slide3.xml><?xml version="1.0" encoding="utf-8"?>
 <p:sld xmlns:a="http://schemas.openxmlformats.org/drawingml/2006/main" xmlns:r="http://schemas.openxmlformats.org/officeDocument/2006/relationships" xmlns:p="http://schemas.openxmlformats.org/presentationml/2006/main">
   <p:cSld>
     <p:spTree>
@@ -12823,13 +10190,48 @@
             <a:spLocks noGrp="1"/>
           </p:cNvSpPr>
           <p:nvPr>
-            <p:ph type="title"/>
+            <p:ph type="ctrTitle"/>
           </p:nvPr>
         </p:nvSpPr>
         <p:spPr>
           <a:xfrm>
-            <a:off x="424873" y="365125"/>
-            <a:ext cx="10928927" cy="1325563"/>
+            <a:off x="378690" y="531236"/>
+            <a:ext cx="10483273" cy="706437"/>
+          </a:xfrm>
+        </p:spPr>
+        <p:txBody>
+          <a:bodyPr>
+            <a:normAutofit fontScale="90000"/>
+          </a:bodyPr>
+          <a:lstStyle/>
+          <a:p>
+            <a:pPr algn="l"/>
+            <a:r>
+              <a:rPr lang="en-US" dirty="0" smtClean="0">
+                <a:latin typeface="Proxima Nova"/>
+              </a:rPr>
+              <a:t>Exception Handling</a:t>
+            </a:r>
+            <a:endParaRPr lang="en-US" dirty="0">
+              <a:latin typeface="Proxima Nova"/>
+            </a:endParaRPr>
+          </a:p>
+        </p:txBody>
+      </p:sp>
+      <p:sp>
+        <p:nvSpPr>
+          <p:cNvPr id="3" name="Subtitle 2"/>
+          <p:cNvSpPr>
+            <a:spLocks noGrp="1"/>
+          </p:cNvSpPr>
+          <p:nvPr>
+            <p:ph type="subTitle" idx="1"/>
+          </p:nvPr>
+        </p:nvSpPr>
+        <p:spPr>
+          <a:xfrm>
+            <a:off x="378690" y="1851661"/>
+            <a:ext cx="11305309" cy="3450014"/>
           </a:xfrm>
         </p:spPr>
         <p:txBody>
@@ -12838,49 +10240,52 @@
           </a:bodyPr>
           <a:lstStyle/>
           <a:p>
-            <a:pPr algn="ctr"/>
+            <a:pPr algn="l"/>
+            <a:endParaRPr lang="en-US" sz="2800" b="1" i="1" dirty="0" smtClean="0">
+              <a:latin typeface="Proxima Nova"/>
+            </a:endParaRPr>
+          </a:p>
+          <a:p>
+            <a:pPr algn="l"/>
+            <a:endParaRPr lang="en-US" sz="2800" b="1" i="1" dirty="0">
+              <a:latin typeface="Proxima Nova"/>
+            </a:endParaRPr>
+          </a:p>
+          <a:p>
+            <a:pPr algn="l"/>
             <a:r>
-              <a:rPr lang="en-US" sz="3600" b="1" dirty="0" smtClean="0"/>
-              <a:t>Server working</a:t>
+              <a:rPr lang="en-US" sz="2800" b="1" dirty="0" smtClean="0">
+                <a:latin typeface="Proxima Nova"/>
+              </a:rPr>
+              <a:t>Exceptions </a:t>
             </a:r>
-            <a:endParaRPr lang="en-US" sz="3600" b="1" dirty="0"/>
-          </a:p>
-        </p:txBody>
-      </p:sp>
-      <p:sp>
-        <p:nvSpPr>
-          <p:cNvPr id="3" name="Content Placeholder 2"/>
-          <p:cNvSpPr>
-            <a:spLocks noGrp="1"/>
-          </p:cNvSpPr>
-          <p:nvPr>
-            <p:ph idx="1"/>
-          </p:nvPr>
-        </p:nvSpPr>
-        <p:spPr>
-          <a:xfrm>
-            <a:off x="424873" y="2409370"/>
-            <a:ext cx="10515600" cy="3758355"/>
-          </a:xfrm>
-        </p:spPr>
-        <p:txBody>
-          <a:bodyPr>
-            <a:normAutofit/>
-          </a:bodyPr>
-          <a:lstStyle/>
-          <a:p>
             <a:r>
-              <a:rPr lang="en-US" sz="3600" dirty="0" smtClean="0"/>
-              <a:t>The over all threat results are shown in the above slide with the detailed description like severity, last seen, source IP destination IP, Source port , destination port, Type, information</a:t>
+              <a:rPr lang="en-US" sz="2800" b="1" dirty="0">
+                <a:latin typeface="Proxima Nova"/>
+              </a:rPr>
+              <a:t>in Java are the any abnormal, unwanted events, or extraordinary conditions that may occur at runtime. It interrupts the normal flow of the program.</a:t>
             </a:r>
-            <a:endParaRPr lang="en-US" sz="3600" dirty="0"/>
+            <a:endParaRPr lang="en-US" sz="2800" b="1" dirty="0">
+              <a:latin typeface="Proxima Nova"/>
+            </a:endParaRPr>
+          </a:p>
+          <a:p>
+            <a:pPr algn="l"/>
+            <a:endParaRPr lang="en-US" dirty="0" smtClean="0"/>
+          </a:p>
+          <a:p>
+            <a:pPr marL="342900" indent="-342900" algn="l">
+              <a:buFont typeface="Arial" panose="020B0604020202020204" pitchFamily="34" charset="0"/>
+              <a:buChar char="•"/>
+            </a:pPr>
+            <a:endParaRPr lang="en-US" dirty="0" smtClean="0"/>
           </a:p>
         </p:txBody>
       </p:sp>
     </p:spTree>
     <p:extLst>
       <p:ext uri="{BB962C8B-B14F-4D97-AF65-F5344CB8AC3E}">
-        <p14:creationId xmlns:p14="http://schemas.microsoft.com/office/powerpoint/2010/main" val="2288373420"/>
+        <p14:creationId xmlns:p14="http://schemas.microsoft.com/office/powerpoint/2010/main" val="563666226"/>
       </p:ext>
     </p:extLst>
   </p:cSld>
@@ -12897,12 +10302,12 @@
 </p:sld>
 </file>
 
-<file path=ppt/slides/slide21.xml><?xml version="1.0" encoding="utf-8"?>
+<file path=ppt/slides/slide4.xml><?xml version="1.0" encoding="utf-8"?>
 <p:sld xmlns:a="http://schemas.openxmlformats.org/drawingml/2006/main" xmlns:r="http://schemas.openxmlformats.org/officeDocument/2006/relationships" xmlns:p="http://schemas.openxmlformats.org/presentationml/2006/main">
   <p:cSld>
     <p:spTree>
       <p:nvGrpSpPr>
-        <p:cNvPr id="1" name=""/>
+        <p:cNvPr id="1" name="Shape 90"/>
         <p:cNvGrpSpPr/>
         <p:nvPr/>
       </p:nvGrpSpPr>
@@ -12916,109 +10321,41 @@
       </p:grpSpPr>
       <p:sp>
         <p:nvSpPr>
-          <p:cNvPr id="2" name="Title 1"/>
-          <p:cNvSpPr>
-            <a:spLocks noGrp="1"/>
-          </p:cNvSpPr>
-          <p:nvPr>
-            <p:ph type="ctrTitle"/>
+          <p:cNvPr id="91" name="Google Shape;91;p18"/>
+          <p:cNvSpPr txBox="1">
+            <a:spLocks noGrp="1"/>
+          </p:cNvSpPr>
+          <p:nvPr>
+            <p:ph type="title"/>
           </p:nvPr>
         </p:nvSpPr>
         <p:spPr>
           <a:xfrm>
-            <a:off x="378690" y="531236"/>
-            <a:ext cx="10483273" cy="706437"/>
-          </a:xfrm>
-        </p:spPr>
-        <p:txBody>
-          <a:bodyPr>
-            <a:normAutofit fontScale="90000"/>
-          </a:bodyPr>
-          <a:lstStyle/>
-          <a:p>
-            <a:r>
-              <a:rPr lang="en-US" dirty="0" smtClean="0"/>
-              <a:t>Overall Threat analysis</a:t>
-            </a:r>
-            <a:endParaRPr lang="en-US" dirty="0"/>
-          </a:p>
-        </p:txBody>
-      </p:sp>
-      <p:sp>
-        <p:nvSpPr>
-          <p:cNvPr id="3" name="Subtitle 2"/>
-          <p:cNvSpPr>
-            <a:spLocks noGrp="1"/>
-          </p:cNvSpPr>
-          <p:nvPr>
-            <p:ph type="subTitle" idx="1"/>
-          </p:nvPr>
-        </p:nvSpPr>
-        <p:spPr>
-          <a:xfrm>
-            <a:off x="378690" y="1570037"/>
-            <a:ext cx="11305309" cy="4913889"/>
-          </a:xfrm>
-        </p:spPr>
-        <p:txBody>
-          <a:bodyPr>
-            <a:normAutofit/>
-          </a:bodyPr>
-          <a:lstStyle/>
-          <a:p>
-            <a:pPr marL="342900" indent="-342900" algn="l">
-              <a:buFont typeface="Arial" panose="020B0604020202020204" pitchFamily="34" charset="0"/>
-              <a:buChar char="•"/>
-            </a:pPr>
-            <a:endParaRPr lang="en-US" dirty="0"/>
-          </a:p>
-          <a:p>
-            <a:pPr algn="l"/>
-            <a:endParaRPr lang="en-US" dirty="0" smtClean="0"/>
-          </a:p>
-          <a:p>
-            <a:pPr marL="342900" indent="-342900" algn="l">
-              <a:buFont typeface="Arial" panose="020B0604020202020204" pitchFamily="34" charset="0"/>
-              <a:buChar char="•"/>
-            </a:pPr>
-            <a:endParaRPr lang="en-US" dirty="0" smtClean="0"/>
-          </a:p>
-        </p:txBody>
-      </p:sp>
-      <p:pic>
-        <p:nvPicPr>
-          <p:cNvPr id="4" name="Picture 3"/>
-          <p:cNvPicPr>
-            <a:picLocks noChangeAspect="1"/>
-          </p:cNvPicPr>
-          <p:nvPr/>
-        </p:nvPicPr>
-        <p:blipFill>
-          <a:blip r:embed="rId2">
-            <a:extLst>
-              <a:ext uri="{28A0092B-C50C-407E-A947-70E740481C1C}">
-                <a14:useLocalDpi xmlns:a14="http://schemas.microsoft.com/office/drawing/2010/main" val="0"/>
-              </a:ext>
-            </a:extLst>
-          </a:blip>
-          <a:stretch>
-            <a:fillRect/>
-          </a:stretch>
-        </p:blipFill>
-        <p:spPr>
-          <a:xfrm>
-            <a:off x="378690" y="1494935"/>
-            <a:ext cx="11263851" cy="5110673"/>
+            <a:off x="680600" y="2743200"/>
+            <a:ext cx="10830800" cy="1038400"/>
           </a:xfrm>
           <a:prstGeom prst="rect">
             <a:avLst/>
           </a:prstGeom>
         </p:spPr>
-      </p:pic>
+        <p:txBody>
+          <a:bodyPr spcFirstLastPara="1" vert="horz" wrap="square" lIns="121900" tIns="121900" rIns="121900" bIns="121900" rtlCol="0" anchor="b" anchorCtr="0">
+            <a:noAutofit/>
+          </a:bodyPr>
+          <a:lstStyle/>
+          <a:p>
+            <a:r>
+              <a:rPr lang="en" dirty="0" smtClean="0"/>
+              <a:t>Exception Handling Keywords</a:t>
+            </a:r>
+            <a:endParaRPr dirty="0"/>
+          </a:p>
+        </p:txBody>
+      </p:sp>
     </p:spTree>
     <p:extLst>
       <p:ext uri="{BB962C8B-B14F-4D97-AF65-F5344CB8AC3E}">
-        <p14:creationId xmlns:p14="http://schemas.microsoft.com/office/powerpoint/2010/main" val="2113644329"/>
+        <p14:creationId xmlns:p14="http://schemas.microsoft.com/office/powerpoint/2010/main" val="482067100"/>
       </p:ext>
     </p:extLst>
   </p:cSld>
@@ -13035,1000 +10372,7 @@
 </p:sld>
 </file>
 
-<file path=ppt/slides/slide22.xml><?xml version="1.0" encoding="utf-8"?>
-<p:sld xmlns:a="http://schemas.openxmlformats.org/drawingml/2006/main" xmlns:r="http://schemas.openxmlformats.org/officeDocument/2006/relationships" xmlns:p="http://schemas.openxmlformats.org/presentationml/2006/main">
-  <p:cSld>
-    <p:spTree>
-      <p:nvGrpSpPr>
-        <p:cNvPr id="1" name=""/>
-        <p:cNvGrpSpPr/>
-        <p:nvPr/>
-      </p:nvGrpSpPr>
-      <p:grpSpPr>
-        <a:xfrm>
-          <a:off x="0" y="0"/>
-          <a:ext cx="0" cy="0"/>
-          <a:chOff x="0" y="0"/>
-          <a:chExt cx="0" cy="0"/>
-        </a:xfrm>
-      </p:grpSpPr>
-      <p:sp>
-        <p:nvSpPr>
-          <p:cNvPr id="2" name="Title 1"/>
-          <p:cNvSpPr>
-            <a:spLocks noGrp="1"/>
-          </p:cNvSpPr>
-          <p:nvPr>
-            <p:ph type="ctrTitle"/>
-          </p:nvPr>
-        </p:nvSpPr>
-        <p:spPr>
-          <a:xfrm>
-            <a:off x="378690" y="531236"/>
-            <a:ext cx="10483273" cy="706437"/>
-          </a:xfrm>
-        </p:spPr>
-        <p:txBody>
-          <a:bodyPr>
-            <a:normAutofit fontScale="90000"/>
-          </a:bodyPr>
-          <a:lstStyle/>
-          <a:p>
-            <a:r>
-              <a:rPr lang="en-US" dirty="0" smtClean="0"/>
-              <a:t>Graph showing the Events </a:t>
-            </a:r>
-            <a:endParaRPr lang="en-US" dirty="0"/>
-          </a:p>
-        </p:txBody>
-      </p:sp>
-      <p:sp>
-        <p:nvSpPr>
-          <p:cNvPr id="3" name="Subtitle 2"/>
-          <p:cNvSpPr>
-            <a:spLocks noGrp="1"/>
-          </p:cNvSpPr>
-          <p:nvPr>
-            <p:ph type="subTitle" idx="1"/>
-          </p:nvPr>
-        </p:nvSpPr>
-        <p:spPr>
-          <a:xfrm>
-            <a:off x="378690" y="1570037"/>
-            <a:ext cx="11305309" cy="4913889"/>
-          </a:xfrm>
-        </p:spPr>
-        <p:txBody>
-          <a:bodyPr>
-            <a:normAutofit/>
-          </a:bodyPr>
-          <a:lstStyle/>
-          <a:p>
-            <a:pPr marL="342900" indent="-342900" algn="l">
-              <a:buFont typeface="Arial" panose="020B0604020202020204" pitchFamily="34" charset="0"/>
-              <a:buChar char="•"/>
-            </a:pPr>
-            <a:endParaRPr lang="en-US" dirty="0"/>
-          </a:p>
-          <a:p>
-            <a:pPr algn="l"/>
-            <a:endParaRPr lang="en-US" dirty="0" smtClean="0"/>
-          </a:p>
-          <a:p>
-            <a:pPr marL="342900" indent="-342900" algn="l">
-              <a:buFont typeface="Arial" panose="020B0604020202020204" pitchFamily="34" charset="0"/>
-              <a:buChar char="•"/>
-            </a:pPr>
-            <a:endParaRPr lang="en-US" dirty="0" smtClean="0"/>
-          </a:p>
-        </p:txBody>
-      </p:sp>
-      <p:pic>
-        <p:nvPicPr>
-          <p:cNvPr id="5" name="Picture 4"/>
-          <p:cNvPicPr>
-            <a:picLocks noChangeAspect="1"/>
-          </p:cNvPicPr>
-          <p:nvPr/>
-        </p:nvPicPr>
-        <p:blipFill>
-          <a:blip r:embed="rId2">
-            <a:extLst>
-              <a:ext uri="{28A0092B-C50C-407E-A947-70E740481C1C}">
-                <a14:useLocalDpi xmlns:a14="http://schemas.microsoft.com/office/drawing/2010/main" val="0"/>
-              </a:ext>
-            </a:extLst>
-          </a:blip>
-          <a:stretch>
-            <a:fillRect/>
-          </a:stretch>
-        </p:blipFill>
-        <p:spPr>
-          <a:xfrm>
-            <a:off x="1126835" y="1857994"/>
-            <a:ext cx="9809018" cy="4625932"/>
-          </a:xfrm>
-          <a:prstGeom prst="rect">
-            <a:avLst/>
-          </a:prstGeom>
-        </p:spPr>
-      </p:pic>
-    </p:spTree>
-    <p:extLst>
-      <p:ext uri="{BB962C8B-B14F-4D97-AF65-F5344CB8AC3E}">
-        <p14:creationId xmlns:p14="http://schemas.microsoft.com/office/powerpoint/2010/main" val="2152205657"/>
-      </p:ext>
-    </p:extLst>
-  </p:cSld>
-  <p:clrMapOvr>
-    <a:masterClrMapping/>
-  </p:clrMapOvr>
-  <p:timing>
-    <p:tnLst>
-      <p:par>
-        <p:cTn id="1" dur="indefinite" restart="never" nodeType="tmRoot"/>
-      </p:par>
-    </p:tnLst>
-  </p:timing>
-</p:sld>
-</file>
-
-<file path=ppt/slides/slide23.xml><?xml version="1.0" encoding="utf-8"?>
-<p:sld xmlns:a="http://schemas.openxmlformats.org/drawingml/2006/main" xmlns:r="http://schemas.openxmlformats.org/officeDocument/2006/relationships" xmlns:p="http://schemas.openxmlformats.org/presentationml/2006/main">
-  <p:cSld>
-    <p:spTree>
-      <p:nvGrpSpPr>
-        <p:cNvPr id="1" name=""/>
-        <p:cNvGrpSpPr/>
-        <p:nvPr/>
-      </p:nvGrpSpPr>
-      <p:grpSpPr>
-        <a:xfrm>
-          <a:off x="0" y="0"/>
-          <a:ext cx="0" cy="0"/>
-          <a:chOff x="0" y="0"/>
-          <a:chExt cx="0" cy="0"/>
-        </a:xfrm>
-      </p:grpSpPr>
-      <p:sp>
-        <p:nvSpPr>
-          <p:cNvPr id="2" name="Title 1"/>
-          <p:cNvSpPr>
-            <a:spLocks noGrp="1"/>
-          </p:cNvSpPr>
-          <p:nvPr>
-            <p:ph type="ctrTitle"/>
-          </p:nvPr>
-        </p:nvSpPr>
-        <p:spPr>
-          <a:xfrm>
-            <a:off x="378690" y="531236"/>
-            <a:ext cx="10483273" cy="706437"/>
-          </a:xfrm>
-        </p:spPr>
-        <p:txBody>
-          <a:bodyPr>
-            <a:normAutofit fontScale="90000"/>
-          </a:bodyPr>
-          <a:lstStyle/>
-          <a:p>
-            <a:r>
-              <a:rPr lang="en-US" dirty="0" smtClean="0"/>
-              <a:t>Chart showing severity of traffic</a:t>
-            </a:r>
-            <a:endParaRPr lang="en-US" dirty="0"/>
-          </a:p>
-        </p:txBody>
-      </p:sp>
-      <p:sp>
-        <p:nvSpPr>
-          <p:cNvPr id="3" name="Subtitle 2"/>
-          <p:cNvSpPr>
-            <a:spLocks noGrp="1"/>
-          </p:cNvSpPr>
-          <p:nvPr>
-            <p:ph type="subTitle" idx="1"/>
-          </p:nvPr>
-        </p:nvSpPr>
-        <p:spPr>
-          <a:xfrm>
-            <a:off x="378690" y="1570037"/>
-            <a:ext cx="11305309" cy="4913889"/>
-          </a:xfrm>
-        </p:spPr>
-        <p:txBody>
-          <a:bodyPr>
-            <a:normAutofit/>
-          </a:bodyPr>
-          <a:lstStyle/>
-          <a:p>
-            <a:pPr marL="342900" indent="-342900" algn="l">
-              <a:buFont typeface="Arial" panose="020B0604020202020204" pitchFamily="34" charset="0"/>
-              <a:buChar char="•"/>
-            </a:pPr>
-            <a:endParaRPr lang="en-US" dirty="0"/>
-          </a:p>
-          <a:p>
-            <a:pPr algn="l"/>
-            <a:endParaRPr lang="en-US" dirty="0" smtClean="0"/>
-          </a:p>
-          <a:p>
-            <a:pPr marL="342900" indent="-342900" algn="l">
-              <a:buFont typeface="Arial" panose="020B0604020202020204" pitchFamily="34" charset="0"/>
-              <a:buChar char="•"/>
-            </a:pPr>
-            <a:endParaRPr lang="en-US" dirty="0" smtClean="0"/>
-          </a:p>
-        </p:txBody>
-      </p:sp>
-      <p:pic>
-        <p:nvPicPr>
-          <p:cNvPr id="4" name="Picture 3"/>
-          <p:cNvPicPr>
-            <a:picLocks noChangeAspect="1"/>
-          </p:cNvPicPr>
-          <p:nvPr/>
-        </p:nvPicPr>
-        <p:blipFill>
-          <a:blip r:embed="rId2">
-            <a:extLst>
-              <a:ext uri="{28A0092B-C50C-407E-A947-70E740481C1C}">
-                <a14:useLocalDpi xmlns:a14="http://schemas.microsoft.com/office/drawing/2010/main" val="0"/>
-              </a:ext>
-            </a:extLst>
-          </a:blip>
-          <a:stretch>
-            <a:fillRect/>
-          </a:stretch>
-        </p:blipFill>
-        <p:spPr>
-          <a:xfrm>
-            <a:off x="960581" y="1570037"/>
-            <a:ext cx="10363200" cy="4859946"/>
-          </a:xfrm>
-          <a:prstGeom prst="rect">
-            <a:avLst/>
-          </a:prstGeom>
-        </p:spPr>
-      </p:pic>
-    </p:spTree>
-    <p:extLst>
-      <p:ext uri="{BB962C8B-B14F-4D97-AF65-F5344CB8AC3E}">
-        <p14:creationId xmlns:p14="http://schemas.microsoft.com/office/powerpoint/2010/main" val="2000186011"/>
-      </p:ext>
-    </p:extLst>
-  </p:cSld>
-  <p:clrMapOvr>
-    <a:masterClrMapping/>
-  </p:clrMapOvr>
-  <p:timing>
-    <p:tnLst>
-      <p:par>
-        <p:cTn id="1" dur="indefinite" restart="never" nodeType="tmRoot"/>
-      </p:par>
-    </p:tnLst>
-  </p:timing>
-</p:sld>
-</file>
-
-<file path=ppt/slides/slide24.xml><?xml version="1.0" encoding="utf-8"?>
-<p:sld xmlns:a="http://schemas.openxmlformats.org/drawingml/2006/main" xmlns:r="http://schemas.openxmlformats.org/officeDocument/2006/relationships" xmlns:p="http://schemas.openxmlformats.org/presentationml/2006/main">
-  <p:cSld>
-    <p:spTree>
-      <p:nvGrpSpPr>
-        <p:cNvPr id="1" name=""/>
-        <p:cNvGrpSpPr/>
-        <p:nvPr/>
-      </p:nvGrpSpPr>
-      <p:grpSpPr>
-        <a:xfrm>
-          <a:off x="0" y="0"/>
-          <a:ext cx="0" cy="0"/>
-          <a:chOff x="0" y="0"/>
-          <a:chExt cx="0" cy="0"/>
-        </a:xfrm>
-      </p:grpSpPr>
-      <p:sp>
-        <p:nvSpPr>
-          <p:cNvPr id="2" name="Title 1"/>
-          <p:cNvSpPr>
-            <a:spLocks noGrp="1"/>
-          </p:cNvSpPr>
-          <p:nvPr>
-            <p:ph type="ctrTitle"/>
-          </p:nvPr>
-        </p:nvSpPr>
-        <p:spPr>
-          <a:xfrm>
-            <a:off x="378690" y="531236"/>
-            <a:ext cx="10483273" cy="706437"/>
-          </a:xfrm>
-        </p:spPr>
-        <p:txBody>
-          <a:bodyPr>
-            <a:normAutofit fontScale="90000"/>
-          </a:bodyPr>
-          <a:lstStyle/>
-          <a:p>
-            <a:r>
-              <a:rPr lang="en-US" dirty="0" smtClean="0"/>
-              <a:t>Chart showing Trails of traffic</a:t>
-            </a:r>
-            <a:endParaRPr lang="en-US" dirty="0"/>
-          </a:p>
-        </p:txBody>
-      </p:sp>
-      <p:sp>
-        <p:nvSpPr>
-          <p:cNvPr id="3" name="Subtitle 2"/>
-          <p:cNvSpPr>
-            <a:spLocks noGrp="1"/>
-          </p:cNvSpPr>
-          <p:nvPr>
-            <p:ph type="subTitle" idx="1"/>
-          </p:nvPr>
-        </p:nvSpPr>
-        <p:spPr>
-          <a:xfrm>
-            <a:off x="378690" y="1570037"/>
-            <a:ext cx="11305309" cy="4913889"/>
-          </a:xfrm>
-        </p:spPr>
-        <p:txBody>
-          <a:bodyPr>
-            <a:normAutofit/>
-          </a:bodyPr>
-          <a:lstStyle/>
-          <a:p>
-            <a:pPr marL="342900" indent="-342900" algn="l">
-              <a:buFont typeface="Arial" panose="020B0604020202020204" pitchFamily="34" charset="0"/>
-              <a:buChar char="•"/>
-            </a:pPr>
-            <a:endParaRPr lang="en-US" dirty="0"/>
-          </a:p>
-          <a:p>
-            <a:pPr algn="l"/>
-            <a:endParaRPr lang="en-US" dirty="0" smtClean="0"/>
-          </a:p>
-          <a:p>
-            <a:pPr marL="342900" indent="-342900" algn="l">
-              <a:buFont typeface="Arial" panose="020B0604020202020204" pitchFamily="34" charset="0"/>
-              <a:buChar char="•"/>
-            </a:pPr>
-            <a:endParaRPr lang="en-US" dirty="0" smtClean="0"/>
-          </a:p>
-        </p:txBody>
-      </p:sp>
-      <p:pic>
-        <p:nvPicPr>
-          <p:cNvPr id="5" name="Picture 4"/>
-          <p:cNvPicPr>
-            <a:picLocks noChangeAspect="1"/>
-          </p:cNvPicPr>
-          <p:nvPr/>
-        </p:nvPicPr>
-        <p:blipFill>
-          <a:blip r:embed="rId2">
-            <a:extLst>
-              <a:ext uri="{28A0092B-C50C-407E-A947-70E740481C1C}">
-                <a14:useLocalDpi xmlns:a14="http://schemas.microsoft.com/office/drawing/2010/main" val="0"/>
-              </a:ext>
-            </a:extLst>
-          </a:blip>
-          <a:stretch>
-            <a:fillRect/>
-          </a:stretch>
-        </p:blipFill>
-        <p:spPr>
-          <a:xfrm>
-            <a:off x="1089890" y="1570037"/>
-            <a:ext cx="10344727" cy="4883962"/>
-          </a:xfrm>
-          <a:prstGeom prst="rect">
-            <a:avLst/>
-          </a:prstGeom>
-        </p:spPr>
-      </p:pic>
-    </p:spTree>
-    <p:extLst>
-      <p:ext uri="{BB962C8B-B14F-4D97-AF65-F5344CB8AC3E}">
-        <p14:creationId xmlns:p14="http://schemas.microsoft.com/office/powerpoint/2010/main" val="1208864686"/>
-      </p:ext>
-    </p:extLst>
-  </p:cSld>
-  <p:clrMapOvr>
-    <a:masterClrMapping/>
-  </p:clrMapOvr>
-  <p:timing>
-    <p:tnLst>
-      <p:par>
-        <p:cTn id="1" dur="indefinite" restart="never" nodeType="tmRoot"/>
-      </p:par>
-    </p:tnLst>
-  </p:timing>
-</p:sld>
-</file>
-
-<file path=ppt/slides/slide25.xml><?xml version="1.0" encoding="utf-8"?>
-<p:sld xmlns:a="http://schemas.openxmlformats.org/drawingml/2006/main" xmlns:r="http://schemas.openxmlformats.org/officeDocument/2006/relationships" xmlns:p="http://schemas.openxmlformats.org/presentationml/2006/main">
-  <p:cSld>
-    <p:spTree>
-      <p:nvGrpSpPr>
-        <p:cNvPr id="1" name="Shape 90"/>
-        <p:cNvGrpSpPr/>
-        <p:nvPr/>
-      </p:nvGrpSpPr>
-      <p:grpSpPr>
-        <a:xfrm>
-          <a:off x="0" y="0"/>
-          <a:ext cx="0" cy="0"/>
-          <a:chOff x="0" y="0"/>
-          <a:chExt cx="0" cy="0"/>
-        </a:xfrm>
-      </p:grpSpPr>
-      <p:sp>
-        <p:nvSpPr>
-          <p:cNvPr id="91" name="Google Shape;91;p18"/>
-          <p:cNvSpPr txBox="1">
-            <a:spLocks noGrp="1"/>
-          </p:cNvSpPr>
-          <p:nvPr>
-            <p:ph type="title"/>
-          </p:nvPr>
-        </p:nvSpPr>
-        <p:spPr>
-          <a:xfrm>
-            <a:off x="680600" y="2743200"/>
-            <a:ext cx="10830800" cy="1038400"/>
-          </a:xfrm>
-          <a:prstGeom prst="rect">
-            <a:avLst/>
-          </a:prstGeom>
-        </p:spPr>
-        <p:txBody>
-          <a:bodyPr spcFirstLastPara="1" vert="horz" wrap="square" lIns="121900" tIns="121900" rIns="121900" bIns="121900" rtlCol="0" anchor="b" anchorCtr="0">
-            <a:noAutofit/>
-          </a:bodyPr>
-          <a:lstStyle/>
-          <a:p>
-            <a:r>
-              <a:rPr lang="en" dirty="0" smtClean="0"/>
-              <a:t>Demo</a:t>
-            </a:r>
-            <a:endParaRPr dirty="0"/>
-          </a:p>
-        </p:txBody>
-      </p:sp>
-    </p:spTree>
-    <p:extLst>
-      <p:ext uri="{BB962C8B-B14F-4D97-AF65-F5344CB8AC3E}">
-        <p14:creationId xmlns:p14="http://schemas.microsoft.com/office/powerpoint/2010/main" val="2008867348"/>
-      </p:ext>
-    </p:extLst>
-  </p:cSld>
-  <p:clrMapOvr>
-    <a:masterClrMapping/>
-  </p:clrMapOvr>
-  <p:timing>
-    <p:tnLst>
-      <p:par>
-        <p:cTn id="1" dur="indefinite" restart="never" nodeType="tmRoot"/>
-      </p:par>
-    </p:tnLst>
-  </p:timing>
-</p:sld>
-</file>
-
-<file path=ppt/slides/slide26.xml><?xml version="1.0" encoding="utf-8"?>
-<p:sld xmlns:a="http://schemas.openxmlformats.org/drawingml/2006/main" xmlns:r="http://schemas.openxmlformats.org/officeDocument/2006/relationships" xmlns:p="http://schemas.openxmlformats.org/presentationml/2006/main">
-  <p:cSld>
-    <p:spTree>
-      <p:nvGrpSpPr>
-        <p:cNvPr id="1" name=""/>
-        <p:cNvGrpSpPr/>
-        <p:nvPr/>
-      </p:nvGrpSpPr>
-      <p:grpSpPr>
-        <a:xfrm>
-          <a:off x="0" y="0"/>
-          <a:ext cx="0" cy="0"/>
-          <a:chOff x="0" y="0"/>
-          <a:chExt cx="0" cy="0"/>
-        </a:xfrm>
-      </p:grpSpPr>
-      <p:sp>
-        <p:nvSpPr>
-          <p:cNvPr id="2" name="Title 1"/>
-          <p:cNvSpPr>
-            <a:spLocks noGrp="1"/>
-          </p:cNvSpPr>
-          <p:nvPr>
-            <p:ph type="ctrTitle"/>
-          </p:nvPr>
-        </p:nvSpPr>
-        <p:spPr>
-          <a:xfrm>
-            <a:off x="789707" y="3481965"/>
-            <a:ext cx="10483273" cy="706437"/>
-          </a:xfrm>
-        </p:spPr>
-        <p:txBody>
-          <a:bodyPr>
-            <a:noAutofit/>
-          </a:bodyPr>
-          <a:lstStyle/>
-          <a:p>
-            <a:r>
-              <a:rPr lang="en-US" b="1" dirty="0" smtClean="0"/>
-              <a:t>Server updating it’s </a:t>
-            </a:r>
-            <a:br>
-              <a:rPr lang="en-US" b="1" dirty="0" smtClean="0"/>
-            </a:br>
-            <a:r>
-              <a:rPr lang="en-US" b="1" dirty="0" smtClean="0"/>
-              <a:t>definitions</a:t>
-            </a:r>
-            <a:endParaRPr lang="en-US" b="1" dirty="0"/>
-          </a:p>
-        </p:txBody>
-      </p:sp>
-      <p:sp>
-        <p:nvSpPr>
-          <p:cNvPr id="3" name="Subtitle 2"/>
-          <p:cNvSpPr>
-            <a:spLocks noGrp="1"/>
-          </p:cNvSpPr>
-          <p:nvPr>
-            <p:ph type="subTitle" idx="1"/>
-          </p:nvPr>
-        </p:nvSpPr>
-        <p:spPr>
-          <a:xfrm>
-            <a:off x="378690" y="1570037"/>
-            <a:ext cx="11305309" cy="4913889"/>
-          </a:xfrm>
-        </p:spPr>
-        <p:txBody>
-          <a:bodyPr>
-            <a:normAutofit/>
-          </a:bodyPr>
-          <a:lstStyle/>
-          <a:p>
-            <a:pPr marL="342900" indent="-342900" algn="l">
-              <a:buFont typeface="Arial" panose="020B0604020202020204" pitchFamily="34" charset="0"/>
-              <a:buChar char="•"/>
-            </a:pPr>
-            <a:endParaRPr lang="en-US" dirty="0"/>
-          </a:p>
-          <a:p>
-            <a:pPr algn="l"/>
-            <a:endParaRPr lang="en-US" dirty="0" smtClean="0"/>
-          </a:p>
-          <a:p>
-            <a:pPr marL="342900" indent="-342900" algn="l">
-              <a:buFont typeface="Arial" panose="020B0604020202020204" pitchFamily="34" charset="0"/>
-              <a:buChar char="•"/>
-            </a:pPr>
-            <a:endParaRPr lang="en-US" dirty="0" smtClean="0"/>
-          </a:p>
-        </p:txBody>
-      </p:sp>
-    </p:spTree>
-    <p:extLst>
-      <p:ext uri="{BB962C8B-B14F-4D97-AF65-F5344CB8AC3E}">
-        <p14:creationId xmlns:p14="http://schemas.microsoft.com/office/powerpoint/2010/main" val="2308088909"/>
-      </p:ext>
-    </p:extLst>
-  </p:cSld>
-  <p:clrMapOvr>
-    <a:masterClrMapping/>
-  </p:clrMapOvr>
-  <p:timing>
-    <p:tnLst>
-      <p:par>
-        <p:cTn id="1" dur="indefinite" restart="never" nodeType="tmRoot"/>
-      </p:par>
-    </p:tnLst>
-  </p:timing>
-</p:sld>
-</file>
-
-<file path=ppt/slides/slide27.xml><?xml version="1.0" encoding="utf-8"?>
-<p:sld xmlns:a="http://schemas.openxmlformats.org/drawingml/2006/main" xmlns:r="http://schemas.openxmlformats.org/officeDocument/2006/relationships" xmlns:p="http://schemas.openxmlformats.org/presentationml/2006/main">
-  <p:cSld>
-    <p:spTree>
-      <p:nvGrpSpPr>
-        <p:cNvPr id="1" name=""/>
-        <p:cNvGrpSpPr/>
-        <p:nvPr/>
-      </p:nvGrpSpPr>
-      <p:grpSpPr>
-        <a:xfrm>
-          <a:off x="0" y="0"/>
-          <a:ext cx="0" cy="0"/>
-          <a:chOff x="0" y="0"/>
-          <a:chExt cx="0" cy="0"/>
-        </a:xfrm>
-      </p:grpSpPr>
-      <p:pic>
-        <p:nvPicPr>
-          <p:cNvPr id="7" name="updating definitions">
-            <a:hlinkClick r:id="" action="ppaction://media"/>
-          </p:cNvPr>
-          <p:cNvPicPr>
-            <a:picLocks noChangeAspect="1"/>
-          </p:cNvPicPr>
-          <p:nvPr>
-            <a:videoFile r:link="rId2"/>
-            <p:extLst>
-              <p:ext uri="{DAA4B4D4-6D71-4841-9C94-3DE7FCFB9230}">
-                <p14:media xmlns:p14="http://schemas.microsoft.com/office/powerpoint/2010/main" r:embed="rId1"/>
-              </p:ext>
-            </p:extLst>
-          </p:nvPr>
-        </p:nvPicPr>
-        <p:blipFill>
-          <a:blip r:embed="rId4"/>
-          <a:stretch>
-            <a:fillRect/>
-          </a:stretch>
-        </p:blipFill>
-        <p:spPr>
-          <a:xfrm>
-            <a:off x="184726" y="197944"/>
-            <a:ext cx="11850256" cy="6435786"/>
-          </a:xfrm>
-          <a:prstGeom prst="rect">
-            <a:avLst/>
-          </a:prstGeom>
-        </p:spPr>
-      </p:pic>
-    </p:spTree>
-    <p:extLst>
-      <p:ext uri="{BB962C8B-B14F-4D97-AF65-F5344CB8AC3E}">
-        <p14:creationId xmlns:p14="http://schemas.microsoft.com/office/powerpoint/2010/main" val="3126304870"/>
-      </p:ext>
-    </p:extLst>
-  </p:cSld>
-  <p:clrMapOvr>
-    <a:masterClrMapping/>
-  </p:clrMapOvr>
-  <p:timing>
-    <p:tnLst>
-      <p:par>
-        <p:cTn id="1" dur="indefinite" restart="never" nodeType="tmRoot">
-          <p:childTnLst>
-            <p:seq concurrent="1" nextAc="seek">
-              <p:cTn id="2" restart="whenNotActive" fill="hold" evtFilter="cancelBubble" nodeType="interactiveSeq">
-                <p:stCondLst>
-                  <p:cond evt="onClick" delay="0">
-                    <p:tgtEl>
-                      <p:spTgt spid="7"/>
-                    </p:tgtEl>
-                  </p:cond>
-                </p:stCondLst>
-                <p:endSync evt="end" delay="0">
-                  <p:rtn val="all"/>
-                </p:endSync>
-                <p:childTnLst>
-                  <p:par>
-                    <p:cTn id="3" fill="hold">
-                      <p:stCondLst>
-                        <p:cond delay="0"/>
-                      </p:stCondLst>
-                      <p:childTnLst>
-                        <p:par>
-                          <p:cTn id="4" fill="hold">
-                            <p:stCondLst>
-                              <p:cond delay="0"/>
-                            </p:stCondLst>
-                            <p:childTnLst>
-                              <p:par>
-                                <p:cTn id="5" presetID="2" presetClass="mediacall" presetSubtype="0" fill="hold" nodeType="clickEffect">
-                                  <p:stCondLst>
-                                    <p:cond delay="0"/>
-                                  </p:stCondLst>
-                                  <p:childTnLst>
-                                    <p:cmd type="call" cmd="togglePause">
-                                      <p:cBhvr>
-                                        <p:cTn id="6" dur="1" fill="hold"/>
-                                        <p:tgtEl>
-                                          <p:spTgt spid="7"/>
-                                        </p:tgtEl>
-                                      </p:cBhvr>
-                                    </p:cmd>
-                                  </p:childTnLst>
-                                </p:cTn>
-                              </p:par>
-                            </p:childTnLst>
-                          </p:cTn>
-                        </p:par>
-                      </p:childTnLst>
-                    </p:cTn>
-                  </p:par>
-                </p:childTnLst>
-              </p:cTn>
-              <p:nextCondLst>
-                <p:cond evt="onClick" delay="0">
-                  <p:tgtEl>
-                    <p:spTgt spid="7"/>
-                  </p:tgtEl>
-                </p:cond>
-              </p:nextCondLst>
-            </p:seq>
-            <p:video>
-              <p:cMediaNode vol="80000">
-                <p:cTn id="7" fill="hold" display="0">
-                  <p:stCondLst>
-                    <p:cond delay="indefinite"/>
-                  </p:stCondLst>
-                </p:cTn>
-                <p:tgtEl>
-                  <p:spTgt spid="7"/>
-                </p:tgtEl>
-              </p:cMediaNode>
-            </p:video>
-          </p:childTnLst>
-        </p:cTn>
-      </p:par>
-    </p:tnLst>
-  </p:timing>
-</p:sld>
-</file>
-
-<file path=ppt/slides/slide28.xml><?xml version="1.0" encoding="utf-8"?>
-<p:sld xmlns:a="http://schemas.openxmlformats.org/drawingml/2006/main" xmlns:r="http://schemas.openxmlformats.org/officeDocument/2006/relationships" xmlns:p="http://schemas.openxmlformats.org/presentationml/2006/main">
-  <p:cSld>
-    <p:spTree>
-      <p:nvGrpSpPr>
-        <p:cNvPr id="1" name=""/>
-        <p:cNvGrpSpPr/>
-        <p:nvPr/>
-      </p:nvGrpSpPr>
-      <p:grpSpPr>
-        <a:xfrm>
-          <a:off x="0" y="0"/>
-          <a:ext cx="0" cy="0"/>
-          <a:chOff x="0" y="0"/>
-          <a:chExt cx="0" cy="0"/>
-        </a:xfrm>
-      </p:grpSpPr>
-      <p:sp>
-        <p:nvSpPr>
-          <p:cNvPr id="2" name="Title 1"/>
-          <p:cNvSpPr>
-            <a:spLocks noGrp="1"/>
-          </p:cNvSpPr>
-          <p:nvPr>
-            <p:ph type="ctrTitle"/>
-          </p:nvPr>
-        </p:nvSpPr>
-        <p:spPr>
-          <a:xfrm>
-            <a:off x="872834" y="2844656"/>
-            <a:ext cx="10483273" cy="706437"/>
-          </a:xfrm>
-        </p:spPr>
-        <p:txBody>
-          <a:bodyPr>
-            <a:noAutofit/>
-          </a:bodyPr>
-          <a:lstStyle/>
-          <a:p>
-            <a:r>
-              <a:rPr lang="en-US" b="1" dirty="0" smtClean="0"/>
-              <a:t>Server and sensor running</a:t>
-            </a:r>
-            <a:endParaRPr lang="en-US" b="1" dirty="0"/>
-          </a:p>
-        </p:txBody>
-      </p:sp>
-      <p:sp>
-        <p:nvSpPr>
-          <p:cNvPr id="3" name="Subtitle 2"/>
-          <p:cNvSpPr>
-            <a:spLocks noGrp="1"/>
-          </p:cNvSpPr>
-          <p:nvPr>
-            <p:ph type="subTitle" idx="1"/>
-          </p:nvPr>
-        </p:nvSpPr>
-        <p:spPr>
-          <a:xfrm>
-            <a:off x="378690" y="1570037"/>
-            <a:ext cx="11305309" cy="4913889"/>
-          </a:xfrm>
-        </p:spPr>
-        <p:txBody>
-          <a:bodyPr>
-            <a:normAutofit/>
-          </a:bodyPr>
-          <a:lstStyle/>
-          <a:p>
-            <a:pPr marL="342900" indent="-342900" algn="l">
-              <a:buFont typeface="Arial" panose="020B0604020202020204" pitchFamily="34" charset="0"/>
-              <a:buChar char="•"/>
-            </a:pPr>
-            <a:endParaRPr lang="en-US" dirty="0"/>
-          </a:p>
-          <a:p>
-            <a:pPr algn="l"/>
-            <a:endParaRPr lang="en-US" dirty="0" smtClean="0"/>
-          </a:p>
-          <a:p>
-            <a:pPr marL="342900" indent="-342900" algn="l">
-              <a:buFont typeface="Arial" panose="020B0604020202020204" pitchFamily="34" charset="0"/>
-              <a:buChar char="•"/>
-            </a:pPr>
-            <a:endParaRPr lang="en-US" dirty="0" smtClean="0"/>
-          </a:p>
-        </p:txBody>
-      </p:sp>
-    </p:spTree>
-    <p:extLst>
-      <p:ext uri="{BB962C8B-B14F-4D97-AF65-F5344CB8AC3E}">
-        <p14:creationId xmlns:p14="http://schemas.microsoft.com/office/powerpoint/2010/main" val="472574885"/>
-      </p:ext>
-    </p:extLst>
-  </p:cSld>
-  <p:clrMapOvr>
-    <a:masterClrMapping/>
-  </p:clrMapOvr>
-  <p:timing>
-    <p:tnLst>
-      <p:par>
-        <p:cTn id="1" dur="indefinite" restart="never" nodeType="tmRoot"/>
-      </p:par>
-    </p:tnLst>
-  </p:timing>
-</p:sld>
-</file>
-
-<file path=ppt/slides/slide29.xml><?xml version="1.0" encoding="utf-8"?>
-<p:sld xmlns:a="http://schemas.openxmlformats.org/drawingml/2006/main" xmlns:r="http://schemas.openxmlformats.org/officeDocument/2006/relationships" xmlns:p="http://schemas.openxmlformats.org/presentationml/2006/main">
-  <p:cSld>
-    <p:spTree>
-      <p:nvGrpSpPr>
-        <p:cNvPr id="1" name=""/>
-        <p:cNvGrpSpPr/>
-        <p:nvPr/>
-      </p:nvGrpSpPr>
-      <p:grpSpPr>
-        <a:xfrm>
-          <a:off x="0" y="0"/>
-          <a:ext cx="0" cy="0"/>
-          <a:chOff x="0" y="0"/>
-          <a:chExt cx="0" cy="0"/>
-        </a:xfrm>
-      </p:grpSpPr>
-      <p:pic>
-        <p:nvPicPr>
-          <p:cNvPr id="2" name="server and sensor running">
-            <a:hlinkClick r:id="" action="ppaction://media"/>
-          </p:cNvPr>
-          <p:cNvPicPr>
-            <a:picLocks noChangeAspect="1"/>
-          </p:cNvPicPr>
-          <p:nvPr>
-            <a:videoFile r:link="rId2"/>
-            <p:extLst>
-              <p:ext uri="{DAA4B4D4-6D71-4841-9C94-3DE7FCFB9230}">
-                <p14:media xmlns:p14="http://schemas.microsoft.com/office/powerpoint/2010/main" r:embed="rId1"/>
-              </p:ext>
-            </p:extLst>
-          </p:nvPr>
-        </p:nvPicPr>
-        <p:blipFill>
-          <a:blip r:embed="rId4"/>
-          <a:stretch>
-            <a:fillRect/>
-          </a:stretch>
-        </p:blipFill>
-        <p:spPr>
-          <a:xfrm>
-            <a:off x="98425" y="98425"/>
-            <a:ext cx="12192000" cy="6686550"/>
-          </a:xfrm>
-          <a:prstGeom prst="rect">
-            <a:avLst/>
-          </a:prstGeom>
-        </p:spPr>
-      </p:pic>
-    </p:spTree>
-    <p:extLst>
-      <p:ext uri="{BB962C8B-B14F-4D97-AF65-F5344CB8AC3E}">
-        <p14:creationId xmlns:p14="http://schemas.microsoft.com/office/powerpoint/2010/main" val="3939823980"/>
-      </p:ext>
-    </p:extLst>
-  </p:cSld>
-  <p:clrMapOvr>
-    <a:masterClrMapping/>
-  </p:clrMapOvr>
-  <p:timing>
-    <p:tnLst>
-      <p:par>
-        <p:cTn id="1" dur="indefinite" restart="never" nodeType="tmRoot">
-          <p:childTnLst>
-            <p:seq concurrent="1" nextAc="seek">
-              <p:cTn id="2" restart="whenNotActive" fill="hold" evtFilter="cancelBubble" nodeType="interactiveSeq">
-                <p:stCondLst>
-                  <p:cond evt="onClick" delay="0">
-                    <p:tgtEl>
-                      <p:spTgt spid="2"/>
-                    </p:tgtEl>
-                  </p:cond>
-                </p:stCondLst>
-                <p:endSync evt="end" delay="0">
-                  <p:rtn val="all"/>
-                </p:endSync>
-                <p:childTnLst>
-                  <p:par>
-                    <p:cTn id="3" fill="hold">
-                      <p:stCondLst>
-                        <p:cond delay="0"/>
-                      </p:stCondLst>
-                      <p:childTnLst>
-                        <p:par>
-                          <p:cTn id="4" fill="hold">
-                            <p:stCondLst>
-                              <p:cond delay="0"/>
-                            </p:stCondLst>
-                            <p:childTnLst>
-                              <p:par>
-                                <p:cTn id="5" presetID="2" presetClass="mediacall" presetSubtype="0" fill="hold" nodeType="clickEffect">
-                                  <p:stCondLst>
-                                    <p:cond delay="0"/>
-                                  </p:stCondLst>
-                                  <p:childTnLst>
-                                    <p:cmd type="call" cmd="togglePause">
-                                      <p:cBhvr>
-                                        <p:cTn id="6" dur="1" fill="hold"/>
-                                        <p:tgtEl>
-                                          <p:spTgt spid="2"/>
-                                        </p:tgtEl>
-                                      </p:cBhvr>
-                                    </p:cmd>
-                                  </p:childTnLst>
-                                </p:cTn>
-                              </p:par>
-                            </p:childTnLst>
-                          </p:cTn>
-                        </p:par>
-                      </p:childTnLst>
-                    </p:cTn>
-                  </p:par>
-                </p:childTnLst>
-              </p:cTn>
-              <p:nextCondLst>
-                <p:cond evt="onClick" delay="0">
-                  <p:tgtEl>
-                    <p:spTgt spid="2"/>
-                  </p:tgtEl>
-                </p:cond>
-              </p:nextCondLst>
-            </p:seq>
-            <p:video>
-              <p:cMediaNode vol="80000">
-                <p:cTn id="7" fill="hold" display="0">
-                  <p:stCondLst>
-                    <p:cond delay="indefinite"/>
-                  </p:stCondLst>
-                </p:cTn>
-                <p:tgtEl>
-                  <p:spTgt spid="2"/>
-                </p:tgtEl>
-              </p:cMediaNode>
-            </p:video>
-          </p:childTnLst>
-        </p:cTn>
-      </p:par>
-    </p:tnLst>
-  </p:timing>
-</p:sld>
-</file>
-
-<file path=ppt/slides/slide3.xml><?xml version="1.0" encoding="utf-8"?>
+<file path=ppt/slides/slide5.xml><?xml version="1.0" encoding="utf-8"?>
 <p:sld xmlns:a="http://schemas.openxmlformats.org/drawingml/2006/main" xmlns:r="http://schemas.openxmlformats.org/officeDocument/2006/relationships" xmlns:p="http://schemas.openxmlformats.org/presentationml/2006/main">
   <p:cSld>
     <p:spTree>
@@ -14128,14 +10472,14 @@
               <a:buNone/>
             </a:pPr>
             <a:r>
-              <a:rPr lang="en" sz="2133" dirty="0">
+              <a:rPr lang="en-US" sz="2800" b="1" dirty="0" smtClean="0">
                 <a:solidFill>
                   <a:schemeClr val="lt1"/>
                 </a:solidFill>
               </a:rPr>
-              <a:t>Network traffic</a:t>
+              <a:t>Try</a:t>
             </a:r>
-            <a:endParaRPr sz="2133" dirty="0">
+            <a:endParaRPr sz="2800" b="1" dirty="0">
               <a:solidFill>
                 <a:schemeClr val="lt1"/>
               </a:solidFill>
@@ -14252,15 +10596,15 @@
           </a:bodyPr>
           <a:lstStyle/>
           <a:p>
-            <a:pPr marL="0" indent="0">
+            <a:pPr marL="0" indent="0" algn="ctr">
               <a:spcAft>
                 <a:spcPts val="2133"/>
               </a:spcAft>
               <a:buNone/>
             </a:pPr>
             <a:r>
-              <a:rPr lang="en-US" sz="2133" dirty="0"/>
-              <a:t>The traffic between the computers in a network and the internet </a:t>
+              <a:rPr lang="en-US" sz="2133" dirty="0" smtClean="0"/>
+              <a:t>We can write the code that might throw an exception.</a:t>
             </a:r>
             <a:endParaRPr sz="2133" dirty="0"/>
           </a:p>
@@ -14349,13 +10693,18 @@
               <a:buNone/>
             </a:pPr>
             <a:r>
-              <a:rPr lang="en-US" sz="2133" dirty="0">
+              <a:rPr lang="en-US" sz="2800" b="1" dirty="0" smtClean="0">
                 <a:solidFill>
                   <a:schemeClr val="lt1"/>
                 </a:solidFill>
               </a:rPr>
-              <a:t>Capturing packets</a:t>
+              <a:t>Catch</a:t>
             </a:r>
+            <a:endParaRPr lang="en-US" sz="2800" b="1" dirty="0">
+              <a:solidFill>
+                <a:schemeClr val="lt1"/>
+              </a:solidFill>
+            </a:endParaRPr>
           </a:p>
         </p:txBody>
       </p:sp>
@@ -14468,15 +10817,15 @@
           </a:bodyPr>
           <a:lstStyle/>
           <a:p>
-            <a:pPr marL="0" indent="0">
+            <a:pPr marL="0" indent="0" algn="ctr">
               <a:spcAft>
                 <a:spcPts val="2133"/>
               </a:spcAft>
               <a:buNone/>
             </a:pPr>
             <a:r>
-              <a:rPr lang="en-US" sz="2133" dirty="0"/>
-              <a:t>Capturing the packets using PCAP from the network</a:t>
+              <a:rPr lang="en-US" sz="2133" dirty="0" smtClean="0"/>
+              <a:t>To handle the exception that may occur in our program.</a:t>
             </a:r>
             <a:endParaRPr sz="2133" dirty="0"/>
           </a:p>
@@ -14565,13 +10914,18 @@
               <a:buNone/>
             </a:pPr>
             <a:r>
-              <a:rPr lang="en-US" sz="2133" dirty="0">
+              <a:rPr lang="en-US" sz="2800" b="1" dirty="0" smtClean="0">
                 <a:solidFill>
                   <a:schemeClr val="lt1"/>
                 </a:solidFill>
               </a:rPr>
-              <a:t>Static trails /API’s</a:t>
+              <a:t>Throw</a:t>
             </a:r>
+            <a:endParaRPr lang="en-US" sz="2800" b="1" dirty="0">
+              <a:solidFill>
+                <a:schemeClr val="lt1"/>
+              </a:solidFill>
+            </a:endParaRPr>
           </a:p>
         </p:txBody>
       </p:sp>
@@ -14684,19 +11038,15 @@
           </a:bodyPr>
           <a:lstStyle/>
           <a:p>
-            <a:pPr marL="0" indent="0">
+            <a:pPr marL="0" indent="0" algn="ctr">
               <a:spcAft>
                 <a:spcPts val="2133"/>
               </a:spcAft>
               <a:buNone/>
             </a:pPr>
             <a:r>
-              <a:rPr lang="en-US" sz="2133" dirty="0"/>
-              <a:t>A</a:t>
-            </a:r>
-            <a:r>
-              <a:rPr lang="en" sz="2133" dirty="0"/>
-              <a:t>nalysing with VirusTotal, Shodan API’s and WHOIS </a:t>
+              <a:rPr lang="en-US" sz="2133" dirty="0" smtClean="0"/>
+              <a:t>For throwing an exception.</a:t>
             </a:r>
             <a:endParaRPr sz="2133" dirty="0"/>
           </a:p>
@@ -14785,14 +11135,14 @@
               <a:buNone/>
             </a:pPr>
             <a:r>
-              <a:rPr lang="en" sz="2133" dirty="0">
+              <a:rPr lang="en-US" sz="2800" b="1" dirty="0" smtClean="0">
                 <a:solidFill>
                   <a:schemeClr val="lt1"/>
                 </a:solidFill>
               </a:rPr>
-              <a:t>Filtering and Blocking</a:t>
+              <a:t>Throws</a:t>
             </a:r>
-            <a:endParaRPr sz="2133" dirty="0">
+            <a:endParaRPr lang="en-US" sz="2800" b="1" dirty="0">
               <a:solidFill>
                 <a:schemeClr val="lt1"/>
               </a:solidFill>
@@ -14909,19 +11259,15 @@
           </a:bodyPr>
           <a:lstStyle/>
           <a:p>
-            <a:pPr marL="0" indent="0">
+            <a:pPr marL="0" indent="0" algn="ctr">
               <a:spcAft>
                 <a:spcPts val="2133"/>
               </a:spcAft>
               <a:buNone/>
             </a:pPr>
             <a:r>
-              <a:rPr lang="en-US" sz="2133" dirty="0"/>
-              <a:t>F</a:t>
-            </a:r>
-            <a:r>
-              <a:rPr lang="en" sz="2133" dirty="0"/>
-              <a:t>iltering based on the results from API’s </a:t>
+              <a:rPr lang="en-US" sz="2133" dirty="0" smtClean="0"/>
+              <a:t>Declaring an Exception. Declares only Checked Exception</a:t>
             </a:r>
             <a:endParaRPr sz="2133" dirty="0"/>
           </a:p>
@@ -15010,14 +11356,14 @@
               <a:buNone/>
             </a:pPr>
             <a:r>
-              <a:rPr lang="en" sz="2133" dirty="0">
+              <a:rPr lang="en-US" sz="2800" b="1" dirty="0" smtClean="0">
                 <a:solidFill>
                   <a:schemeClr val="lt1"/>
                 </a:solidFill>
               </a:rPr>
-              <a:t>Log report to server</a:t>
+              <a:t>Finally</a:t>
             </a:r>
-            <a:endParaRPr sz="2133" dirty="0">
+            <a:endParaRPr sz="2800" b="1" dirty="0">
               <a:solidFill>
                 <a:schemeClr val="lt1"/>
               </a:solidFill>
@@ -15134,15 +11480,15 @@
           </a:bodyPr>
           <a:lstStyle/>
           <a:p>
-            <a:pPr marL="0" indent="0">
+            <a:pPr marL="0" indent="0" algn="ctr">
               <a:spcAft>
                 <a:spcPts val="2133"/>
               </a:spcAft>
               <a:buNone/>
             </a:pPr>
             <a:r>
-              <a:rPr lang="en" sz="2133" dirty="0"/>
-              <a:t>Log report to the server and localhost with web interface</a:t>
+              <a:rPr lang="en-US" sz="2133" dirty="0" smtClean="0"/>
+              <a:t>To clean up code or release some resources.</a:t>
             </a:r>
             <a:endParaRPr sz="2133" dirty="0"/>
           </a:p>
@@ -15152,665 +11498,6 @@
     <p:extLst>
       <p:ext uri="{BB962C8B-B14F-4D97-AF65-F5344CB8AC3E}">
         <p14:creationId xmlns:p14="http://schemas.microsoft.com/office/powerpoint/2010/main" val="2085767084"/>
-      </p:ext>
-    </p:extLst>
-  </p:cSld>
-  <p:clrMapOvr>
-    <a:masterClrMapping/>
-  </p:clrMapOvr>
-  <p:timing>
-    <p:tnLst>
-      <p:par>
-        <p:cTn id="1" dur="indefinite" restart="never" nodeType="tmRoot"/>
-      </p:par>
-    </p:tnLst>
-  </p:timing>
-</p:sld>
-</file>
-
-<file path=ppt/slides/slide30.xml><?xml version="1.0" encoding="utf-8"?>
-<p:sld xmlns:a="http://schemas.openxmlformats.org/drawingml/2006/main" xmlns:r="http://schemas.openxmlformats.org/officeDocument/2006/relationships" xmlns:p="http://schemas.openxmlformats.org/presentationml/2006/main">
-  <p:cSld>
-    <p:spTree>
-      <p:nvGrpSpPr>
-        <p:cNvPr id="1" name=""/>
-        <p:cNvGrpSpPr/>
-        <p:nvPr/>
-      </p:nvGrpSpPr>
-      <p:grpSpPr>
-        <a:xfrm>
-          <a:off x="0" y="0"/>
-          <a:ext cx="0" cy="0"/>
-          <a:chOff x="0" y="0"/>
-          <a:chExt cx="0" cy="0"/>
-        </a:xfrm>
-      </p:grpSpPr>
-      <p:sp>
-        <p:nvSpPr>
-          <p:cNvPr id="2" name="Title 1"/>
-          <p:cNvSpPr>
-            <a:spLocks noGrp="1"/>
-          </p:cNvSpPr>
-          <p:nvPr>
-            <p:ph type="ctrTitle"/>
-          </p:nvPr>
-        </p:nvSpPr>
-        <p:spPr>
-          <a:xfrm>
-            <a:off x="872834" y="2844656"/>
-            <a:ext cx="10483273" cy="706437"/>
-          </a:xfrm>
-        </p:spPr>
-        <p:txBody>
-          <a:bodyPr>
-            <a:noAutofit/>
-          </a:bodyPr>
-          <a:lstStyle/>
-          <a:p>
-            <a:r>
-              <a:rPr lang="en-US" b="1" dirty="0" smtClean="0"/>
-              <a:t>Admin log in</a:t>
-            </a:r>
-            <a:endParaRPr lang="en-US" b="1" dirty="0"/>
-          </a:p>
-        </p:txBody>
-      </p:sp>
-      <p:sp>
-        <p:nvSpPr>
-          <p:cNvPr id="3" name="Subtitle 2"/>
-          <p:cNvSpPr>
-            <a:spLocks noGrp="1"/>
-          </p:cNvSpPr>
-          <p:nvPr>
-            <p:ph type="subTitle" idx="1"/>
-          </p:nvPr>
-        </p:nvSpPr>
-        <p:spPr>
-          <a:xfrm>
-            <a:off x="378690" y="1570037"/>
-            <a:ext cx="11305309" cy="4913889"/>
-          </a:xfrm>
-        </p:spPr>
-        <p:txBody>
-          <a:bodyPr>
-            <a:normAutofit/>
-          </a:bodyPr>
-          <a:lstStyle/>
-          <a:p>
-            <a:pPr marL="342900" indent="-342900" algn="l">
-              <a:buFont typeface="Arial" panose="020B0604020202020204" pitchFamily="34" charset="0"/>
-              <a:buChar char="•"/>
-            </a:pPr>
-            <a:endParaRPr lang="en-US" dirty="0"/>
-          </a:p>
-          <a:p>
-            <a:pPr algn="l"/>
-            <a:endParaRPr lang="en-US" dirty="0" smtClean="0"/>
-          </a:p>
-          <a:p>
-            <a:pPr marL="342900" indent="-342900" algn="l">
-              <a:buFont typeface="Arial" panose="020B0604020202020204" pitchFamily="34" charset="0"/>
-              <a:buChar char="•"/>
-            </a:pPr>
-            <a:endParaRPr lang="en-US" dirty="0" smtClean="0"/>
-          </a:p>
-        </p:txBody>
-      </p:sp>
-    </p:spTree>
-    <p:extLst>
-      <p:ext uri="{BB962C8B-B14F-4D97-AF65-F5344CB8AC3E}">
-        <p14:creationId xmlns:p14="http://schemas.microsoft.com/office/powerpoint/2010/main" val="1762628876"/>
-      </p:ext>
-    </p:extLst>
-  </p:cSld>
-  <p:clrMapOvr>
-    <a:masterClrMapping/>
-  </p:clrMapOvr>
-  <p:timing>
-    <p:tnLst>
-      <p:par>
-        <p:cTn id="1" dur="indefinite" restart="never" nodeType="tmRoot"/>
-      </p:par>
-    </p:tnLst>
-  </p:timing>
-</p:sld>
-</file>
-
-<file path=ppt/slides/slide31.xml><?xml version="1.0" encoding="utf-8"?>
-<p:sld xmlns:a="http://schemas.openxmlformats.org/drawingml/2006/main" xmlns:r="http://schemas.openxmlformats.org/officeDocument/2006/relationships" xmlns:p="http://schemas.openxmlformats.org/presentationml/2006/main">
-  <p:cSld>
-    <p:spTree>
-      <p:nvGrpSpPr>
-        <p:cNvPr id="1" name=""/>
-        <p:cNvGrpSpPr/>
-        <p:nvPr/>
-      </p:nvGrpSpPr>
-      <p:grpSpPr>
-        <a:xfrm>
-          <a:off x="0" y="0"/>
-          <a:ext cx="0" cy="0"/>
-          <a:chOff x="0" y="0"/>
-          <a:chExt cx="0" cy="0"/>
-        </a:xfrm>
-      </p:grpSpPr>
-      <p:pic>
-        <p:nvPicPr>
-          <p:cNvPr id="5" name="Screencast_01-12-2019_043517 AM">
-            <a:hlinkClick r:id="" action="ppaction://media"/>
-          </p:cNvPr>
-          <p:cNvPicPr>
-            <a:picLocks noChangeAspect="1"/>
-          </p:cNvPicPr>
-          <p:nvPr>
-            <a:videoFile r:link="rId2"/>
-            <p:extLst>
-              <p:ext uri="{DAA4B4D4-6D71-4841-9C94-3DE7FCFB9230}">
-                <p14:media xmlns:p14="http://schemas.microsoft.com/office/powerpoint/2010/main" r:embed="rId1"/>
-              </p:ext>
-            </p:extLst>
-          </p:nvPr>
-        </p:nvPicPr>
-        <p:blipFill>
-          <a:blip r:embed="rId4"/>
-          <a:stretch>
-            <a:fillRect/>
-          </a:stretch>
-        </p:blipFill>
-        <p:spPr>
-          <a:xfrm>
-            <a:off x="175490" y="122146"/>
-            <a:ext cx="11837843" cy="6658787"/>
-          </a:xfrm>
-          <a:prstGeom prst="rect">
-            <a:avLst/>
-          </a:prstGeom>
-        </p:spPr>
-      </p:pic>
-    </p:spTree>
-    <p:extLst>
-      <p:ext uri="{BB962C8B-B14F-4D97-AF65-F5344CB8AC3E}">
-        <p14:creationId xmlns:p14="http://schemas.microsoft.com/office/powerpoint/2010/main" val="1290344575"/>
-      </p:ext>
-    </p:extLst>
-  </p:cSld>
-  <p:clrMapOvr>
-    <a:masterClrMapping/>
-  </p:clrMapOvr>
-  <p:timing>
-    <p:tnLst>
-      <p:par>
-        <p:cTn id="1" dur="indefinite" restart="never" nodeType="tmRoot">
-          <p:childTnLst>
-            <p:seq concurrent="1" nextAc="seek">
-              <p:cTn id="2" restart="whenNotActive" fill="hold" evtFilter="cancelBubble" nodeType="interactiveSeq">
-                <p:stCondLst>
-                  <p:cond evt="onClick" delay="0">
-                    <p:tgtEl>
-                      <p:spTgt spid="5"/>
-                    </p:tgtEl>
-                  </p:cond>
-                </p:stCondLst>
-                <p:endSync evt="end" delay="0">
-                  <p:rtn val="all"/>
-                </p:endSync>
-                <p:childTnLst>
-                  <p:par>
-                    <p:cTn id="3" fill="hold">
-                      <p:stCondLst>
-                        <p:cond delay="0"/>
-                      </p:stCondLst>
-                      <p:childTnLst>
-                        <p:par>
-                          <p:cTn id="4" fill="hold">
-                            <p:stCondLst>
-                              <p:cond delay="0"/>
-                            </p:stCondLst>
-                            <p:childTnLst>
-                              <p:par>
-                                <p:cTn id="5" presetID="2" presetClass="mediacall" presetSubtype="0" fill="hold" nodeType="clickEffect">
-                                  <p:stCondLst>
-                                    <p:cond delay="0"/>
-                                  </p:stCondLst>
-                                  <p:childTnLst>
-                                    <p:cmd type="call" cmd="togglePause">
-                                      <p:cBhvr>
-                                        <p:cTn id="6" dur="1" fill="hold"/>
-                                        <p:tgtEl>
-                                          <p:spTgt spid="5"/>
-                                        </p:tgtEl>
-                                      </p:cBhvr>
-                                    </p:cmd>
-                                  </p:childTnLst>
-                                </p:cTn>
-                              </p:par>
-                            </p:childTnLst>
-                          </p:cTn>
-                        </p:par>
-                      </p:childTnLst>
-                    </p:cTn>
-                  </p:par>
-                </p:childTnLst>
-              </p:cTn>
-              <p:nextCondLst>
-                <p:cond evt="onClick" delay="0">
-                  <p:tgtEl>
-                    <p:spTgt spid="5"/>
-                  </p:tgtEl>
-                </p:cond>
-              </p:nextCondLst>
-            </p:seq>
-            <p:video>
-              <p:cMediaNode vol="80000">
-                <p:cTn id="7" fill="hold" display="0">
-                  <p:stCondLst>
-                    <p:cond delay="indefinite"/>
-                  </p:stCondLst>
-                </p:cTn>
-                <p:tgtEl>
-                  <p:spTgt spid="5"/>
-                </p:tgtEl>
-              </p:cMediaNode>
-            </p:video>
-          </p:childTnLst>
-        </p:cTn>
-      </p:par>
-    </p:tnLst>
-  </p:timing>
-</p:sld>
-</file>
-
-<file path=ppt/slides/slide4.xml><?xml version="1.0" encoding="utf-8"?>
-<p:sld xmlns:a="http://schemas.openxmlformats.org/drawingml/2006/main" xmlns:r="http://schemas.openxmlformats.org/officeDocument/2006/relationships" xmlns:p="http://schemas.openxmlformats.org/presentationml/2006/main">
-  <p:cSld>
-    <p:spTree>
-      <p:nvGrpSpPr>
-        <p:cNvPr id="1" name="Shape 100"/>
-        <p:cNvGrpSpPr/>
-        <p:nvPr/>
-      </p:nvGrpSpPr>
-      <p:grpSpPr>
-        <a:xfrm>
-          <a:off x="0" y="0"/>
-          <a:ext cx="0" cy="0"/>
-          <a:chOff x="0" y="0"/>
-          <a:chExt cx="0" cy="0"/>
-        </a:xfrm>
-      </p:grpSpPr>
-      <p:sp>
-        <p:nvSpPr>
-          <p:cNvPr id="103" name="Google Shape;103;p20"/>
-          <p:cNvSpPr txBox="1">
-            <a:spLocks noGrp="1"/>
-          </p:cNvSpPr>
-          <p:nvPr>
-            <p:ph type="title"/>
-          </p:nvPr>
-        </p:nvSpPr>
-        <p:spPr>
-          <a:xfrm>
-            <a:off x="415600" y="593367"/>
-            <a:ext cx="11360800" cy="763600"/>
-          </a:xfrm>
-          <a:prstGeom prst="rect">
-            <a:avLst/>
-          </a:prstGeom>
-        </p:spPr>
-        <p:txBody>
-          <a:bodyPr spcFirstLastPara="1" vert="horz" wrap="square" lIns="121900" tIns="121900" rIns="121900" bIns="121900" rtlCol="0" anchor="t" anchorCtr="0">
-            <a:noAutofit/>
-          </a:bodyPr>
-          <a:lstStyle/>
-          <a:p>
-            <a:r>
-              <a:rPr lang="en" b="1" dirty="0" smtClean="0"/>
-              <a:t>Architecture</a:t>
-            </a:r>
-            <a:endParaRPr b="1" dirty="0"/>
-          </a:p>
-        </p:txBody>
-      </p:sp>
-      <p:pic>
-        <p:nvPicPr>
-          <p:cNvPr id="4" name="Picture 3"/>
-          <p:cNvPicPr>
-            <a:picLocks noChangeAspect="1"/>
-          </p:cNvPicPr>
-          <p:nvPr/>
-        </p:nvPicPr>
-        <p:blipFill>
-          <a:blip r:embed="rId3">
-            <a:extLst>
-              <a:ext uri="{28A0092B-C50C-407E-A947-70E740481C1C}">
-                <a14:useLocalDpi xmlns:a14="http://schemas.microsoft.com/office/drawing/2010/main" val="0"/>
-              </a:ext>
-            </a:extLst>
-          </a:blip>
-          <a:stretch>
-            <a:fillRect/>
-          </a:stretch>
-        </p:blipFill>
-        <p:spPr>
-          <a:xfrm>
-            <a:off x="248857" y="2603844"/>
-            <a:ext cx="2615781" cy="1435792"/>
-          </a:xfrm>
-          <a:prstGeom prst="rect">
-            <a:avLst/>
-          </a:prstGeom>
-        </p:spPr>
-      </p:pic>
-      <p:sp>
-        <p:nvSpPr>
-          <p:cNvPr id="2" name="Rectangle 1"/>
-          <p:cNvSpPr/>
-          <p:nvPr/>
-        </p:nvSpPr>
-        <p:spPr>
-          <a:xfrm>
-            <a:off x="4199459" y="2338759"/>
-            <a:ext cx="1671782" cy="1760220"/>
-          </a:xfrm>
-          <a:prstGeom prst="rect">
-            <a:avLst/>
-          </a:prstGeom>
-        </p:spPr>
-        <p:style>
-          <a:lnRef idx="2">
-            <a:schemeClr val="accent1">
-              <a:shade val="50000"/>
-            </a:schemeClr>
-          </a:lnRef>
-          <a:fillRef idx="1">
-            <a:schemeClr val="accent1"/>
-          </a:fillRef>
-          <a:effectRef idx="0">
-            <a:schemeClr val="accent1"/>
-          </a:effectRef>
-          <a:fontRef idx="minor">
-            <a:schemeClr val="lt1"/>
-          </a:fontRef>
-        </p:style>
-        <p:txBody>
-          <a:bodyPr rtlCol="0" anchor="ctr"/>
-          <a:lstStyle/>
-          <a:p>
-            <a:pPr algn="ctr"/>
-            <a:r>
-              <a:rPr lang="en-US" sz="3200" dirty="0" smtClean="0"/>
-              <a:t>Sensor script</a:t>
-            </a:r>
-            <a:endParaRPr lang="en-US" sz="3200" dirty="0"/>
-          </a:p>
-        </p:txBody>
-      </p:sp>
-      <p:sp>
-        <p:nvSpPr>
-          <p:cNvPr id="6" name="Rectangle 5"/>
-          <p:cNvSpPr/>
-          <p:nvPr/>
-        </p:nvSpPr>
-        <p:spPr>
-          <a:xfrm>
-            <a:off x="7146294" y="2338759"/>
-            <a:ext cx="1671782" cy="1787930"/>
-          </a:xfrm>
-          <a:prstGeom prst="rect">
-            <a:avLst/>
-          </a:prstGeom>
-        </p:spPr>
-        <p:style>
-          <a:lnRef idx="2">
-            <a:schemeClr val="accent1">
-              <a:shade val="50000"/>
-            </a:schemeClr>
-          </a:lnRef>
-          <a:fillRef idx="1">
-            <a:schemeClr val="accent1"/>
-          </a:fillRef>
-          <a:effectRef idx="0">
-            <a:schemeClr val="accent1"/>
-          </a:effectRef>
-          <a:fontRef idx="minor">
-            <a:schemeClr val="lt1"/>
-          </a:fontRef>
-        </p:style>
-        <p:txBody>
-          <a:bodyPr rtlCol="0" anchor="ctr"/>
-          <a:lstStyle/>
-          <a:p>
-            <a:pPr algn="ctr"/>
-            <a:r>
-              <a:rPr lang="en-US" sz="3200" dirty="0" smtClean="0"/>
-              <a:t>Server script</a:t>
-            </a:r>
-            <a:endParaRPr lang="en-US" sz="3200" dirty="0"/>
-          </a:p>
-        </p:txBody>
-      </p:sp>
-      <p:sp>
-        <p:nvSpPr>
-          <p:cNvPr id="3" name="Right Arrow 2"/>
-          <p:cNvSpPr/>
-          <p:nvPr/>
-        </p:nvSpPr>
-        <p:spPr>
-          <a:xfrm>
-            <a:off x="3135258" y="3143709"/>
-            <a:ext cx="729673" cy="178031"/>
-          </a:xfrm>
-          <a:prstGeom prst="rightArrow">
-            <a:avLst/>
-          </a:prstGeom>
-        </p:spPr>
-        <p:style>
-          <a:lnRef idx="2">
-            <a:schemeClr val="accent1">
-              <a:shade val="50000"/>
-            </a:schemeClr>
-          </a:lnRef>
-          <a:fillRef idx="1">
-            <a:schemeClr val="accent1"/>
-          </a:fillRef>
-          <a:effectRef idx="0">
-            <a:schemeClr val="accent1"/>
-          </a:effectRef>
-          <a:fontRef idx="minor">
-            <a:schemeClr val="lt1"/>
-          </a:fontRef>
-        </p:style>
-        <p:txBody>
-          <a:bodyPr rtlCol="0" anchor="ctr"/>
-          <a:lstStyle/>
-          <a:p>
-            <a:pPr algn="ctr"/>
-            <a:endParaRPr lang="en-US"/>
-          </a:p>
-        </p:txBody>
-      </p:sp>
-      <p:sp>
-        <p:nvSpPr>
-          <p:cNvPr id="8" name="Right Arrow 7"/>
-          <p:cNvSpPr/>
-          <p:nvPr/>
-        </p:nvSpPr>
-        <p:spPr>
-          <a:xfrm>
-            <a:off x="6096000" y="3143709"/>
-            <a:ext cx="729673" cy="178031"/>
-          </a:xfrm>
-          <a:prstGeom prst="rightArrow">
-            <a:avLst/>
-          </a:prstGeom>
-        </p:spPr>
-        <p:style>
-          <a:lnRef idx="2">
-            <a:schemeClr val="accent1">
-              <a:shade val="50000"/>
-            </a:schemeClr>
-          </a:lnRef>
-          <a:fillRef idx="1">
-            <a:schemeClr val="accent1"/>
-          </a:fillRef>
-          <a:effectRef idx="0">
-            <a:schemeClr val="accent1"/>
-          </a:effectRef>
-          <a:fontRef idx="minor">
-            <a:schemeClr val="lt1"/>
-          </a:fontRef>
-        </p:style>
-        <p:txBody>
-          <a:bodyPr rtlCol="0" anchor="ctr"/>
-          <a:lstStyle/>
-          <a:p>
-            <a:pPr algn="ctr"/>
-            <a:endParaRPr lang="en-US"/>
-          </a:p>
-        </p:txBody>
-      </p:sp>
-      <p:pic>
-        <p:nvPicPr>
-          <p:cNvPr id="7" name="Picture 6"/>
-          <p:cNvPicPr>
-            <a:picLocks noChangeAspect="1"/>
-          </p:cNvPicPr>
-          <p:nvPr/>
-        </p:nvPicPr>
-        <p:blipFill>
-          <a:blip r:embed="rId4">
-            <a:extLst>
-              <a:ext uri="{28A0092B-C50C-407E-A947-70E740481C1C}">
-                <a14:useLocalDpi xmlns:a14="http://schemas.microsoft.com/office/drawing/2010/main" val="0"/>
-              </a:ext>
-            </a:extLst>
-          </a:blip>
-          <a:stretch>
-            <a:fillRect/>
-          </a:stretch>
-        </p:blipFill>
-        <p:spPr>
-          <a:xfrm>
-            <a:off x="10093129" y="2724725"/>
-            <a:ext cx="1859280" cy="1760220"/>
-          </a:xfrm>
-          <a:prstGeom prst="rect">
-            <a:avLst/>
-          </a:prstGeom>
-        </p:spPr>
-      </p:pic>
-      <p:sp>
-        <p:nvSpPr>
-          <p:cNvPr id="10" name="Right Arrow 9"/>
-          <p:cNvSpPr/>
-          <p:nvPr/>
-        </p:nvSpPr>
-        <p:spPr>
-          <a:xfrm>
-            <a:off x="9138698" y="3143709"/>
-            <a:ext cx="729673" cy="178031"/>
-          </a:xfrm>
-          <a:prstGeom prst="rightArrow">
-            <a:avLst/>
-          </a:prstGeom>
-        </p:spPr>
-        <p:style>
-          <a:lnRef idx="2">
-            <a:schemeClr val="accent1">
-              <a:shade val="50000"/>
-            </a:schemeClr>
-          </a:lnRef>
-          <a:fillRef idx="1">
-            <a:schemeClr val="accent1"/>
-          </a:fillRef>
-          <a:effectRef idx="0">
-            <a:schemeClr val="accent1"/>
-          </a:effectRef>
-          <a:fontRef idx="minor">
-            <a:schemeClr val="lt1"/>
-          </a:fontRef>
-        </p:style>
-        <p:txBody>
-          <a:bodyPr rtlCol="0" anchor="ctr"/>
-          <a:lstStyle/>
-          <a:p>
-            <a:pPr algn="ctr"/>
-            <a:endParaRPr lang="en-US"/>
-          </a:p>
-        </p:txBody>
-      </p:sp>
-    </p:spTree>
-    <p:extLst>
-      <p:ext uri="{BB962C8B-B14F-4D97-AF65-F5344CB8AC3E}">
-        <p14:creationId xmlns:p14="http://schemas.microsoft.com/office/powerpoint/2010/main" val="1361447192"/>
-      </p:ext>
-    </p:extLst>
-  </p:cSld>
-  <p:clrMapOvr>
-    <a:masterClrMapping/>
-  </p:clrMapOvr>
-  <p:timing>
-    <p:tnLst>
-      <p:par>
-        <p:cTn id="1" dur="indefinite" restart="never" nodeType="tmRoot"/>
-      </p:par>
-    </p:tnLst>
-  </p:timing>
-</p:sld>
-</file>
-
-<file path=ppt/slides/slide5.xml><?xml version="1.0" encoding="utf-8"?>
-<p:sld xmlns:a="http://schemas.openxmlformats.org/drawingml/2006/main" xmlns:r="http://schemas.openxmlformats.org/officeDocument/2006/relationships" xmlns:p="http://schemas.openxmlformats.org/presentationml/2006/main">
-  <p:cSld>
-    <p:spTree>
-      <p:nvGrpSpPr>
-        <p:cNvPr id="1" name="Shape 90"/>
-        <p:cNvGrpSpPr/>
-        <p:nvPr/>
-      </p:nvGrpSpPr>
-      <p:grpSpPr>
-        <a:xfrm>
-          <a:off x="0" y="0"/>
-          <a:ext cx="0" cy="0"/>
-          <a:chOff x="0" y="0"/>
-          <a:chExt cx="0" cy="0"/>
-        </a:xfrm>
-      </p:grpSpPr>
-      <p:sp>
-        <p:nvSpPr>
-          <p:cNvPr id="91" name="Google Shape;91;p18"/>
-          <p:cNvSpPr txBox="1">
-            <a:spLocks noGrp="1"/>
-          </p:cNvSpPr>
-          <p:nvPr>
-            <p:ph type="title"/>
-          </p:nvPr>
-        </p:nvSpPr>
-        <p:spPr>
-          <a:xfrm>
-            <a:off x="680600" y="2743200"/>
-            <a:ext cx="10830800" cy="1038400"/>
-          </a:xfrm>
-          <a:prstGeom prst="rect">
-            <a:avLst/>
-          </a:prstGeom>
-        </p:spPr>
-        <p:txBody>
-          <a:bodyPr spcFirstLastPara="1" vert="horz" wrap="square" lIns="121900" tIns="121900" rIns="121900" bIns="121900" rtlCol="0" anchor="b" anchorCtr="0">
-            <a:noAutofit/>
-          </a:bodyPr>
-          <a:lstStyle/>
-          <a:p>
-            <a:r>
-              <a:rPr lang="en" dirty="0" smtClean="0"/>
-              <a:t>Implementation</a:t>
-            </a:r>
-            <a:endParaRPr dirty="0"/>
-          </a:p>
-        </p:txBody>
-      </p:sp>
-    </p:spTree>
-    <p:extLst>
-      <p:ext uri="{BB962C8B-B14F-4D97-AF65-F5344CB8AC3E}">
-        <p14:creationId xmlns:p14="http://schemas.microsoft.com/office/powerpoint/2010/main" val="482067100"/>
       </p:ext>
     </p:extLst>
   </p:cSld>
@@ -15832,7 +11519,7 @@
   <p:cSld>
     <p:spTree>
       <p:nvGrpSpPr>
-        <p:cNvPr id="1" name=""/>
+        <p:cNvPr id="1" name="Shape 90"/>
         <p:cNvGrpSpPr/>
         <p:nvPr/>
       </p:nvGrpSpPr>
@@ -15846,111 +11533,49 @@
       </p:grpSpPr>
       <p:sp>
         <p:nvSpPr>
-          <p:cNvPr id="2" name="Title 1"/>
-          <p:cNvSpPr>
-            <a:spLocks noGrp="1"/>
-          </p:cNvSpPr>
-          <p:nvPr>
-            <p:ph type="ctrTitle"/>
+          <p:cNvPr id="91" name="Google Shape;91;p18"/>
+          <p:cNvSpPr txBox="1">
+            <a:spLocks noGrp="1"/>
+          </p:cNvSpPr>
+          <p:nvPr>
+            <p:ph type="title"/>
           </p:nvPr>
         </p:nvSpPr>
         <p:spPr>
           <a:xfrm>
-            <a:off x="378690" y="531236"/>
-            <a:ext cx="10483273" cy="706437"/>
+            <a:off x="680600" y="2743200"/>
+            <a:ext cx="10830800" cy="1038400"/>
           </a:xfrm>
+          <a:prstGeom prst="rect">
+            <a:avLst/>
+          </a:prstGeom>
         </p:spPr>
         <p:txBody>
-          <a:bodyPr>
-            <a:normAutofit fontScale="90000"/>
+          <a:bodyPr spcFirstLastPara="1" vert="horz" wrap="square" lIns="121900" tIns="121900" rIns="121900" bIns="121900" rtlCol="0" anchor="b" anchorCtr="0">
+            <a:noAutofit/>
           </a:bodyPr>
           <a:lstStyle/>
           <a:p>
-            <a:pPr algn="l"/>
             <a:r>
-              <a:rPr lang="en-US" dirty="0" smtClean="0"/>
-              <a:t>Sensor</a:t>
+              <a:rPr lang="en-US" dirty="0">
+                <a:latin typeface="Proxima Nova"/>
+              </a:rPr>
+              <a:t>Types of Exceptions in </a:t>
             </a:r>
-            <a:endParaRPr lang="en-US" dirty="0"/>
-          </a:p>
-        </p:txBody>
-      </p:sp>
-      <p:sp>
-        <p:nvSpPr>
-          <p:cNvPr id="3" name="Subtitle 2"/>
-          <p:cNvSpPr>
-            <a:spLocks noGrp="1"/>
-          </p:cNvSpPr>
-          <p:nvPr>
-            <p:ph type="subTitle" idx="1"/>
-          </p:nvPr>
-        </p:nvSpPr>
-        <p:spPr>
-          <a:xfrm>
-            <a:off x="378690" y="2410547"/>
-            <a:ext cx="11305309" cy="2891127"/>
-          </a:xfrm>
-        </p:spPr>
-        <p:txBody>
-          <a:bodyPr>
-            <a:normAutofit/>
-          </a:bodyPr>
-          <a:lstStyle/>
-          <a:p>
-            <a:pPr marL="342900" indent="-342900" algn="l">
-              <a:buFont typeface="Arial" panose="020B0604020202020204" pitchFamily="34" charset="0"/>
-              <a:buChar char="•"/>
-            </a:pPr>
             <a:r>
-              <a:rPr lang="en-US" sz="2800" dirty="0" smtClean="0"/>
-              <a:t>“Sensor” is an algorithm designed to capture the packet from the inbound direction in the core routers</a:t>
+              <a:rPr lang="en-US" dirty="0" smtClean="0">
+                <a:latin typeface="Proxima Nova"/>
+              </a:rPr>
+              <a:t>Java</a:t>
             </a:r>
-            <a:endParaRPr lang="en-US" sz="2800" dirty="0"/>
-          </a:p>
-          <a:p>
-            <a:pPr marL="342900" indent="-342900" algn="l">
-              <a:buFont typeface="Arial" panose="020B0604020202020204" pitchFamily="34" charset="0"/>
-              <a:buChar char="•"/>
-            </a:pPr>
-            <a:r>
-              <a:rPr lang="en-US" sz="2800" dirty="0" smtClean="0"/>
-              <a:t>This is basically using concept of “PORT MIRRORING” using PCAP</a:t>
-            </a:r>
-          </a:p>
-          <a:p>
-            <a:pPr marL="342900" indent="-342900" algn="l">
-              <a:buFont typeface="Arial" panose="020B0604020202020204" pitchFamily="34" charset="0"/>
-              <a:buChar char="•"/>
-            </a:pPr>
-            <a:r>
-              <a:rPr lang="en-US" sz="2800" dirty="0" smtClean="0"/>
-              <a:t>It Defragments the packet to src_ip, dst_ip, src_port, dst_port, domain_name, query (if exist) and protocol used </a:t>
-            </a:r>
-          </a:p>
-          <a:p>
-            <a:pPr marL="342900" indent="-342900" algn="l">
-              <a:buFont typeface="Arial" panose="020B0604020202020204" pitchFamily="34" charset="0"/>
-              <a:buChar char="•"/>
-            </a:pPr>
-            <a:endParaRPr lang="en-US" sz="2800" dirty="0"/>
-          </a:p>
-          <a:p>
-            <a:pPr algn="l"/>
-            <a:endParaRPr lang="en-US" dirty="0" smtClean="0"/>
-          </a:p>
-          <a:p>
-            <a:pPr marL="342900" indent="-342900" algn="l">
-              <a:buFont typeface="Arial" panose="020B0604020202020204" pitchFamily="34" charset="0"/>
-              <a:buChar char="•"/>
-            </a:pPr>
-            <a:endParaRPr lang="en-US" dirty="0" smtClean="0"/>
+            <a:endParaRPr dirty="0"/>
           </a:p>
         </p:txBody>
       </p:sp>
     </p:spTree>
     <p:extLst>
       <p:ext uri="{BB962C8B-B14F-4D97-AF65-F5344CB8AC3E}">
-        <p14:creationId xmlns:p14="http://schemas.microsoft.com/office/powerpoint/2010/main" val="563666226"/>
+        <p14:creationId xmlns:p14="http://schemas.microsoft.com/office/powerpoint/2010/main" val="2008867348"/>
       </p:ext>
     </p:extLst>
   </p:cSld>
@@ -15986,74 +11611,224 @@
       </p:grpSpPr>
       <p:sp>
         <p:nvSpPr>
-          <p:cNvPr id="2" name="Title 1"/>
-          <p:cNvSpPr>
-            <a:spLocks noGrp="1"/>
-          </p:cNvSpPr>
-          <p:nvPr>
-            <p:ph type="title"/>
-          </p:nvPr>
-        </p:nvSpPr>
-        <p:spPr/>
-        <p:txBody>
-          <a:bodyPr/>
-          <a:lstStyle/>
-          <a:p>
-            <a:r>
-              <a:rPr lang="en-US" b="1" dirty="0" smtClean="0"/>
-              <a:t>URL splitting</a:t>
-            </a:r>
-            <a:endParaRPr lang="en-US" b="1" dirty="0"/>
-          </a:p>
-        </p:txBody>
-      </p:sp>
-      <p:pic>
-        <p:nvPicPr>
-          <p:cNvPr id="1026" name="Picture 2" descr="Image result for url splitting"/>
-          <p:cNvPicPr>
-            <a:picLocks noGrp="1" noChangeAspect="1" noChangeArrowheads="1"/>
-          </p:cNvPicPr>
-          <p:nvPr>
-            <p:ph idx="1"/>
-          </p:nvPr>
-        </p:nvPicPr>
-        <p:blipFill>
-          <a:blip r:embed="rId2">
-            <a:extLst>
-              <a:ext uri="{28A0092B-C50C-407E-A947-70E740481C1C}">
-                <a14:useLocalDpi xmlns:a14="http://schemas.microsoft.com/office/drawing/2010/main" val="0"/>
-              </a:ext>
-            </a:extLst>
-          </a:blip>
-          <a:srcRect/>
-          <a:stretch>
-            <a:fillRect/>
-          </a:stretch>
-        </p:blipFill>
-        <p:spPr bwMode="auto">
+          <p:cNvPr id="5" name="Rectangle 4"/>
+          <p:cNvSpPr/>
+          <p:nvPr/>
+        </p:nvSpPr>
+        <p:spPr>
           <a:xfrm>
-            <a:off x="2152072" y="1837942"/>
-            <a:ext cx="7241309" cy="4045091"/>
+            <a:off x="1257300" y="3797024"/>
+            <a:ext cx="1917698" cy="1330034"/>
           </a:xfrm>
           <a:prstGeom prst="rect">
             <a:avLst/>
           </a:prstGeom>
-          <a:noFill/>
-          <a:extLst>
-            <a:ext uri="{909E8E84-426E-40DD-AFC4-6F175D3DCCD1}">
-              <a14:hiddenFill xmlns:a14="http://schemas.microsoft.com/office/drawing/2010/main">
-                <a:solidFill>
-                  <a:srgbClr val="FFFFFF"/>
-                </a:solidFill>
-              </a14:hiddenFill>
-            </a:ext>
-          </a:extLst>
         </p:spPr>
-      </p:pic>
+        <p:style>
+          <a:lnRef idx="2">
+            <a:schemeClr val="accent1">
+              <a:shade val="50000"/>
+            </a:schemeClr>
+          </a:lnRef>
+          <a:fillRef idx="1">
+            <a:schemeClr val="accent1"/>
+          </a:fillRef>
+          <a:effectRef idx="0">
+            <a:schemeClr val="accent1"/>
+          </a:effectRef>
+          <a:fontRef idx="minor">
+            <a:schemeClr val="lt1"/>
+          </a:fontRef>
+        </p:style>
+        <p:txBody>
+          <a:bodyPr rtlCol="0" anchor="ctr"/>
+          <a:lstStyle/>
+          <a:p>
+            <a:pPr algn="ctr"/>
+            <a:r>
+              <a:rPr lang="en-US" sz="2800" dirty="0" smtClean="0">
+                <a:latin typeface="Proxima Nova"/>
+              </a:rPr>
+              <a:t>Exception</a:t>
+            </a:r>
+            <a:endParaRPr lang="en-US" sz="2800" dirty="0">
+              <a:latin typeface="Proxima Nova"/>
+            </a:endParaRPr>
+          </a:p>
+        </p:txBody>
+      </p:sp>
+      <p:sp>
+        <p:nvSpPr>
+          <p:cNvPr id="11" name="Rectangle 10"/>
+          <p:cNvSpPr/>
+          <p:nvPr/>
+        </p:nvSpPr>
+        <p:spPr>
+          <a:xfrm>
+            <a:off x="6889142" y="5349241"/>
+            <a:ext cx="3740758" cy="921990"/>
+          </a:xfrm>
+          <a:prstGeom prst="rect">
+            <a:avLst/>
+          </a:prstGeom>
+        </p:spPr>
+        <p:style>
+          <a:lnRef idx="2">
+            <a:schemeClr val="accent1">
+              <a:shade val="50000"/>
+            </a:schemeClr>
+          </a:lnRef>
+          <a:fillRef idx="1">
+            <a:schemeClr val="accent1"/>
+          </a:fillRef>
+          <a:effectRef idx="0">
+            <a:schemeClr val="accent1"/>
+          </a:effectRef>
+          <a:fontRef idx="minor">
+            <a:schemeClr val="lt1"/>
+          </a:fontRef>
+        </p:style>
+        <p:txBody>
+          <a:bodyPr rtlCol="0" anchor="ctr"/>
+          <a:lstStyle/>
+          <a:p>
+            <a:pPr algn="ctr"/>
+            <a:r>
+              <a:rPr lang="en-US" sz="3200" dirty="0" smtClean="0"/>
+              <a:t>Unchecked Exceptions</a:t>
+            </a:r>
+            <a:endParaRPr lang="en-US" sz="3200" dirty="0"/>
+          </a:p>
+        </p:txBody>
+      </p:sp>
+      <p:sp>
+        <p:nvSpPr>
+          <p:cNvPr id="12" name="Rectangle 11"/>
+          <p:cNvSpPr/>
+          <p:nvPr/>
+        </p:nvSpPr>
+        <p:spPr>
+          <a:xfrm>
+            <a:off x="6889142" y="1965960"/>
+            <a:ext cx="3740758" cy="1014949"/>
+          </a:xfrm>
+          <a:prstGeom prst="rect">
+            <a:avLst/>
+          </a:prstGeom>
+        </p:spPr>
+        <p:style>
+          <a:lnRef idx="2">
+            <a:schemeClr val="accent1">
+              <a:shade val="50000"/>
+            </a:schemeClr>
+          </a:lnRef>
+          <a:fillRef idx="1">
+            <a:schemeClr val="accent1"/>
+          </a:fillRef>
+          <a:effectRef idx="0">
+            <a:schemeClr val="accent1"/>
+          </a:effectRef>
+          <a:fontRef idx="minor">
+            <a:schemeClr val="lt1"/>
+          </a:fontRef>
+        </p:style>
+        <p:txBody>
+          <a:bodyPr rtlCol="0" anchor="ctr"/>
+          <a:lstStyle/>
+          <a:p>
+            <a:pPr algn="ctr"/>
+            <a:r>
+              <a:rPr lang="en-US" sz="3200" dirty="0" smtClean="0"/>
+              <a:t>Checked Exceptions</a:t>
+            </a:r>
+            <a:endParaRPr lang="en-US" sz="3200" dirty="0"/>
+          </a:p>
+        </p:txBody>
+      </p:sp>
+      <p:sp>
+        <p:nvSpPr>
+          <p:cNvPr id="13" name="Right Arrow 12"/>
+          <p:cNvSpPr/>
+          <p:nvPr/>
+        </p:nvSpPr>
+        <p:spPr>
+          <a:xfrm rot="20336951">
+            <a:off x="3605623" y="3206762"/>
+            <a:ext cx="2599445" cy="227178"/>
+          </a:xfrm>
+          <a:prstGeom prst="rightArrow">
+            <a:avLst/>
+          </a:prstGeom>
+        </p:spPr>
+        <p:style>
+          <a:lnRef idx="2">
+            <a:schemeClr val="accent1">
+              <a:shade val="50000"/>
+            </a:schemeClr>
+          </a:lnRef>
+          <a:fillRef idx="1">
+            <a:schemeClr val="accent1"/>
+          </a:fillRef>
+          <a:effectRef idx="0">
+            <a:schemeClr val="accent1"/>
+          </a:effectRef>
+          <a:fontRef idx="minor">
+            <a:schemeClr val="lt1"/>
+          </a:fontRef>
+        </p:style>
+        <p:txBody>
+          <a:bodyPr rtlCol="0" anchor="ctr"/>
+          <a:lstStyle/>
+          <a:p>
+            <a:pPr algn="ctr"/>
+            <a:endParaRPr lang="en-US"/>
+          </a:p>
+        </p:txBody>
+      </p:sp>
+      <p:sp>
+        <p:nvSpPr>
+          <p:cNvPr id="14" name="Right Arrow 13"/>
+          <p:cNvSpPr/>
+          <p:nvPr/>
+        </p:nvSpPr>
+        <p:spPr>
+          <a:xfrm rot="1072762">
+            <a:off x="3616212" y="5282952"/>
+            <a:ext cx="2769108" cy="236401"/>
+          </a:xfrm>
+          <a:prstGeom prst="rightArrow">
+            <a:avLst/>
+          </a:prstGeom>
+        </p:spPr>
+        <p:style>
+          <a:lnRef idx="2">
+            <a:schemeClr val="accent1">
+              <a:shade val="50000"/>
+            </a:schemeClr>
+          </a:lnRef>
+          <a:fillRef idx="1">
+            <a:schemeClr val="accent1"/>
+          </a:fillRef>
+          <a:effectRef idx="0">
+            <a:schemeClr val="accent1"/>
+          </a:effectRef>
+          <a:fontRef idx="minor">
+            <a:schemeClr val="lt1"/>
+          </a:fontRef>
+        </p:style>
+        <p:txBody>
+          <a:bodyPr rtlCol="0" anchor="ctr"/>
+          <a:lstStyle/>
+          <a:p>
+            <a:pPr algn="ctr"/>
+            <a:endParaRPr lang="en-US"/>
+          </a:p>
+        </p:txBody>
+      </p:sp>
     </p:spTree>
     <p:extLst>
       <p:ext uri="{BB962C8B-B14F-4D97-AF65-F5344CB8AC3E}">
-        <p14:creationId xmlns:p14="http://schemas.microsoft.com/office/powerpoint/2010/main" val="2261429877"/>
+        <p14:creationId xmlns:p14="http://schemas.microsoft.com/office/powerpoint/2010/main" val="4285642691"/>
       </p:ext>
     </p:extLst>
   </p:cSld>
@@ -16075,7 +11850,7 @@
   <p:cSld>
     <p:spTree>
       <p:nvGrpSpPr>
-        <p:cNvPr id="1" name=""/>
+        <p:cNvPr id="1" name="Shape 100"/>
         <p:cNvGrpSpPr/>
         <p:nvPr/>
       </p:nvGrpSpPr>
@@ -16087,223 +11862,131 @@
           <a:chExt cx="0" cy="0"/>
         </a:xfrm>
       </p:grpSpPr>
-      <p:pic>
-        <p:nvPicPr>
-          <p:cNvPr id="4" name="Picture 3"/>
-          <p:cNvPicPr>
-            <a:picLocks noChangeAspect="1"/>
-          </p:cNvPicPr>
-          <p:nvPr/>
-        </p:nvPicPr>
-        <p:blipFill>
-          <a:blip r:embed="rId2">
-            <a:extLst>
-              <a:ext uri="{28A0092B-C50C-407E-A947-70E740481C1C}">
-                <a14:useLocalDpi xmlns:a14="http://schemas.microsoft.com/office/drawing/2010/main" val="0"/>
-              </a:ext>
-            </a:extLst>
-          </a:blip>
-          <a:stretch>
-            <a:fillRect/>
-          </a:stretch>
-        </p:blipFill>
+      <p:sp>
+        <p:nvSpPr>
+          <p:cNvPr id="103" name="Google Shape;103;p20"/>
+          <p:cNvSpPr txBox="1">
+            <a:spLocks noGrp="1"/>
+          </p:cNvSpPr>
+          <p:nvPr>
+            <p:ph type="title"/>
+          </p:nvPr>
+        </p:nvSpPr>
         <p:spPr>
           <a:xfrm>
-            <a:off x="747621" y="3321740"/>
-            <a:ext cx="2615781" cy="1435792"/>
+            <a:off x="415600" y="593366"/>
+            <a:ext cx="11471600" cy="5830293"/>
           </a:xfrm>
           <a:prstGeom prst="rect">
             <a:avLst/>
           </a:prstGeom>
         </p:spPr>
-      </p:pic>
-      <p:sp>
-        <p:nvSpPr>
-          <p:cNvPr id="5" name="Rectangle 4"/>
-          <p:cNvSpPr/>
-          <p:nvPr/>
-        </p:nvSpPr>
-        <p:spPr>
-          <a:xfrm>
-            <a:off x="7423695" y="3707125"/>
-            <a:ext cx="1671782" cy="665017"/>
-          </a:xfrm>
-          <a:prstGeom prst="rect">
-            <a:avLst/>
-          </a:prstGeom>
-        </p:spPr>
-        <p:style>
-          <a:lnRef idx="2">
-            <a:schemeClr val="accent1">
-              <a:shade val="50000"/>
-            </a:schemeClr>
-          </a:lnRef>
-          <a:fillRef idx="1">
-            <a:schemeClr val="accent1"/>
-          </a:fillRef>
-          <a:effectRef idx="0">
-            <a:schemeClr val="accent1"/>
-          </a:effectRef>
-          <a:fontRef idx="minor">
-            <a:schemeClr val="lt1"/>
-          </a:fontRef>
-        </p:style>
-        <p:txBody>
-          <a:bodyPr rtlCol="0" anchor="ctr"/>
-          <a:lstStyle/>
-          <a:p>
-            <a:pPr algn="ctr"/>
-            <a:r>
-              <a:rPr lang="en-US" sz="3200" dirty="0" smtClean="0"/>
-              <a:t>Sensor</a:t>
-            </a:r>
-            <a:endParaRPr lang="en-US" sz="3200" dirty="0"/>
-          </a:p>
-        </p:txBody>
-      </p:sp>
-      <p:sp>
-        <p:nvSpPr>
-          <p:cNvPr id="6" name="Right Arrow 5"/>
-          <p:cNvSpPr/>
-          <p:nvPr/>
-        </p:nvSpPr>
-        <p:spPr>
-          <a:xfrm>
-            <a:off x="4733147" y="3953164"/>
-            <a:ext cx="1713835" cy="175484"/>
-          </a:xfrm>
-          <a:prstGeom prst="rightArrow">
-            <a:avLst/>
-          </a:prstGeom>
-        </p:spPr>
-        <p:style>
-          <a:lnRef idx="2">
-            <a:schemeClr val="accent1">
-              <a:shade val="50000"/>
-            </a:schemeClr>
-          </a:lnRef>
-          <a:fillRef idx="1">
-            <a:schemeClr val="accent1"/>
-          </a:fillRef>
-          <a:effectRef idx="0">
-            <a:schemeClr val="accent1"/>
-          </a:effectRef>
-          <a:fontRef idx="minor">
-            <a:schemeClr val="lt1"/>
-          </a:fontRef>
-        </p:style>
-        <p:txBody>
-          <a:bodyPr rtlCol="0" anchor="ctr"/>
-          <a:lstStyle/>
-          <a:p>
-            <a:pPr algn="ctr"/>
-            <a:endParaRPr lang="en-US"/>
-          </a:p>
-        </p:txBody>
-      </p:sp>
-      <p:sp>
-        <p:nvSpPr>
-          <p:cNvPr id="7" name="TextBox 6"/>
-          <p:cNvSpPr txBox="1"/>
-          <p:nvPr/>
-        </p:nvSpPr>
-        <p:spPr>
-          <a:xfrm>
-            <a:off x="248857" y="304800"/>
-            <a:ext cx="11084161" cy="707886"/>
-          </a:xfrm>
-          <a:prstGeom prst="rect">
-            <a:avLst/>
-          </a:prstGeom>
-          <a:noFill/>
-        </p:spPr>
-        <p:txBody>
-          <a:bodyPr wrap="square" rtlCol="0">
-            <a:spAutoFit/>
+        <p:txBody>
+          <a:bodyPr spcFirstLastPara="1" vert="horz" wrap="square" lIns="121900" tIns="121900" rIns="121900" bIns="121900" rtlCol="0" anchor="t" anchorCtr="0">
+            <a:noAutofit/>
           </a:bodyPr>
           <a:lstStyle/>
           <a:p>
             <a:r>
-              <a:rPr lang="en-US" sz="4000" dirty="0" smtClean="0"/>
-              <a:t>Sensor working</a:t>
-            </a:r>
-            <a:endParaRPr lang="en-US" sz="4000" dirty="0"/>
-          </a:p>
-        </p:txBody>
-      </p:sp>
-      <p:sp>
-        <p:nvSpPr>
-          <p:cNvPr id="8" name="TextBox 7"/>
-          <p:cNvSpPr txBox="1"/>
-          <p:nvPr/>
-        </p:nvSpPr>
-        <p:spPr>
-          <a:xfrm>
-            <a:off x="248857" y="1533236"/>
-            <a:ext cx="2383507" cy="523220"/>
-          </a:xfrm>
-          <a:prstGeom prst="rect">
-            <a:avLst/>
-          </a:prstGeom>
-          <a:noFill/>
-        </p:spPr>
-        <p:txBody>
-          <a:bodyPr wrap="square" rtlCol="0">
-            <a:spAutoFit/>
-          </a:bodyPr>
-          <a:lstStyle/>
-          <a:p>
-            <a:r>
-              <a:rPr lang="en-US" sz="2800" dirty="0" smtClean="0"/>
-              <a:t>Step : 1</a:t>
-            </a:r>
-            <a:endParaRPr lang="en-US" sz="2800" dirty="0"/>
-          </a:p>
-        </p:txBody>
-      </p:sp>
-      <p:sp>
-        <p:nvSpPr>
-          <p:cNvPr id="9" name="TextBox 8"/>
-          <p:cNvSpPr txBox="1"/>
-          <p:nvPr/>
-        </p:nvSpPr>
-        <p:spPr>
-          <a:xfrm>
-            <a:off x="4352129" y="3020292"/>
-            <a:ext cx="2475870" cy="830997"/>
-          </a:xfrm>
-          <a:prstGeom prst="rect">
-            <a:avLst/>
-          </a:prstGeom>
-          <a:noFill/>
-        </p:spPr>
-        <p:txBody>
-          <a:bodyPr wrap="square" rtlCol="0">
-            <a:spAutoFit/>
-          </a:bodyPr>
-          <a:lstStyle/>
-          <a:p>
-            <a:pPr algn="ctr"/>
-            <a:r>
-              <a:rPr lang="en-US" sz="1600" dirty="0" smtClean="0"/>
-              <a:t>The internet traffic is being mirrored to the sensor for analyzing using </a:t>
+              <a:rPr lang="en-US" b="1" dirty="0" smtClean="0">
+                <a:latin typeface="Proxima Nova"/>
+              </a:rPr>
+              <a:t>Checke</a:t>
             </a:r>
             <a:r>
-              <a:rPr lang="en-US" sz="1600" dirty="0" err="1" smtClean="0"/>
-              <a:t>pcap</a:t>
+              <a:rPr lang="en-US" b="1" dirty="0" smtClean="0">
+                <a:latin typeface="Proxima Nova"/>
+              </a:rPr>
+              <a:t>d Exception:</a:t>
+            </a:r>
+            <a:br>
+              <a:rPr lang="en-US" b="1" dirty="0" smtClean="0">
+                <a:latin typeface="Proxima Nova"/>
+              </a:rPr>
+            </a:br>
+            <a:r>
+              <a:rPr lang="en-US" b="1" dirty="0">
+                <a:latin typeface="Proxima Nova"/>
+              </a:rPr>
+              <a:t/>
+            </a:r>
+            <a:br>
+              <a:rPr lang="en-US" b="1" dirty="0">
+                <a:latin typeface="Proxima Nova"/>
+              </a:rPr>
+            </a:br>
+            <a:r>
+              <a:rPr lang="en-US" sz="3600" b="1" dirty="0">
+                <a:latin typeface="Yu Gothic UI" panose="020B0500000000000000" pitchFamily="34" charset="-128"/>
+                <a:ea typeface="Yu Gothic UI" panose="020B0500000000000000" pitchFamily="34" charset="-128"/>
+              </a:rPr>
+              <a:t>All the classes which inherit throwable class except </a:t>
             </a:r>
             <a:r>
-              <a:rPr lang="en-US" sz="1600" dirty="0" smtClean="0"/>
-              <a:t> </a:t>
+              <a:rPr lang="en-US" sz="3600" b="1" dirty="0" smtClean="0">
+                <a:latin typeface="Yu Gothic UI" panose="020B0500000000000000" pitchFamily="34" charset="-128"/>
+                <a:ea typeface="Yu Gothic UI" panose="020B0500000000000000" pitchFamily="34" charset="-128"/>
+              </a:rPr>
+              <a:t>Runtime Exception </a:t>
             </a:r>
-            <a:endParaRPr lang="en-US" sz="1600" dirty="0"/>
+            <a:r>
+              <a:rPr lang="en-US" sz="3600" b="1" dirty="0">
+                <a:latin typeface="Yu Gothic UI" panose="020B0500000000000000" pitchFamily="34" charset="-128"/>
+                <a:ea typeface="Yu Gothic UI" panose="020B0500000000000000" pitchFamily="34" charset="-128"/>
+              </a:rPr>
+              <a:t>and Error are known as Checked Exception. The checked exceptions are checked by the compiler at </a:t>
+            </a:r>
+            <a:r>
+              <a:rPr lang="en-US" sz="3600" b="1" dirty="0" smtClean="0">
+                <a:latin typeface="Yu Gothic UI" panose="020B0500000000000000" pitchFamily="34" charset="-128"/>
+                <a:ea typeface="Yu Gothic UI" panose="020B0500000000000000" pitchFamily="34" charset="-128"/>
+              </a:rPr>
+              <a:t>compile-time</a:t>
+            </a:r>
+            <a:br>
+              <a:rPr lang="en-US" sz="3600" b="1" dirty="0" smtClean="0">
+                <a:latin typeface="Yu Gothic UI" panose="020B0500000000000000" pitchFamily="34" charset="-128"/>
+                <a:ea typeface="Yu Gothic UI" panose="020B0500000000000000" pitchFamily="34" charset="-128"/>
+              </a:rPr>
+            </a:br>
+            <a:r>
+              <a:rPr lang="en-US" sz="3600" b="1" dirty="0" smtClean="0">
+                <a:latin typeface="Yu Gothic UI" panose="020B0500000000000000" pitchFamily="34" charset="-128"/>
+                <a:ea typeface="Yu Gothic UI" panose="020B0500000000000000" pitchFamily="34" charset="-128"/>
+              </a:rPr>
+              <a:t/>
+            </a:r>
+            <a:br>
+              <a:rPr lang="en-US" sz="3600" b="1" dirty="0" smtClean="0">
+                <a:latin typeface="Yu Gothic UI" panose="020B0500000000000000" pitchFamily="34" charset="-128"/>
+                <a:ea typeface="Yu Gothic UI" panose="020B0500000000000000" pitchFamily="34" charset="-128"/>
+              </a:rPr>
+            </a:br>
+            <a:r>
+              <a:rPr lang="en-US" sz="3600" b="1" dirty="0" err="1" smtClean="0">
+                <a:latin typeface="Yu Gothic UI" panose="020B0500000000000000" pitchFamily="34" charset="-128"/>
+                <a:ea typeface="Yu Gothic UI" panose="020B0500000000000000" pitchFamily="34" charset="-128"/>
+              </a:rPr>
+              <a:t>Ex:FileNotFoundException,ClassNotFoundException</a:t>
+            </a:r>
+            <a:r>
+              <a:rPr lang="en-US" sz="3600" b="1" dirty="0">
+                <a:latin typeface="Yu Gothic UI" panose="020B0500000000000000" pitchFamily="34" charset="-128"/>
+                <a:ea typeface="Yu Gothic UI" panose="020B0500000000000000" pitchFamily="34" charset="-128"/>
+              </a:rPr>
+              <a:t>, IOException, SQLException etc. </a:t>
+            </a:r>
+            <a:endParaRPr sz="3600" b="1" dirty="0">
+              <a:latin typeface="Yu Gothic UI" panose="020B0500000000000000" pitchFamily="34" charset="-128"/>
+              <a:ea typeface="Yu Gothic UI" panose="020B0500000000000000" pitchFamily="34" charset="-128"/>
+            </a:endParaRPr>
           </a:p>
         </p:txBody>
       </p:sp>
     </p:spTree>
     <p:extLst>
       <p:ext uri="{BB962C8B-B14F-4D97-AF65-F5344CB8AC3E}">
-        <p14:creationId xmlns:p14="http://schemas.microsoft.com/office/powerpoint/2010/main" val="2623139970"/>
+        <p14:creationId xmlns:p14="http://schemas.microsoft.com/office/powerpoint/2010/main" val="1361447192"/>
       </p:ext>
     </p:extLst>
   </p:cSld>
@@ -16339,318 +12022,198 @@
       </p:grpSpPr>
       <p:sp>
         <p:nvSpPr>
-          <p:cNvPr id="5" name="Rectangle 4"/>
-          <p:cNvSpPr/>
-          <p:nvPr/>
-        </p:nvSpPr>
-        <p:spPr>
-          <a:xfrm>
-            <a:off x="1440610" y="3797024"/>
-            <a:ext cx="1671782" cy="1330034"/>
-          </a:xfrm>
-          <a:prstGeom prst="rect">
-            <a:avLst/>
-          </a:prstGeom>
-        </p:spPr>
-        <p:style>
-          <a:lnRef idx="2">
-            <a:schemeClr val="accent1">
-              <a:shade val="50000"/>
-            </a:schemeClr>
-          </a:lnRef>
-          <a:fillRef idx="1">
-            <a:schemeClr val="accent1"/>
-          </a:fillRef>
-          <a:effectRef idx="0">
-            <a:schemeClr val="accent1"/>
-          </a:effectRef>
-          <a:fontRef idx="minor">
-            <a:schemeClr val="lt1"/>
-          </a:fontRef>
-        </p:style>
-        <p:txBody>
-          <a:bodyPr rtlCol="0" anchor="ctr"/>
+          <p:cNvPr id="2" name="Title 1"/>
+          <p:cNvSpPr>
+            <a:spLocks noGrp="1"/>
+          </p:cNvSpPr>
+          <p:nvPr>
+            <p:ph type="title"/>
+          </p:nvPr>
+        </p:nvSpPr>
+        <p:spPr/>
+        <p:txBody>
+          <a:bodyPr/>
           <a:lstStyle/>
           <a:p>
-            <a:pPr algn="ctr"/>
             <a:r>
-              <a:rPr lang="en-US" sz="3200" dirty="0" smtClean="0"/>
-              <a:t>Sensor</a:t>
+              <a:rPr lang="en-US" b="1" dirty="0" smtClean="0">
+                <a:latin typeface="Proxima Nova"/>
+              </a:rPr>
+              <a:t>Unchecked </a:t>
             </a:r>
-            <a:endParaRPr lang="en-US" sz="3200" dirty="0"/>
-          </a:p>
-        </p:txBody>
-      </p:sp>
-      <p:sp>
-        <p:nvSpPr>
-          <p:cNvPr id="7" name="TextBox 6"/>
-          <p:cNvSpPr txBox="1"/>
-          <p:nvPr/>
-        </p:nvSpPr>
-        <p:spPr>
-          <a:xfrm>
-            <a:off x="248857" y="304800"/>
-            <a:ext cx="11084161" cy="707886"/>
-          </a:xfrm>
-          <a:prstGeom prst="rect">
-            <a:avLst/>
-          </a:prstGeom>
-          <a:noFill/>
-        </p:spPr>
-        <p:txBody>
-          <a:bodyPr wrap="square" rtlCol="0">
-            <a:spAutoFit/>
+            <a:r>
+              <a:rPr lang="en-US" b="1" dirty="0">
+                <a:latin typeface="Proxima Nova"/>
+              </a:rPr>
+              <a:t>Exception:</a:t>
+            </a:r>
+            <a:endParaRPr lang="en-US" b="1" dirty="0"/>
+          </a:p>
+        </p:txBody>
+      </p:sp>
+      <p:sp>
+        <p:nvSpPr>
+          <p:cNvPr id="3" name="Content Placeholder 2"/>
+          <p:cNvSpPr>
+            <a:spLocks noGrp="1"/>
+          </p:cNvSpPr>
+          <p:nvPr>
+            <p:ph idx="1"/>
+          </p:nvPr>
+        </p:nvSpPr>
+        <p:spPr/>
+        <p:txBody>
+          <a:bodyPr>
+            <a:normAutofit lnSpcReduction="10000"/>
           </a:bodyPr>
           <a:lstStyle/>
           <a:p>
+            <a:pPr marL="0" indent="0">
+              <a:buNone/>
+            </a:pPr>
+            <a:endParaRPr lang="en-US" sz="3600" dirty="0" smtClean="0">
+              <a:latin typeface="Yu Gothic" panose="020B0400000000000000" pitchFamily="34" charset="-128"/>
+              <a:ea typeface="Yu Gothic" panose="020B0400000000000000" pitchFamily="34" charset="-128"/>
+            </a:endParaRPr>
+          </a:p>
+          <a:p>
+            <a:pPr marL="0" indent="0">
+              <a:buNone/>
+            </a:pPr>
             <a:r>
-              <a:rPr lang="en-US" sz="4000" dirty="0" smtClean="0"/>
-              <a:t>Sensor working</a:t>
-            </a:r>
-            <a:endParaRPr lang="en-US" sz="4000" dirty="0"/>
-          </a:p>
-        </p:txBody>
-      </p:sp>
-      <p:sp>
-        <p:nvSpPr>
-          <p:cNvPr id="8" name="TextBox 7"/>
-          <p:cNvSpPr txBox="1"/>
-          <p:nvPr/>
-        </p:nvSpPr>
-        <p:spPr>
-          <a:xfrm>
-            <a:off x="248857" y="1533236"/>
-            <a:ext cx="2383507" cy="523220"/>
-          </a:xfrm>
-          <a:prstGeom prst="rect">
-            <a:avLst/>
-          </a:prstGeom>
-          <a:noFill/>
-        </p:spPr>
-        <p:txBody>
-          <a:bodyPr wrap="square" rtlCol="0">
-            <a:spAutoFit/>
-          </a:bodyPr>
-          <a:lstStyle/>
-          <a:p>
-            <a:r>
-              <a:rPr lang="en-US" sz="2800" dirty="0" smtClean="0"/>
-              <a:t>Step : 2</a:t>
-            </a:r>
-            <a:endParaRPr lang="en-US" sz="2800" dirty="0"/>
-          </a:p>
-        </p:txBody>
-      </p:sp>
-      <p:sp>
-        <p:nvSpPr>
-          <p:cNvPr id="11" name="Rectangle 10"/>
-          <p:cNvSpPr/>
-          <p:nvPr/>
-        </p:nvSpPr>
-        <p:spPr>
-          <a:xfrm>
-            <a:off x="6889142" y="5606213"/>
-            <a:ext cx="1877325" cy="665017"/>
-          </a:xfrm>
-          <a:prstGeom prst="rect">
-            <a:avLst/>
-          </a:prstGeom>
-        </p:spPr>
-        <p:style>
-          <a:lnRef idx="2">
-            <a:schemeClr val="accent1">
-              <a:shade val="50000"/>
-            </a:schemeClr>
-          </a:lnRef>
-          <a:fillRef idx="1">
-            <a:schemeClr val="accent1"/>
-          </a:fillRef>
-          <a:effectRef idx="0">
-            <a:schemeClr val="accent1"/>
-          </a:effectRef>
-          <a:fontRef idx="minor">
-            <a:schemeClr val="lt1"/>
-          </a:fontRef>
-        </p:style>
-        <p:txBody>
-          <a:bodyPr rtlCol="0" anchor="ctr"/>
-          <a:lstStyle/>
-          <a:p>
-            <a:pPr algn="ctr"/>
-            <a:r>
-              <a:rPr lang="en-US" sz="3200" dirty="0" smtClean="0"/>
-              <a:t>Whitelists</a:t>
-            </a:r>
-            <a:endParaRPr lang="en-US" sz="3200" dirty="0"/>
-          </a:p>
-        </p:txBody>
-      </p:sp>
-      <p:sp>
-        <p:nvSpPr>
-          <p:cNvPr id="12" name="Rectangle 11"/>
-          <p:cNvSpPr/>
-          <p:nvPr/>
-        </p:nvSpPr>
-        <p:spPr>
-          <a:xfrm>
-            <a:off x="6889142" y="2072346"/>
-            <a:ext cx="1746858" cy="665017"/>
-          </a:xfrm>
-          <a:prstGeom prst="rect">
-            <a:avLst/>
-          </a:prstGeom>
-        </p:spPr>
-        <p:style>
-          <a:lnRef idx="2">
-            <a:schemeClr val="accent1">
-              <a:shade val="50000"/>
-            </a:schemeClr>
-          </a:lnRef>
-          <a:fillRef idx="1">
-            <a:schemeClr val="accent1"/>
-          </a:fillRef>
-          <a:effectRef idx="0">
-            <a:schemeClr val="accent1"/>
-          </a:effectRef>
-          <a:fontRef idx="minor">
-            <a:schemeClr val="lt1"/>
-          </a:fontRef>
-        </p:style>
-        <p:txBody>
-          <a:bodyPr rtlCol="0" anchor="ctr"/>
-          <a:lstStyle/>
-          <a:p>
-            <a:pPr algn="ctr"/>
-            <a:r>
-              <a:rPr lang="en-US" sz="3200" dirty="0" smtClean="0"/>
-              <a:t>Blacklists</a:t>
-            </a:r>
-            <a:endParaRPr lang="en-US" sz="3200" dirty="0"/>
-          </a:p>
-        </p:txBody>
-      </p:sp>
-      <p:sp>
-        <p:nvSpPr>
-          <p:cNvPr id="13" name="Right Arrow 12"/>
-          <p:cNvSpPr/>
-          <p:nvPr/>
-        </p:nvSpPr>
-        <p:spPr>
-          <a:xfrm rot="20336951">
-            <a:off x="3605623" y="3206762"/>
-            <a:ext cx="2599445" cy="227178"/>
-          </a:xfrm>
-          <a:prstGeom prst="rightArrow">
-            <a:avLst/>
-          </a:prstGeom>
-        </p:spPr>
-        <p:style>
-          <a:lnRef idx="2">
-            <a:schemeClr val="accent1">
-              <a:shade val="50000"/>
-            </a:schemeClr>
-          </a:lnRef>
-          <a:fillRef idx="1">
-            <a:schemeClr val="accent1"/>
-          </a:fillRef>
-          <a:effectRef idx="0">
-            <a:schemeClr val="accent1"/>
-          </a:effectRef>
-          <a:fontRef idx="minor">
-            <a:schemeClr val="lt1"/>
-          </a:fontRef>
-        </p:style>
-        <p:txBody>
-          <a:bodyPr rtlCol="0" anchor="ctr"/>
-          <a:lstStyle/>
-          <a:p>
-            <a:pPr algn="ctr"/>
-            <a:endParaRPr lang="en-US"/>
-          </a:p>
-        </p:txBody>
-      </p:sp>
-      <p:sp>
-        <p:nvSpPr>
-          <p:cNvPr id="14" name="Right Arrow 13"/>
-          <p:cNvSpPr/>
-          <p:nvPr/>
-        </p:nvSpPr>
-        <p:spPr>
-          <a:xfrm rot="1072762">
-            <a:off x="3616212" y="5282952"/>
-            <a:ext cx="2769108" cy="236401"/>
-          </a:xfrm>
-          <a:prstGeom prst="rightArrow">
-            <a:avLst/>
-          </a:prstGeom>
-        </p:spPr>
-        <p:style>
-          <a:lnRef idx="2">
-            <a:schemeClr val="accent1">
-              <a:shade val="50000"/>
-            </a:schemeClr>
-          </a:lnRef>
-          <a:fillRef idx="1">
-            <a:schemeClr val="accent1"/>
-          </a:fillRef>
-          <a:effectRef idx="0">
-            <a:schemeClr val="accent1"/>
-          </a:effectRef>
-          <a:fontRef idx="minor">
-            <a:schemeClr val="lt1"/>
-          </a:fontRef>
-        </p:style>
-        <p:txBody>
-          <a:bodyPr rtlCol="0" anchor="ctr"/>
-          <a:lstStyle/>
-          <a:p>
-            <a:pPr algn="ctr"/>
-            <a:endParaRPr lang="en-US"/>
-          </a:p>
-        </p:txBody>
-      </p:sp>
-      <p:sp>
-        <p:nvSpPr>
-          <p:cNvPr id="2" name="TextBox 1"/>
-          <p:cNvSpPr txBox="1"/>
-          <p:nvPr/>
-        </p:nvSpPr>
-        <p:spPr>
-          <a:xfrm>
-            <a:off x="4203658" y="3758329"/>
-            <a:ext cx="2427262" cy="1169551"/>
-          </a:xfrm>
-          <a:prstGeom prst="rect">
-            <a:avLst/>
-          </a:prstGeom>
-          <a:noFill/>
-        </p:spPr>
-        <p:txBody>
-          <a:bodyPr wrap="square" rtlCol="0">
-            <a:spAutoFit/>
-          </a:bodyPr>
-          <a:lstStyle/>
-          <a:p>
-            <a:r>
-              <a:rPr lang="en-US" sz="1400" dirty="0" smtClean="0"/>
-              <a:t>The captured packet data </a:t>
+              <a:rPr lang="en-US" sz="3600" b="1" dirty="0" smtClean="0">
+                <a:latin typeface="Yu Gothic UI" panose="020B0500000000000000" pitchFamily="34" charset="-128"/>
+                <a:ea typeface="Yu Gothic UI" panose="020B0500000000000000" pitchFamily="34" charset="-128"/>
+              </a:rPr>
+              <a:t>All </a:t>
             </a:r>
             <a:r>
-              <a:rPr lang="en-US" sz="1400" b="1" dirty="0" smtClean="0"/>
-              <a:t>(src_ip, dst_ip, src_port, dst_port, domain_name, query ) </a:t>
+              <a:rPr lang="en-US" sz="3600" b="1" dirty="0">
+                <a:latin typeface="Yu Gothic UI" panose="020B0500000000000000" pitchFamily="34" charset="-128"/>
+                <a:ea typeface="Yu Gothic UI" panose="020B0500000000000000" pitchFamily="34" charset="-128"/>
+              </a:rPr>
+              <a:t>the classes which inherit RuntimeException are known as Unchecked Exception. The Unchecked exceptions are not checked by the compiler at </a:t>
             </a:r>
             <a:r>
-              <a:rPr lang="en-US" sz="1400" dirty="0" smtClean="0"/>
-              <a:t>is sent to the blacklists and white lists</a:t>
+              <a:rPr lang="en-US" sz="3600" b="1" dirty="0" smtClean="0">
+                <a:latin typeface="Yu Gothic UI" panose="020B0500000000000000" pitchFamily="34" charset="-128"/>
+                <a:ea typeface="Yu Gothic UI" panose="020B0500000000000000" pitchFamily="34" charset="-128"/>
+              </a:rPr>
+              <a:t>compile-time</a:t>
             </a:r>
-            <a:endParaRPr lang="en-US" sz="1400" dirty="0"/>
+            <a:r>
+              <a:rPr lang="en-US" sz="3600" b="1" dirty="0">
+                <a:latin typeface="Yu Gothic UI" panose="020B0500000000000000" pitchFamily="34" charset="-128"/>
+                <a:ea typeface="Yu Gothic UI" panose="020B0500000000000000" pitchFamily="34" charset="-128"/>
+              </a:rPr>
+              <a:t>. But they are checked at </a:t>
+            </a:r>
+            <a:r>
+              <a:rPr lang="en-US" sz="3600" b="1" dirty="0" smtClean="0">
+                <a:latin typeface="Yu Gothic UI" panose="020B0500000000000000" pitchFamily="34" charset="-128"/>
+                <a:ea typeface="Yu Gothic UI" panose="020B0500000000000000" pitchFamily="34" charset="-128"/>
+              </a:rPr>
+              <a:t>runtime</a:t>
+            </a:r>
+            <a:r>
+              <a:rPr lang="en-US" b="1" dirty="0" smtClean="0">
+                <a:latin typeface="Yu Gothic UI" panose="020B0500000000000000" pitchFamily="34" charset="-128"/>
+                <a:ea typeface="Yu Gothic UI" panose="020B0500000000000000" pitchFamily="34" charset="-128"/>
+              </a:rPr>
+              <a:t>.</a:t>
+            </a:r>
+          </a:p>
+          <a:p>
+            <a:pPr marL="0" indent="0">
+              <a:buNone/>
+            </a:pPr>
+            <a:r>
+              <a:rPr lang="en-US" sz="3600" b="1" dirty="0" smtClean="0">
+                <a:latin typeface="Yu Gothic UI" panose="020B0500000000000000" pitchFamily="34" charset="-128"/>
+                <a:ea typeface="Yu Gothic UI" panose="020B0500000000000000" pitchFamily="34" charset="-128"/>
+              </a:rPr>
+              <a:t>Ex:-</a:t>
+            </a:r>
+            <a:r>
+              <a:rPr lang="en-US" sz="3600" b="1" dirty="0">
+                <a:latin typeface="Yu Gothic UI" panose="020B0500000000000000" pitchFamily="34" charset="-128"/>
+                <a:ea typeface="Yu Gothic UI" panose="020B0500000000000000" pitchFamily="34" charset="-128"/>
+              </a:rPr>
+              <a:t> </a:t>
+            </a:r>
+            <a:r>
+              <a:rPr lang="en-US" sz="3600" b="1" dirty="0" err="1">
+                <a:latin typeface="Yu Gothic UI" panose="020B0500000000000000" pitchFamily="34" charset="-128"/>
+                <a:ea typeface="Yu Gothic UI" panose="020B0500000000000000" pitchFamily="34" charset="-128"/>
+              </a:rPr>
+              <a:t>ArithmeticException</a:t>
+            </a:r>
+            <a:r>
+              <a:rPr lang="en-US" sz="3600" b="1" dirty="0">
+                <a:latin typeface="Yu Gothic UI" panose="020B0500000000000000" pitchFamily="34" charset="-128"/>
+                <a:ea typeface="Yu Gothic UI" panose="020B0500000000000000" pitchFamily="34" charset="-128"/>
+              </a:rPr>
+              <a:t>, </a:t>
+            </a:r>
+            <a:r>
+              <a:rPr lang="en-US" sz="3600" b="1" dirty="0" err="1">
+                <a:latin typeface="Yu Gothic UI" panose="020B0500000000000000" pitchFamily="34" charset="-128"/>
+                <a:ea typeface="Yu Gothic UI" panose="020B0500000000000000" pitchFamily="34" charset="-128"/>
+              </a:rPr>
+              <a:t>NullPointerException</a:t>
+            </a:r>
+            <a:r>
+              <a:rPr lang="en-US" sz="3600" b="1" dirty="0">
+                <a:latin typeface="Yu Gothic UI" panose="020B0500000000000000" pitchFamily="34" charset="-128"/>
+                <a:ea typeface="Yu Gothic UI" panose="020B0500000000000000" pitchFamily="34" charset="-128"/>
+              </a:rPr>
+              <a:t>, </a:t>
+            </a:r>
+            <a:r>
+              <a:rPr lang="en-US" sz="3600" b="1" dirty="0" err="1">
+                <a:latin typeface="Yu Gothic UI" panose="020B0500000000000000" pitchFamily="34" charset="-128"/>
+                <a:ea typeface="Yu Gothic UI" panose="020B0500000000000000" pitchFamily="34" charset="-128"/>
+              </a:rPr>
+              <a:t>ArrayIndexOutOfBounds</a:t>
+            </a:r>
+            <a:r>
+              <a:rPr lang="en-US" sz="3600" b="1" dirty="0">
+                <a:latin typeface="Yu Gothic UI" panose="020B0500000000000000" pitchFamily="34" charset="-128"/>
+                <a:ea typeface="Yu Gothic UI" panose="020B0500000000000000" pitchFamily="34" charset="-128"/>
+              </a:rPr>
+              <a:t> etc.</a:t>
+            </a:r>
+            <a:r>
+              <a:rPr lang="en-US" sz="3600" b="1" dirty="0">
+                <a:latin typeface="Yu Gothic UI" panose="020B0500000000000000" pitchFamily="34" charset="-128"/>
+                <a:ea typeface="Yu Gothic UI" panose="020B0500000000000000" pitchFamily="34" charset="-128"/>
+              </a:rPr>
+              <a:t> </a:t>
+            </a:r>
+            <a:r>
+              <a:rPr lang="en-US" sz="3600" dirty="0">
+                <a:latin typeface="Yu Gothic UI" panose="020B0500000000000000" pitchFamily="34" charset="-128"/>
+                <a:ea typeface="Yu Gothic UI" panose="020B0500000000000000" pitchFamily="34" charset="-128"/>
+              </a:rPr>
+              <a:t/>
+            </a:r>
+            <a:br>
+              <a:rPr lang="en-US" sz="3600" dirty="0">
+                <a:latin typeface="Yu Gothic UI" panose="020B0500000000000000" pitchFamily="34" charset="-128"/>
+                <a:ea typeface="Yu Gothic UI" panose="020B0500000000000000" pitchFamily="34" charset="-128"/>
+              </a:rPr>
+            </a:br>
+            <a:endParaRPr lang="en-US" sz="3600" dirty="0" smtClean="0">
+              <a:latin typeface="Yu Gothic UI" panose="020B0500000000000000" pitchFamily="34" charset="-128"/>
+              <a:ea typeface="Yu Gothic UI" panose="020B0500000000000000" pitchFamily="34" charset="-128"/>
+            </a:endParaRPr>
           </a:p>
         </p:txBody>
       </p:sp>
     </p:spTree>
     <p:extLst>
       <p:ext uri="{BB962C8B-B14F-4D97-AF65-F5344CB8AC3E}">
-        <p14:creationId xmlns:p14="http://schemas.microsoft.com/office/powerpoint/2010/main" val="4285642691"/>
+        <p14:creationId xmlns:p14="http://schemas.microsoft.com/office/powerpoint/2010/main" val="2261429877"/>
       </p:ext>
     </p:extLst>
   </p:cSld>
